--- a/Descriptions/DisplayImage.pptx
+++ b/Descriptions/DisplayImage.pptx
@@ -5,9 +5,13 @@
     <p:sldMasterId id="2147483648" r:id="rId1"/>
   </p:sldMasterIdLst>
   <p:sldIdLst>
-    <p:sldId id="277" r:id="rId2"/>
-    <p:sldId id="278" r:id="rId3"/>
-    <p:sldId id="279" r:id="rId4"/>
+    <p:sldId id="281" r:id="rId2"/>
+    <p:sldId id="280" r:id="rId3"/>
+    <p:sldId id="278" r:id="rId4"/>
+    <p:sldId id="282" r:id="rId5"/>
+    <p:sldId id="283" r:id="rId6"/>
+    <p:sldId id="277" r:id="rId7"/>
+    <p:sldId id="279" r:id="rId8"/>
   </p:sldIdLst>
   <p:sldSz cx="12192000" cy="6858000"/>
   <p:notesSz cx="6858000" cy="9144000"/>
@@ -245,7 +249,7 @@
           <a:p>
             <a:fld id="{9A42C61D-D669-4B9E-81E6-AA43D08BFCD1}" type="datetimeFigureOut">
               <a:rPr lang="de-CH" smtClean="0"/>
-              <a:t>30.11.2023</a:t>
+              <a:t>11.03.2024</a:t>
             </a:fld>
             <a:endParaRPr lang="de-CH"/>
           </a:p>
@@ -415,7 +419,7 @@
           <a:p>
             <a:fld id="{9A42C61D-D669-4B9E-81E6-AA43D08BFCD1}" type="datetimeFigureOut">
               <a:rPr lang="de-CH" smtClean="0"/>
-              <a:t>30.11.2023</a:t>
+              <a:t>11.03.2024</a:t>
             </a:fld>
             <a:endParaRPr lang="de-CH"/>
           </a:p>
@@ -595,7 +599,7 @@
           <a:p>
             <a:fld id="{9A42C61D-D669-4B9E-81E6-AA43D08BFCD1}" type="datetimeFigureOut">
               <a:rPr lang="de-CH" smtClean="0"/>
-              <a:t>30.11.2023</a:t>
+              <a:t>11.03.2024</a:t>
             </a:fld>
             <a:endParaRPr lang="de-CH"/>
           </a:p>
@@ -765,7 +769,7 @@
           <a:p>
             <a:fld id="{9A42C61D-D669-4B9E-81E6-AA43D08BFCD1}" type="datetimeFigureOut">
               <a:rPr lang="de-CH" smtClean="0"/>
-              <a:t>30.11.2023</a:t>
+              <a:t>11.03.2024</a:t>
             </a:fld>
             <a:endParaRPr lang="de-CH"/>
           </a:p>
@@ -1011,7 +1015,7 @@
           <a:p>
             <a:fld id="{9A42C61D-D669-4B9E-81E6-AA43D08BFCD1}" type="datetimeFigureOut">
               <a:rPr lang="de-CH" smtClean="0"/>
-              <a:t>30.11.2023</a:t>
+              <a:t>11.03.2024</a:t>
             </a:fld>
             <a:endParaRPr lang="de-CH"/>
           </a:p>
@@ -1243,7 +1247,7 @@
           <a:p>
             <a:fld id="{9A42C61D-D669-4B9E-81E6-AA43D08BFCD1}" type="datetimeFigureOut">
               <a:rPr lang="de-CH" smtClean="0"/>
-              <a:t>30.11.2023</a:t>
+              <a:t>11.03.2024</a:t>
             </a:fld>
             <a:endParaRPr lang="de-CH"/>
           </a:p>
@@ -1610,7 +1614,7 @@
           <a:p>
             <a:fld id="{9A42C61D-D669-4B9E-81E6-AA43D08BFCD1}" type="datetimeFigureOut">
               <a:rPr lang="de-CH" smtClean="0"/>
-              <a:t>30.11.2023</a:t>
+              <a:t>11.03.2024</a:t>
             </a:fld>
             <a:endParaRPr lang="de-CH"/>
           </a:p>
@@ -1728,7 +1732,7 @@
           <a:p>
             <a:fld id="{9A42C61D-D669-4B9E-81E6-AA43D08BFCD1}" type="datetimeFigureOut">
               <a:rPr lang="de-CH" smtClean="0"/>
-              <a:t>30.11.2023</a:t>
+              <a:t>11.03.2024</a:t>
             </a:fld>
             <a:endParaRPr lang="de-CH"/>
           </a:p>
@@ -1823,7 +1827,7 @@
           <a:p>
             <a:fld id="{9A42C61D-D669-4B9E-81E6-AA43D08BFCD1}" type="datetimeFigureOut">
               <a:rPr lang="de-CH" smtClean="0"/>
-              <a:t>30.11.2023</a:t>
+              <a:t>11.03.2024</a:t>
             </a:fld>
             <a:endParaRPr lang="de-CH"/>
           </a:p>
@@ -2100,7 +2104,7 @@
           <a:p>
             <a:fld id="{9A42C61D-D669-4B9E-81E6-AA43D08BFCD1}" type="datetimeFigureOut">
               <a:rPr lang="de-CH" smtClean="0"/>
-              <a:t>30.11.2023</a:t>
+              <a:t>11.03.2024</a:t>
             </a:fld>
             <a:endParaRPr lang="de-CH"/>
           </a:p>
@@ -2353,7 +2357,7 @@
           <a:p>
             <a:fld id="{9A42C61D-D669-4B9E-81E6-AA43D08BFCD1}" type="datetimeFigureOut">
               <a:rPr lang="de-CH" smtClean="0"/>
-              <a:t>30.11.2023</a:t>
+              <a:t>11.03.2024</a:t>
             </a:fld>
             <a:endParaRPr lang="de-CH"/>
           </a:p>
@@ -2566,7 +2570,7 @@
           <a:p>
             <a:fld id="{9A42C61D-D669-4B9E-81E6-AA43D08BFCD1}" type="datetimeFigureOut">
               <a:rPr lang="de-CH" smtClean="0"/>
-              <a:t>30.11.2023</a:t>
+              <a:t>11.03.2024</a:t>
             </a:fld>
             <a:endParaRPr lang="de-CH"/>
           </a:p>
@@ -2973,10 +2977,85 @@
       </p:grpSpPr>
       <p:sp>
         <p:nvSpPr>
-          <p:cNvPr id="4" name="Textfeld 3">
+          <p:cNvPr id="4" name="AutoShape 4" descr="Random Button Vector SVG Icon - SVG Repo">
             <a:extLst>
               <a:ext uri="{FF2B5EF4-FFF2-40B4-BE49-F238E27FC236}">
-                <a16:creationId xmlns:a16="http://schemas.microsoft.com/office/drawing/2014/main" id="{A7268E18-B8BE-ABAA-DDE8-AC1C558CACDE}"/>
+                <a16:creationId xmlns:a16="http://schemas.microsoft.com/office/drawing/2014/main" id="{34AB0DE8-F883-81A8-7236-A5E2479A92C0}"/>
+              </a:ext>
+            </a:extLst>
+          </p:cNvPr>
+          <p:cNvSpPr>
+            <a:spLocks noChangeAspect="1" noChangeArrowheads="1"/>
+          </p:cNvSpPr>
+          <p:nvPr/>
+        </p:nvSpPr>
+        <p:spPr bwMode="auto">
+          <a:xfrm>
+            <a:off x="5943600" y="3308350"/>
+            <a:ext cx="304800" cy="304800"/>
+          </a:xfrm>
+          <a:prstGeom prst="rect">
+            <a:avLst/>
+          </a:prstGeom>
+          <a:noFill/>
+          <a:extLst>
+            <a:ext uri="{909E8E84-426E-40DD-AFC4-6F175D3DCCD1}">
+              <a14:hiddenFill xmlns:a14="http://schemas.microsoft.com/office/drawing/2010/main">
+                <a:solidFill>
+                  <a:srgbClr val="FFFFFF"/>
+                </a:solidFill>
+              </a14:hiddenFill>
+            </a:ext>
+          </a:extLst>
+        </p:spPr>
+        <p:txBody>
+          <a:bodyPr vert="horz" wrap="square" lIns="91440" tIns="45720" rIns="91440" bIns="45720" numCol="1" anchor="t" anchorCtr="0" compatLnSpc="1">
+            <a:prstTxWarp prst="textNoShape">
+              <a:avLst/>
+            </a:prstTxWarp>
+          </a:bodyPr>
+          <a:lstStyle/>
+          <a:p>
+            <a:endParaRPr lang="de-CH"/>
+          </a:p>
+        </p:txBody>
+      </p:sp>
+      <p:pic>
+        <p:nvPicPr>
+          <p:cNvPr id="3" name="Grafik 2">
+            <a:extLst>
+              <a:ext uri="{FF2B5EF4-FFF2-40B4-BE49-F238E27FC236}">
+                <a16:creationId xmlns:a16="http://schemas.microsoft.com/office/drawing/2014/main" id="{96AE4334-CD4E-A18E-2DEC-B38D0755B503}"/>
+              </a:ext>
+            </a:extLst>
+          </p:cNvPr>
+          <p:cNvPicPr>
+            <a:picLocks noChangeAspect="1"/>
+          </p:cNvPicPr>
+          <p:nvPr/>
+        </p:nvPicPr>
+        <p:blipFill>
+          <a:blip r:embed="rId2"/>
+          <a:stretch>
+            <a:fillRect/>
+          </a:stretch>
+        </p:blipFill>
+        <p:spPr>
+          <a:xfrm>
+            <a:off x="220243" y="996655"/>
+            <a:ext cx="4817353" cy="3776870"/>
+          </a:xfrm>
+          <a:prstGeom prst="rect">
+            <a:avLst/>
+          </a:prstGeom>
+        </p:spPr>
+      </p:pic>
+      <p:sp>
+        <p:nvSpPr>
+          <p:cNvPr id="5" name="Textfeld 4">
+            <a:extLst>
+              <a:ext uri="{FF2B5EF4-FFF2-40B4-BE49-F238E27FC236}">
+                <a16:creationId xmlns:a16="http://schemas.microsoft.com/office/drawing/2014/main" id="{58B9BEC6-FE86-7ADB-0289-8EAFC8C019E2}"/>
               </a:ext>
             </a:extLst>
           </p:cNvPr>
@@ -2985,8 +3064,8 @@
         </p:nvSpPr>
         <p:spPr>
           <a:xfrm>
-            <a:off x="3996009" y="117376"/>
-            <a:ext cx="2707532" cy="369332"/>
+            <a:off x="1334706" y="117376"/>
+            <a:ext cx="6686171" cy="369332"/>
           </a:xfrm>
           <a:prstGeom prst="rect">
             <a:avLst/>
@@ -3008,7 +3087,7 @@
                 <a:latin typeface="Arial" panose="020B0604020202020204" pitchFamily="34" charset="0"/>
                 <a:cs typeface="Arial" panose="020B0604020202020204" pitchFamily="34" charset="0"/>
               </a:rPr>
-              <a:t>Class </a:t>
+              <a:t>Classes </a:t>
             </a:r>
             <a:r>
               <a:rPr lang="fr-FR" b="1" dirty="0" err="1">
@@ -3019,6 +3098,26 @@
                 <a:cs typeface="Arial" panose="020B0604020202020204" pitchFamily="34" charset="0"/>
               </a:rPr>
               <a:t>DisplayImage</a:t>
+            </a:r>
+            <a:r>
+              <a:rPr lang="fr-FR" b="1" dirty="0">
+                <a:solidFill>
+                  <a:srgbClr val="FF0000"/>
+                </a:solidFill>
+                <a:latin typeface="Arial" panose="020B0604020202020204" pitchFamily="34" charset="0"/>
+                <a:cs typeface="Arial" panose="020B0604020202020204" pitchFamily="34" charset="0"/>
+              </a:rPr>
+              <a:t> and </a:t>
+            </a:r>
+            <a:r>
+              <a:rPr lang="fr-FR" b="1" dirty="0" err="1">
+                <a:solidFill>
+                  <a:srgbClr val="FF0000"/>
+                </a:solidFill>
+                <a:latin typeface="Arial" panose="020B0604020202020204" pitchFamily="34" charset="0"/>
+                <a:cs typeface="Arial" panose="020B0604020202020204" pitchFamily="34" charset="0"/>
+              </a:rPr>
+              <a:t>DisplayImageText</a:t>
             </a:r>
             <a:endParaRPr lang="fr-FR" b="1" dirty="0">
               <a:solidFill>
@@ -3030,2059 +3129,424 @@
           </a:p>
         </p:txBody>
       </p:sp>
-      <p:sp>
-        <p:nvSpPr>
-          <p:cNvPr id="8" name="Textfeld 7">
+      <p:pic>
+        <p:nvPicPr>
+          <p:cNvPr id="7" name="Grafik 6">
             <a:extLst>
               <a:ext uri="{FF2B5EF4-FFF2-40B4-BE49-F238E27FC236}">
-                <a16:creationId xmlns:a16="http://schemas.microsoft.com/office/drawing/2014/main" id="{AE67ADB5-1E99-DA33-9999-B78F44DBD93A}"/>
+                <a16:creationId xmlns:a16="http://schemas.microsoft.com/office/drawing/2014/main" id="{744F8D94-8716-3FF9-BC75-7D4CBE6012EC}"/>
               </a:ext>
             </a:extLst>
           </p:cNvPr>
-          <p:cNvSpPr txBox="1"/>
+          <p:cNvPicPr>
+            <a:picLocks noChangeAspect="1"/>
+          </p:cNvPicPr>
           <p:nvPr/>
-        </p:nvSpPr>
-        <p:spPr>
-          <a:xfrm>
-            <a:off x="1635478" y="486709"/>
-            <a:ext cx="4524001" cy="215444"/>
-          </a:xfrm>
-          <a:prstGeom prst="rect">
-            <a:avLst/>
-          </a:prstGeom>
-          <a:noFill/>
-        </p:spPr>
-        <p:txBody>
-          <a:bodyPr wrap="square" rtlCol="0">
-            <a:spAutoFit/>
-          </a:bodyPr>
-          <a:lstStyle/>
-          <a:p>
-            <a:r>
-              <a:rPr lang="de-CH" sz="800" b="1" dirty="0" err="1">
-                <a:latin typeface="Arial" panose="020B0604020202020204" pitchFamily="34" charset="0"/>
-                <a:cs typeface="Arial" panose="020B0604020202020204" pitchFamily="34" charset="0"/>
-              </a:rPr>
-              <a:t>id_div_display_image_my_fctn_rec_x</a:t>
-            </a:r>
-            <a:r>
-              <a:rPr lang="de-CH" sz="800" b="1" dirty="0">
-                <a:latin typeface="Arial" panose="020B0604020202020204" pitchFamily="34" charset="0"/>
-                <a:cs typeface="Arial" panose="020B0604020202020204" pitchFamily="34" charset="0"/>
-              </a:rPr>
-              <a:t>      </a:t>
-            </a:r>
-            <a:r>
-              <a:rPr lang="de-CH" sz="800" b="1" dirty="0" err="1">
-                <a:latin typeface="Arial" panose="020B0604020202020204" pitchFamily="34" charset="0"/>
-                <a:cs typeface="Arial" panose="020B0604020202020204" pitchFamily="34" charset="0"/>
-              </a:rPr>
-              <a:t>m_style_display_image</a:t>
-            </a:r>
-            <a:r>
-              <a:rPr lang="de-CH" sz="800" b="1" dirty="0">
-                <a:latin typeface="Arial" panose="020B0604020202020204" pitchFamily="34" charset="0"/>
-                <a:cs typeface="Arial" panose="020B0604020202020204" pitchFamily="34" charset="0"/>
-              </a:rPr>
-              <a:t> = </a:t>
-            </a:r>
-            <a:r>
-              <a:rPr lang="de-CH" sz="800" b="1" dirty="0" err="1">
-                <a:latin typeface="Arial" panose="020B0604020202020204" pitchFamily="34" charset="0"/>
-                <a:cs typeface="Arial" panose="020B0604020202020204" pitchFamily="34" charset="0"/>
-              </a:rPr>
-              <a:t>clear</a:t>
-            </a:r>
-            <a:r>
-              <a:rPr lang="de-CH" sz="800" b="1" dirty="0">
-                <a:latin typeface="Arial" panose="020B0604020202020204" pitchFamily="34" charset="0"/>
-                <a:cs typeface="Arial" panose="020B0604020202020204" pitchFamily="34" charset="0"/>
-              </a:rPr>
-              <a:t>: </a:t>
-            </a:r>
-            <a:r>
-              <a:rPr lang="de-CH" sz="800" b="1" dirty="0" err="1">
-                <a:latin typeface="Arial" panose="020B0604020202020204" pitchFamily="34" charset="0"/>
-                <a:cs typeface="Arial" panose="020B0604020202020204" pitchFamily="34" charset="0"/>
-              </a:rPr>
-              <a:t>both</a:t>
-            </a:r>
-            <a:endParaRPr lang="de-CH" sz="800" b="1" dirty="0">
-              <a:latin typeface="Arial" panose="020B0604020202020204" pitchFamily="34" charset="0"/>
-              <a:cs typeface="Arial" panose="020B0604020202020204" pitchFamily="34" charset="0"/>
-            </a:endParaRPr>
-          </a:p>
-        </p:txBody>
-      </p:sp>
-      <p:sp>
-        <p:nvSpPr>
-          <p:cNvPr id="2" name="Rechteck 1">
+        </p:nvPicPr>
+        <p:blipFill>
+          <a:blip r:embed="rId3"/>
+          <a:stretch>
+            <a:fillRect/>
+          </a:stretch>
+        </p:blipFill>
+        <p:spPr>
+          <a:xfrm>
+            <a:off x="6304967" y="934279"/>
+            <a:ext cx="2429854" cy="3898811"/>
+          </a:xfrm>
+          <a:prstGeom prst="rect">
+            <a:avLst/>
+          </a:prstGeom>
+        </p:spPr>
+      </p:pic>
+      <p:pic>
+        <p:nvPicPr>
+          <p:cNvPr id="17" name="Grafik 16">
             <a:extLst>
               <a:ext uri="{FF2B5EF4-FFF2-40B4-BE49-F238E27FC236}">
-                <a16:creationId xmlns:a16="http://schemas.microsoft.com/office/drawing/2014/main" id="{EAA1D7FC-6D13-11C7-4E0C-33744B389E41}"/>
+                <a16:creationId xmlns:a16="http://schemas.microsoft.com/office/drawing/2014/main" id="{56040607-96F7-CE21-E80E-A45A983CE968}"/>
               </a:ext>
             </a:extLst>
           </p:cNvPr>
-          <p:cNvSpPr/>
+          <p:cNvPicPr>
+            <a:picLocks noChangeAspect="1"/>
+          </p:cNvPicPr>
           <p:nvPr/>
-        </p:nvSpPr>
-        <p:spPr>
-          <a:xfrm>
-            <a:off x="1635478" y="486708"/>
-            <a:ext cx="7703255" cy="6253916"/>
-          </a:xfrm>
-          <a:prstGeom prst="rect">
-            <a:avLst/>
-          </a:prstGeom>
-          <a:noFill/>
-          <a:ln>
-            <a:solidFill>
-              <a:schemeClr val="tx1"/>
-            </a:solidFill>
-          </a:ln>
-        </p:spPr>
-        <p:style>
-          <a:lnRef idx="2">
-            <a:schemeClr val="accent1">
-              <a:shade val="50000"/>
-            </a:schemeClr>
-          </a:lnRef>
-          <a:fillRef idx="1">
-            <a:schemeClr val="accent1"/>
-          </a:fillRef>
-          <a:effectRef idx="0">
-            <a:schemeClr val="accent1"/>
-          </a:effectRef>
-          <a:fontRef idx="minor">
-            <a:schemeClr val="lt1"/>
-          </a:fontRef>
-        </p:style>
-        <p:txBody>
-          <a:bodyPr rtlCol="0" anchor="ctr"/>
-          <a:lstStyle/>
-          <a:p>
-            <a:pPr algn="ctr"/>
-            <a:endParaRPr lang="de-CH" sz="1400" dirty="0">
-              <a:solidFill>
-                <a:schemeClr val="tx1"/>
-              </a:solidFill>
-              <a:latin typeface="Arial" panose="020B0604020202020204" pitchFamily="34" charset="0"/>
-              <a:cs typeface="Arial" panose="020B0604020202020204" pitchFamily="34" charset="0"/>
-            </a:endParaRPr>
-          </a:p>
-        </p:txBody>
-      </p:sp>
-      <p:sp>
-        <p:nvSpPr>
-          <p:cNvPr id="3" name="Rechteck 2">
+        </p:nvPicPr>
+        <p:blipFill>
+          <a:blip r:embed="rId4"/>
+          <a:stretch>
+            <a:fillRect/>
+          </a:stretch>
+        </p:blipFill>
+        <p:spPr>
+          <a:xfrm rot="16200000">
+            <a:off x="255821" y="3035410"/>
+            <a:ext cx="2045640" cy="112131"/>
+          </a:xfrm>
+          <a:prstGeom prst="rect">
+            <a:avLst/>
+          </a:prstGeom>
+        </p:spPr>
+      </p:pic>
+      <p:pic>
+        <p:nvPicPr>
+          <p:cNvPr id="13" name="Grafik 12">
             <a:extLst>
               <a:ext uri="{FF2B5EF4-FFF2-40B4-BE49-F238E27FC236}">
-                <a16:creationId xmlns:a16="http://schemas.microsoft.com/office/drawing/2014/main" id="{A34B3EDE-26B2-7FA0-DED0-7D62E1D4855C}"/>
+                <a16:creationId xmlns:a16="http://schemas.microsoft.com/office/drawing/2014/main" id="{753BA2C2-5F17-01C3-771A-BD5FC6605AE7}"/>
               </a:ext>
             </a:extLst>
           </p:cNvPr>
-          <p:cNvSpPr/>
+          <p:cNvPicPr>
+            <a:picLocks noChangeAspect="1"/>
+          </p:cNvPicPr>
           <p:nvPr/>
-        </p:nvSpPr>
-        <p:spPr>
-          <a:xfrm>
-            <a:off x="1754012" y="742233"/>
-            <a:ext cx="7483122" cy="1555036"/>
-          </a:xfrm>
-          <a:prstGeom prst="rect">
-            <a:avLst/>
-          </a:prstGeom>
-          <a:noFill/>
-          <a:ln>
-            <a:solidFill>
-              <a:schemeClr val="tx1"/>
-            </a:solidFill>
-          </a:ln>
-        </p:spPr>
-        <p:style>
-          <a:lnRef idx="2">
-            <a:schemeClr val="accent1">
-              <a:shade val="50000"/>
-            </a:schemeClr>
-          </a:lnRef>
-          <a:fillRef idx="1">
-            <a:schemeClr val="accent1"/>
-          </a:fillRef>
-          <a:effectRef idx="0">
-            <a:schemeClr val="accent1"/>
-          </a:effectRef>
-          <a:fontRef idx="minor">
-            <a:schemeClr val="lt1"/>
-          </a:fontRef>
-        </p:style>
-        <p:txBody>
-          <a:bodyPr rtlCol="0" anchor="ctr"/>
-          <a:lstStyle/>
-          <a:p>
-            <a:pPr algn="ctr"/>
-            <a:endParaRPr lang="de-CH" sz="1400" dirty="0">
-              <a:solidFill>
-                <a:schemeClr val="tx1"/>
-              </a:solidFill>
-              <a:latin typeface="Arial" panose="020B0604020202020204" pitchFamily="34" charset="0"/>
-              <a:cs typeface="Arial" panose="020B0604020202020204" pitchFamily="34" charset="0"/>
-            </a:endParaRPr>
-          </a:p>
-        </p:txBody>
-      </p:sp>
-      <p:sp>
-        <p:nvSpPr>
-          <p:cNvPr id="19" name="Textfeld 18">
+        </p:nvPicPr>
+        <p:blipFill>
+          <a:blip r:embed="rId5"/>
+          <a:stretch>
+            <a:fillRect/>
+          </a:stretch>
+        </p:blipFill>
+        <p:spPr>
+          <a:xfrm>
+            <a:off x="1222274" y="2153364"/>
+            <a:ext cx="112433" cy="93694"/>
+          </a:xfrm>
+          <a:prstGeom prst="rect">
+            <a:avLst/>
+          </a:prstGeom>
+        </p:spPr>
+      </p:pic>
+      <p:pic>
+        <p:nvPicPr>
+          <p:cNvPr id="9" name="Grafik 8">
             <a:extLst>
               <a:ext uri="{FF2B5EF4-FFF2-40B4-BE49-F238E27FC236}">
-                <a16:creationId xmlns:a16="http://schemas.microsoft.com/office/drawing/2014/main" id="{2029159E-D707-BB11-48D1-056238443313}"/>
+                <a16:creationId xmlns:a16="http://schemas.microsoft.com/office/drawing/2014/main" id="{CA85369F-BE31-0D61-7F3C-13159D871966}"/>
               </a:ext>
             </a:extLst>
           </p:cNvPr>
-          <p:cNvSpPr txBox="1"/>
+          <p:cNvPicPr>
+            <a:picLocks noChangeAspect="1"/>
+          </p:cNvPicPr>
           <p:nvPr/>
-        </p:nvSpPr>
-        <p:spPr>
-          <a:xfrm>
-            <a:off x="1754012" y="767276"/>
-            <a:ext cx="4833055" cy="215444"/>
-          </a:xfrm>
-          <a:prstGeom prst="rect">
-            <a:avLst/>
-          </a:prstGeom>
-          <a:noFill/>
-        </p:spPr>
-        <p:txBody>
-          <a:bodyPr wrap="square" rtlCol="0">
-            <a:spAutoFit/>
-          </a:bodyPr>
-          <a:lstStyle/>
-          <a:p>
-            <a:r>
-              <a:rPr lang="de-CH" sz="800" b="1" dirty="0" err="1">
-                <a:latin typeface="Arial" panose="020B0604020202020204" pitchFamily="34" charset="0"/>
-                <a:cs typeface="Arial" panose="020B0604020202020204" pitchFamily="34" charset="0"/>
-              </a:rPr>
-              <a:t>id_div_display_image_group_icons_my_fctn</a:t>
-            </a:r>
-            <a:r>
-              <a:rPr lang="de-CH" sz="800" b="1" dirty="0">
-                <a:latin typeface="Arial" panose="020B0604020202020204" pitchFamily="34" charset="0"/>
-                <a:cs typeface="Arial" panose="020B0604020202020204" pitchFamily="34" charset="0"/>
-              </a:rPr>
-              <a:t>      </a:t>
-            </a:r>
-            <a:r>
-              <a:rPr lang="de-CH" sz="800" b="1" dirty="0" err="1">
-                <a:latin typeface="Arial" panose="020B0604020202020204" pitchFamily="34" charset="0"/>
-                <a:cs typeface="Arial" panose="020B0604020202020204" pitchFamily="34" charset="0"/>
-              </a:rPr>
-              <a:t>style_display_image_group_icons</a:t>
-            </a:r>
-            <a:r>
-              <a:rPr lang="de-CH" sz="800" b="1" dirty="0">
-                <a:latin typeface="Arial" panose="020B0604020202020204" pitchFamily="34" charset="0"/>
-                <a:cs typeface="Arial" panose="020B0604020202020204" pitchFamily="34" charset="0"/>
-              </a:rPr>
-              <a:t> = </a:t>
-            </a:r>
-            <a:r>
-              <a:rPr lang="de-CH" sz="800" b="1" dirty="0" err="1">
-                <a:latin typeface="Arial" panose="020B0604020202020204" pitchFamily="34" charset="0"/>
-                <a:cs typeface="Arial" panose="020B0604020202020204" pitchFamily="34" charset="0"/>
-              </a:rPr>
-              <a:t>clear</a:t>
-            </a:r>
-            <a:r>
-              <a:rPr lang="de-CH" sz="800" b="1" dirty="0">
-                <a:latin typeface="Arial" panose="020B0604020202020204" pitchFamily="34" charset="0"/>
-                <a:cs typeface="Arial" panose="020B0604020202020204" pitchFamily="34" charset="0"/>
-              </a:rPr>
-              <a:t>: </a:t>
-            </a:r>
-            <a:r>
-              <a:rPr lang="de-CH" sz="800" b="1" dirty="0" err="1">
-                <a:latin typeface="Arial" panose="020B0604020202020204" pitchFamily="34" charset="0"/>
-                <a:cs typeface="Arial" panose="020B0604020202020204" pitchFamily="34" charset="0"/>
-              </a:rPr>
-              <a:t>both</a:t>
-            </a:r>
-            <a:endParaRPr lang="de-CH" sz="800" b="1" dirty="0">
-              <a:latin typeface="Arial" panose="020B0604020202020204" pitchFamily="34" charset="0"/>
-              <a:cs typeface="Arial" panose="020B0604020202020204" pitchFamily="34" charset="0"/>
-            </a:endParaRPr>
-          </a:p>
-        </p:txBody>
-      </p:sp>
-      <p:sp>
-        <p:nvSpPr>
-          <p:cNvPr id="23" name="Rechteck 22">
+        </p:nvPicPr>
+        <p:blipFill>
+          <a:blip r:embed="rId6">
+            <a:extLst>
+              <a:ext uri="{28A0092B-C50C-407E-A947-70E740481C1C}">
+                <a14:useLocalDpi xmlns:a14="http://schemas.microsoft.com/office/drawing/2010/main" val="0"/>
+              </a:ext>
+            </a:extLst>
+          </a:blip>
+          <a:stretch>
+            <a:fillRect/>
+          </a:stretch>
+        </p:blipFill>
+        <p:spPr>
+          <a:xfrm>
+            <a:off x="1222575" y="2819768"/>
+            <a:ext cx="112433" cy="255475"/>
+          </a:xfrm>
+          <a:prstGeom prst="rect">
+            <a:avLst/>
+          </a:prstGeom>
+        </p:spPr>
+      </p:pic>
+      <p:pic>
+        <p:nvPicPr>
+          <p:cNvPr id="18" name="Grafik 17">
             <a:extLst>
               <a:ext uri="{FF2B5EF4-FFF2-40B4-BE49-F238E27FC236}">
-                <a16:creationId xmlns:a16="http://schemas.microsoft.com/office/drawing/2014/main" id="{24E3A8E8-C8E2-46FE-9E98-F1592BA055F4}"/>
+                <a16:creationId xmlns:a16="http://schemas.microsoft.com/office/drawing/2014/main" id="{3A9C633E-D062-1C68-C7A5-5926F8907FAD}"/>
               </a:ext>
             </a:extLst>
           </p:cNvPr>
-          <p:cNvSpPr/>
+          <p:cNvPicPr>
+            <a:picLocks noChangeAspect="1"/>
+          </p:cNvPicPr>
           <p:nvPr/>
-        </p:nvSpPr>
-        <p:spPr>
-          <a:xfrm>
-            <a:off x="7776633" y="982719"/>
-            <a:ext cx="1285529" cy="1236027"/>
-          </a:xfrm>
-          <a:prstGeom prst="rect">
-            <a:avLst/>
-          </a:prstGeom>
-          <a:noFill/>
-          <a:ln>
-            <a:solidFill>
-              <a:schemeClr val="tx1"/>
-            </a:solidFill>
-          </a:ln>
-        </p:spPr>
-        <p:style>
-          <a:lnRef idx="2">
-            <a:schemeClr val="accent1">
-              <a:shade val="50000"/>
-            </a:schemeClr>
-          </a:lnRef>
-          <a:fillRef idx="1">
-            <a:schemeClr val="accent1"/>
-          </a:fillRef>
-          <a:effectRef idx="0">
-            <a:schemeClr val="accent1"/>
-          </a:effectRef>
-          <a:fontRef idx="minor">
-            <a:schemeClr val="lt1"/>
-          </a:fontRef>
-        </p:style>
-        <p:txBody>
-          <a:bodyPr rtlCol="0" anchor="ctr"/>
-          <a:lstStyle/>
-          <a:p>
-            <a:pPr algn="ctr"/>
-            <a:endParaRPr lang="de-CH" sz="1400" dirty="0">
-              <a:solidFill>
-                <a:schemeClr val="tx1"/>
-              </a:solidFill>
-              <a:latin typeface="Arial" panose="020B0604020202020204" pitchFamily="34" charset="0"/>
-              <a:cs typeface="Arial" panose="020B0604020202020204" pitchFamily="34" charset="0"/>
-            </a:endParaRPr>
-          </a:p>
-        </p:txBody>
-      </p:sp>
-      <p:sp>
-        <p:nvSpPr>
-          <p:cNvPr id="25" name="Textfeld 24">
+        </p:nvPicPr>
+        <p:blipFill>
+          <a:blip r:embed="rId4"/>
+          <a:stretch>
+            <a:fillRect/>
+          </a:stretch>
+        </p:blipFill>
+        <p:spPr>
+          <a:xfrm rot="16200000">
+            <a:off x="3719367" y="3035411"/>
+            <a:ext cx="2045640" cy="112131"/>
+          </a:xfrm>
+          <a:prstGeom prst="rect">
+            <a:avLst/>
+          </a:prstGeom>
+        </p:spPr>
+      </p:pic>
+      <p:pic>
+        <p:nvPicPr>
+          <p:cNvPr id="11" name="Grafik 10">
             <a:extLst>
               <a:ext uri="{FF2B5EF4-FFF2-40B4-BE49-F238E27FC236}">
-                <a16:creationId xmlns:a16="http://schemas.microsoft.com/office/drawing/2014/main" id="{8E760015-756A-0249-5C11-AB47DA72948B}"/>
+                <a16:creationId xmlns:a16="http://schemas.microsoft.com/office/drawing/2014/main" id="{AE6DFE64-7B81-8F7E-A12F-3C4E514BEE2B}"/>
               </a:ext>
             </a:extLst>
           </p:cNvPr>
-          <p:cNvSpPr txBox="1"/>
+          <p:cNvPicPr>
+            <a:picLocks noChangeAspect="1"/>
+          </p:cNvPicPr>
           <p:nvPr/>
-        </p:nvSpPr>
-        <p:spPr>
-          <a:xfrm>
-            <a:off x="7760757" y="1073501"/>
-            <a:ext cx="1430162" cy="461665"/>
-          </a:xfrm>
-          <a:prstGeom prst="rect">
-            <a:avLst/>
-          </a:prstGeom>
-          <a:noFill/>
-        </p:spPr>
-        <p:txBody>
-          <a:bodyPr wrap="square" rtlCol="0">
-            <a:spAutoFit/>
-          </a:bodyPr>
-          <a:lstStyle/>
-          <a:p>
-            <a:r>
-              <a:rPr lang="de-CH" sz="800" b="1" dirty="0">
-                <a:latin typeface="Arial" panose="020B0604020202020204" pitchFamily="34" charset="0"/>
-                <a:cs typeface="Arial" panose="020B0604020202020204" pitchFamily="34" charset="0"/>
-              </a:rPr>
-              <a:t>id...._</a:t>
-            </a:r>
-            <a:r>
-              <a:rPr lang="de-CH" sz="800" b="1" dirty="0" err="1">
-                <a:latin typeface="Arial" panose="020B0604020202020204" pitchFamily="34" charset="0"/>
-                <a:cs typeface="Arial" panose="020B0604020202020204" pitchFamily="34" charset="0"/>
-              </a:rPr>
-              <a:t>my_fctn_icon_one</a:t>
-            </a:r>
-            <a:r>
-              <a:rPr lang="de-CH" sz="800" b="1" dirty="0">
-                <a:latin typeface="Arial" panose="020B0604020202020204" pitchFamily="34" charset="0"/>
-                <a:cs typeface="Arial" panose="020B0604020202020204" pitchFamily="34" charset="0"/>
-              </a:rPr>
-              <a:t>     </a:t>
-            </a:r>
-          </a:p>
-          <a:p>
-            <a:r>
-              <a:rPr lang="de-CH" sz="800" b="1" dirty="0" err="1">
-                <a:latin typeface="Arial" panose="020B0604020202020204" pitchFamily="34" charset="0"/>
-                <a:cs typeface="Arial" panose="020B0604020202020204" pitchFamily="34" charset="0"/>
-              </a:rPr>
-              <a:t>m_style_icon</a:t>
-            </a:r>
-            <a:r>
-              <a:rPr lang="de-CH" sz="800" b="1" dirty="0">
-                <a:latin typeface="Arial" panose="020B0604020202020204" pitchFamily="34" charset="0"/>
-                <a:cs typeface="Arial" panose="020B0604020202020204" pitchFamily="34" charset="0"/>
-              </a:rPr>
-              <a:t> _</a:t>
-            </a:r>
-            <a:r>
-              <a:rPr lang="de-CH" sz="800" b="1" dirty="0" err="1">
-                <a:latin typeface="Arial" panose="020B0604020202020204" pitchFamily="34" charset="0"/>
-                <a:cs typeface="Arial" panose="020B0604020202020204" pitchFamily="34" charset="0"/>
-              </a:rPr>
-              <a:t>four</a:t>
-            </a:r>
-            <a:r>
-              <a:rPr lang="de-CH" sz="800" b="1" dirty="0">
-                <a:latin typeface="Arial" panose="020B0604020202020204" pitchFamily="34" charset="0"/>
-                <a:cs typeface="Arial" panose="020B0604020202020204" pitchFamily="34" charset="0"/>
-              </a:rPr>
-              <a:t> =        </a:t>
-            </a:r>
-          </a:p>
-          <a:p>
-            <a:r>
-              <a:rPr lang="de-CH" sz="800" b="1" dirty="0" err="1">
-                <a:latin typeface="Arial" panose="020B0604020202020204" pitchFamily="34" charset="0"/>
-                <a:cs typeface="Arial" panose="020B0604020202020204" pitchFamily="34" charset="0"/>
-              </a:rPr>
-              <a:t>float</a:t>
-            </a:r>
-            <a:r>
-              <a:rPr lang="de-CH" sz="800" b="1" dirty="0">
-                <a:latin typeface="Arial" panose="020B0604020202020204" pitchFamily="34" charset="0"/>
-                <a:cs typeface="Arial" panose="020B0604020202020204" pitchFamily="34" charset="0"/>
-              </a:rPr>
-              <a:t> : </a:t>
-            </a:r>
-            <a:r>
-              <a:rPr lang="de-CH" sz="800" b="1" dirty="0" err="1">
-                <a:latin typeface="Arial" panose="020B0604020202020204" pitchFamily="34" charset="0"/>
-                <a:cs typeface="Arial" panose="020B0604020202020204" pitchFamily="34" charset="0"/>
-              </a:rPr>
-              <a:t>right</a:t>
-            </a:r>
-            <a:endParaRPr lang="de-CH" sz="800" b="1" dirty="0">
-              <a:latin typeface="Arial" panose="020B0604020202020204" pitchFamily="34" charset="0"/>
-              <a:cs typeface="Arial" panose="020B0604020202020204" pitchFamily="34" charset="0"/>
-            </a:endParaRPr>
-          </a:p>
-        </p:txBody>
-      </p:sp>
-      <p:sp>
-        <p:nvSpPr>
-          <p:cNvPr id="27" name="Rechteck 26">
+        </p:nvPicPr>
+        <p:blipFill>
+          <a:blip r:embed="rId7">
+            <a:extLst>
+              <a:ext uri="{28A0092B-C50C-407E-A947-70E740481C1C}">
+                <a14:useLocalDpi xmlns:a14="http://schemas.microsoft.com/office/drawing/2010/main" val="0"/>
+              </a:ext>
+            </a:extLst>
+          </a:blip>
+          <a:stretch>
+            <a:fillRect/>
+          </a:stretch>
+        </p:blipFill>
+        <p:spPr>
+          <a:xfrm>
+            <a:off x="4686265" y="2827027"/>
+            <a:ext cx="111844" cy="255475"/>
+          </a:xfrm>
+          <a:prstGeom prst="rect">
+            <a:avLst/>
+          </a:prstGeom>
+        </p:spPr>
+      </p:pic>
+      <p:pic>
+        <p:nvPicPr>
+          <p:cNvPr id="15" name="Grafik 14">
             <a:extLst>
               <a:ext uri="{FF2B5EF4-FFF2-40B4-BE49-F238E27FC236}">
-                <a16:creationId xmlns:a16="http://schemas.microsoft.com/office/drawing/2014/main" id="{A84AED08-871D-AEC3-45B0-393525150857}"/>
+                <a16:creationId xmlns:a16="http://schemas.microsoft.com/office/drawing/2014/main" id="{8ABBB744-F06C-F964-8150-097B89E8296F}"/>
               </a:ext>
             </a:extLst>
           </p:cNvPr>
-          <p:cNvSpPr/>
+          <p:cNvPicPr>
+            <a:picLocks noChangeAspect="1"/>
+          </p:cNvPicPr>
           <p:nvPr/>
-        </p:nvSpPr>
-        <p:spPr>
-          <a:xfrm>
-            <a:off x="6311899" y="982719"/>
-            <a:ext cx="1285529" cy="1236027"/>
-          </a:xfrm>
-          <a:prstGeom prst="rect">
-            <a:avLst/>
-          </a:prstGeom>
-          <a:noFill/>
-          <a:ln>
-            <a:solidFill>
-              <a:schemeClr val="tx1"/>
-            </a:solidFill>
-          </a:ln>
-        </p:spPr>
-        <p:style>
-          <a:lnRef idx="2">
-            <a:schemeClr val="accent1">
-              <a:shade val="50000"/>
-            </a:schemeClr>
-          </a:lnRef>
-          <a:fillRef idx="1">
-            <a:schemeClr val="accent1"/>
-          </a:fillRef>
-          <a:effectRef idx="0">
-            <a:schemeClr val="accent1"/>
-          </a:effectRef>
-          <a:fontRef idx="minor">
-            <a:schemeClr val="lt1"/>
-          </a:fontRef>
-        </p:style>
-        <p:txBody>
-          <a:bodyPr rtlCol="0" anchor="ctr"/>
-          <a:lstStyle/>
-          <a:p>
-            <a:pPr algn="ctr"/>
-            <a:endParaRPr lang="de-CH" sz="1400" dirty="0">
-              <a:solidFill>
-                <a:schemeClr val="tx1"/>
-              </a:solidFill>
-              <a:latin typeface="Arial" panose="020B0604020202020204" pitchFamily="34" charset="0"/>
-              <a:cs typeface="Arial" panose="020B0604020202020204" pitchFamily="34" charset="0"/>
-            </a:endParaRPr>
-          </a:p>
-        </p:txBody>
-      </p:sp>
-      <p:sp>
-        <p:nvSpPr>
-          <p:cNvPr id="28" name="Textfeld 27">
+        </p:nvPicPr>
+        <p:blipFill>
+          <a:blip r:embed="rId8"/>
+          <a:stretch>
+            <a:fillRect/>
+          </a:stretch>
+        </p:blipFill>
+        <p:spPr>
+          <a:xfrm>
+            <a:off x="4684653" y="2103783"/>
+            <a:ext cx="109917" cy="164875"/>
+          </a:xfrm>
+          <a:prstGeom prst="rect">
+            <a:avLst/>
+          </a:prstGeom>
+        </p:spPr>
+      </p:pic>
+      <p:pic>
+        <p:nvPicPr>
+          <p:cNvPr id="19" name="Grafik 18">
             <a:extLst>
               <a:ext uri="{FF2B5EF4-FFF2-40B4-BE49-F238E27FC236}">
-                <a16:creationId xmlns:a16="http://schemas.microsoft.com/office/drawing/2014/main" id="{86C50DA5-9970-CD41-EE84-295E0FB4777E}"/>
+                <a16:creationId xmlns:a16="http://schemas.microsoft.com/office/drawing/2014/main" id="{358C7C6A-4353-47DC-6046-C0C1A5C60612}"/>
               </a:ext>
             </a:extLst>
           </p:cNvPr>
-          <p:cNvSpPr txBox="1"/>
+          <p:cNvPicPr>
+            <a:picLocks noChangeAspect="1"/>
+          </p:cNvPicPr>
           <p:nvPr/>
-        </p:nvSpPr>
-        <p:spPr>
-          <a:xfrm>
-            <a:off x="6296023" y="1073501"/>
-            <a:ext cx="1430162" cy="461665"/>
-          </a:xfrm>
-          <a:prstGeom prst="rect">
-            <a:avLst/>
-          </a:prstGeom>
-          <a:noFill/>
-        </p:spPr>
-        <p:txBody>
-          <a:bodyPr wrap="square" rtlCol="0">
-            <a:spAutoFit/>
-          </a:bodyPr>
-          <a:lstStyle/>
-          <a:p>
-            <a:r>
-              <a:rPr lang="de-CH" sz="800" b="1" dirty="0">
-                <a:latin typeface="Arial" panose="020B0604020202020204" pitchFamily="34" charset="0"/>
-                <a:cs typeface="Arial" panose="020B0604020202020204" pitchFamily="34" charset="0"/>
-              </a:rPr>
-              <a:t>id...._</a:t>
-            </a:r>
-            <a:r>
-              <a:rPr lang="de-CH" sz="800" b="1" dirty="0" err="1">
-                <a:latin typeface="Arial" panose="020B0604020202020204" pitchFamily="34" charset="0"/>
-                <a:cs typeface="Arial" panose="020B0604020202020204" pitchFamily="34" charset="0"/>
-              </a:rPr>
-              <a:t>my_fctn_icon_two</a:t>
-            </a:r>
-            <a:r>
-              <a:rPr lang="de-CH" sz="800" b="1" dirty="0">
-                <a:latin typeface="Arial" panose="020B0604020202020204" pitchFamily="34" charset="0"/>
-                <a:cs typeface="Arial" panose="020B0604020202020204" pitchFamily="34" charset="0"/>
-              </a:rPr>
-              <a:t>     </a:t>
-            </a:r>
-          </a:p>
-          <a:p>
-            <a:r>
-              <a:rPr lang="de-CH" sz="800" b="1" dirty="0" err="1">
-                <a:latin typeface="Arial" panose="020B0604020202020204" pitchFamily="34" charset="0"/>
-                <a:cs typeface="Arial" panose="020B0604020202020204" pitchFamily="34" charset="0"/>
-              </a:rPr>
-              <a:t>m_style_icon_three</a:t>
-            </a:r>
-            <a:r>
-              <a:rPr lang="de-CH" sz="800" b="1" dirty="0">
-                <a:latin typeface="Arial" panose="020B0604020202020204" pitchFamily="34" charset="0"/>
-                <a:cs typeface="Arial" panose="020B0604020202020204" pitchFamily="34" charset="0"/>
-              </a:rPr>
-              <a:t> =      </a:t>
-            </a:r>
-          </a:p>
-          <a:p>
-            <a:r>
-              <a:rPr lang="de-CH" sz="800" b="1" dirty="0" err="1">
-                <a:latin typeface="Arial" panose="020B0604020202020204" pitchFamily="34" charset="0"/>
-                <a:cs typeface="Arial" panose="020B0604020202020204" pitchFamily="34" charset="0"/>
-              </a:rPr>
-              <a:t>float</a:t>
-            </a:r>
-            <a:r>
-              <a:rPr lang="de-CH" sz="800" b="1" dirty="0">
-                <a:latin typeface="Arial" panose="020B0604020202020204" pitchFamily="34" charset="0"/>
-                <a:cs typeface="Arial" panose="020B0604020202020204" pitchFamily="34" charset="0"/>
-              </a:rPr>
-              <a:t> : </a:t>
-            </a:r>
-            <a:r>
-              <a:rPr lang="de-CH" sz="800" b="1" dirty="0" err="1">
-                <a:latin typeface="Arial" panose="020B0604020202020204" pitchFamily="34" charset="0"/>
-                <a:cs typeface="Arial" panose="020B0604020202020204" pitchFamily="34" charset="0"/>
-              </a:rPr>
-              <a:t>right</a:t>
-            </a:r>
-            <a:endParaRPr lang="de-CH" sz="800" b="1" dirty="0">
-              <a:latin typeface="Arial" panose="020B0604020202020204" pitchFamily="34" charset="0"/>
-              <a:cs typeface="Arial" panose="020B0604020202020204" pitchFamily="34" charset="0"/>
-            </a:endParaRPr>
-          </a:p>
-        </p:txBody>
-      </p:sp>
-      <p:sp>
-        <p:nvSpPr>
-          <p:cNvPr id="29" name="Rechteck 28">
+        </p:nvPicPr>
+        <p:blipFill>
+          <a:blip r:embed="rId4"/>
+          <a:stretch>
+            <a:fillRect/>
+          </a:stretch>
+        </p:blipFill>
+        <p:spPr>
+          <a:xfrm rot="16200000">
+            <a:off x="7734588" y="2950842"/>
+            <a:ext cx="1665143" cy="91274"/>
+          </a:xfrm>
+          <a:prstGeom prst="rect">
+            <a:avLst/>
+          </a:prstGeom>
+        </p:spPr>
+      </p:pic>
+      <p:pic>
+        <p:nvPicPr>
+          <p:cNvPr id="20" name="Grafik 19">
             <a:extLst>
               <a:ext uri="{FF2B5EF4-FFF2-40B4-BE49-F238E27FC236}">
-                <a16:creationId xmlns:a16="http://schemas.microsoft.com/office/drawing/2014/main" id="{A1AE7706-2A7F-3B15-127E-03FF5CDAAC25}"/>
+                <a16:creationId xmlns:a16="http://schemas.microsoft.com/office/drawing/2014/main" id="{C7235670-7BD8-5F79-2EF0-53340340EBF7}"/>
               </a:ext>
             </a:extLst>
           </p:cNvPr>
-          <p:cNvSpPr/>
+          <p:cNvPicPr>
+            <a:picLocks noChangeAspect="1"/>
+          </p:cNvPicPr>
           <p:nvPr/>
-        </p:nvSpPr>
-        <p:spPr>
-          <a:xfrm>
-            <a:off x="4948766" y="978137"/>
-            <a:ext cx="1285529" cy="1236027"/>
-          </a:xfrm>
-          <a:prstGeom prst="rect">
-            <a:avLst/>
-          </a:prstGeom>
-          <a:noFill/>
-          <a:ln>
-            <a:solidFill>
-              <a:schemeClr val="tx1"/>
-            </a:solidFill>
-          </a:ln>
-        </p:spPr>
-        <p:style>
-          <a:lnRef idx="2">
-            <a:schemeClr val="accent1">
-              <a:shade val="50000"/>
-            </a:schemeClr>
-          </a:lnRef>
-          <a:fillRef idx="1">
-            <a:schemeClr val="accent1"/>
-          </a:fillRef>
-          <a:effectRef idx="0">
-            <a:schemeClr val="accent1"/>
-          </a:effectRef>
-          <a:fontRef idx="minor">
-            <a:schemeClr val="lt1"/>
-          </a:fontRef>
-        </p:style>
-        <p:txBody>
-          <a:bodyPr rtlCol="0" anchor="ctr"/>
-          <a:lstStyle/>
-          <a:p>
-            <a:pPr algn="ctr"/>
-            <a:endParaRPr lang="de-CH" sz="1400" dirty="0">
-              <a:solidFill>
-                <a:schemeClr val="tx1"/>
-              </a:solidFill>
-              <a:latin typeface="Arial" panose="020B0604020202020204" pitchFamily="34" charset="0"/>
-              <a:cs typeface="Arial" panose="020B0604020202020204" pitchFamily="34" charset="0"/>
-            </a:endParaRPr>
-          </a:p>
-        </p:txBody>
-      </p:sp>
-      <p:sp>
-        <p:nvSpPr>
-          <p:cNvPr id="35" name="Textfeld 34">
+        </p:nvPicPr>
+        <p:blipFill>
+          <a:blip r:embed="rId7">
+            <a:extLst>
+              <a:ext uri="{28A0092B-C50C-407E-A947-70E740481C1C}">
+                <a14:useLocalDpi xmlns:a14="http://schemas.microsoft.com/office/drawing/2010/main" val="0"/>
+              </a:ext>
+            </a:extLst>
+          </a:blip>
+          <a:stretch>
+            <a:fillRect/>
+          </a:stretch>
+        </p:blipFill>
+        <p:spPr>
+          <a:xfrm>
+            <a:off x="8508965" y="2922277"/>
+            <a:ext cx="111844" cy="255475"/>
+          </a:xfrm>
+          <a:prstGeom prst="rect">
+            <a:avLst/>
+          </a:prstGeom>
+        </p:spPr>
+      </p:pic>
+      <p:pic>
+        <p:nvPicPr>
+          <p:cNvPr id="21" name="Grafik 20">
             <a:extLst>
               <a:ext uri="{FF2B5EF4-FFF2-40B4-BE49-F238E27FC236}">
-                <a16:creationId xmlns:a16="http://schemas.microsoft.com/office/drawing/2014/main" id="{27EF47A3-BC96-C88C-3531-1B12C8121F0A}"/>
+                <a16:creationId xmlns:a16="http://schemas.microsoft.com/office/drawing/2014/main" id="{D292F72B-AF4B-0984-D73C-333225655724}"/>
               </a:ext>
             </a:extLst>
           </p:cNvPr>
-          <p:cNvSpPr txBox="1"/>
+          <p:cNvPicPr>
+            <a:picLocks noChangeAspect="1"/>
+          </p:cNvPicPr>
           <p:nvPr/>
-        </p:nvSpPr>
-        <p:spPr>
-          <a:xfrm>
-            <a:off x="4898318" y="1068919"/>
-            <a:ext cx="1430162" cy="461665"/>
-          </a:xfrm>
-          <a:prstGeom prst="rect">
-            <a:avLst/>
-          </a:prstGeom>
-          <a:noFill/>
-        </p:spPr>
-        <p:txBody>
-          <a:bodyPr wrap="square" rtlCol="0">
-            <a:spAutoFit/>
-          </a:bodyPr>
-          <a:lstStyle/>
-          <a:p>
-            <a:r>
-              <a:rPr lang="de-CH" sz="800" b="1" dirty="0">
-                <a:latin typeface="Arial" panose="020B0604020202020204" pitchFamily="34" charset="0"/>
-                <a:cs typeface="Arial" panose="020B0604020202020204" pitchFamily="34" charset="0"/>
-              </a:rPr>
-              <a:t>id...._</a:t>
-            </a:r>
-            <a:r>
-              <a:rPr lang="de-CH" sz="800" b="1" dirty="0" err="1">
-                <a:latin typeface="Arial" panose="020B0604020202020204" pitchFamily="34" charset="0"/>
-                <a:cs typeface="Arial" panose="020B0604020202020204" pitchFamily="34" charset="0"/>
-              </a:rPr>
-              <a:t>my_fctn_icon_three</a:t>
-            </a:r>
-            <a:r>
-              <a:rPr lang="de-CH" sz="800" b="1" dirty="0">
-                <a:latin typeface="Arial" panose="020B0604020202020204" pitchFamily="34" charset="0"/>
-                <a:cs typeface="Arial" panose="020B0604020202020204" pitchFamily="34" charset="0"/>
-              </a:rPr>
-              <a:t>     </a:t>
-            </a:r>
-          </a:p>
-          <a:p>
-            <a:r>
-              <a:rPr lang="de-CH" sz="800" b="1" dirty="0" err="1">
-                <a:latin typeface="Arial" panose="020B0604020202020204" pitchFamily="34" charset="0"/>
-                <a:cs typeface="Arial" panose="020B0604020202020204" pitchFamily="34" charset="0"/>
-              </a:rPr>
-              <a:t>m_style_icon_two</a:t>
-            </a:r>
-            <a:r>
-              <a:rPr lang="de-CH" sz="800" b="1" dirty="0">
-                <a:latin typeface="Arial" panose="020B0604020202020204" pitchFamily="34" charset="0"/>
-                <a:cs typeface="Arial" panose="020B0604020202020204" pitchFamily="34" charset="0"/>
-              </a:rPr>
-              <a:t> =       </a:t>
-            </a:r>
-          </a:p>
-          <a:p>
-            <a:r>
-              <a:rPr lang="de-CH" sz="800" b="1" dirty="0" err="1">
-                <a:latin typeface="Arial" panose="020B0604020202020204" pitchFamily="34" charset="0"/>
-                <a:cs typeface="Arial" panose="020B0604020202020204" pitchFamily="34" charset="0"/>
-              </a:rPr>
-              <a:t>float</a:t>
-            </a:r>
-            <a:r>
-              <a:rPr lang="de-CH" sz="800" b="1" dirty="0">
-                <a:latin typeface="Arial" panose="020B0604020202020204" pitchFamily="34" charset="0"/>
-                <a:cs typeface="Arial" panose="020B0604020202020204" pitchFamily="34" charset="0"/>
-              </a:rPr>
-              <a:t> : </a:t>
-            </a:r>
-            <a:r>
-              <a:rPr lang="de-CH" sz="800" b="1" dirty="0" err="1">
-                <a:latin typeface="Arial" panose="020B0604020202020204" pitchFamily="34" charset="0"/>
-                <a:cs typeface="Arial" panose="020B0604020202020204" pitchFamily="34" charset="0"/>
-              </a:rPr>
-              <a:t>right</a:t>
-            </a:r>
-            <a:endParaRPr lang="de-CH" sz="800" b="1" dirty="0">
-              <a:latin typeface="Arial" panose="020B0604020202020204" pitchFamily="34" charset="0"/>
-              <a:cs typeface="Arial" panose="020B0604020202020204" pitchFamily="34" charset="0"/>
-            </a:endParaRPr>
-          </a:p>
-        </p:txBody>
-      </p:sp>
-      <p:sp>
-        <p:nvSpPr>
-          <p:cNvPr id="36" name="Rechteck 35">
+        </p:nvPicPr>
+        <p:blipFill>
+          <a:blip r:embed="rId8"/>
+          <a:stretch>
+            <a:fillRect/>
+          </a:stretch>
+        </p:blipFill>
+        <p:spPr>
+          <a:xfrm>
+            <a:off x="8507353" y="2199033"/>
+            <a:ext cx="109917" cy="164875"/>
+          </a:xfrm>
+          <a:prstGeom prst="rect">
+            <a:avLst/>
+          </a:prstGeom>
+        </p:spPr>
+      </p:pic>
+      <p:pic>
+        <p:nvPicPr>
+          <p:cNvPr id="22" name="Grafik 21">
             <a:extLst>
               <a:ext uri="{FF2B5EF4-FFF2-40B4-BE49-F238E27FC236}">
-                <a16:creationId xmlns:a16="http://schemas.microsoft.com/office/drawing/2014/main" id="{CA364329-B046-6DDC-B91B-E4DDFD0F0B49}"/>
+                <a16:creationId xmlns:a16="http://schemas.microsoft.com/office/drawing/2014/main" id="{BCA0020B-588B-EA10-03F6-9D56D96B5960}"/>
               </a:ext>
             </a:extLst>
           </p:cNvPr>
-          <p:cNvSpPr/>
+          <p:cNvPicPr>
+            <a:picLocks noChangeAspect="1"/>
+          </p:cNvPicPr>
           <p:nvPr/>
-        </p:nvSpPr>
-        <p:spPr>
-          <a:xfrm>
-            <a:off x="3484032" y="978137"/>
-            <a:ext cx="1285529" cy="1236027"/>
-          </a:xfrm>
-          <a:prstGeom prst="rect">
-            <a:avLst/>
-          </a:prstGeom>
-          <a:noFill/>
-          <a:ln>
-            <a:solidFill>
-              <a:schemeClr val="tx1"/>
-            </a:solidFill>
-          </a:ln>
-        </p:spPr>
-        <p:style>
-          <a:lnRef idx="2">
-            <a:schemeClr val="accent1">
-              <a:shade val="50000"/>
-            </a:schemeClr>
-          </a:lnRef>
-          <a:fillRef idx="1">
-            <a:schemeClr val="accent1"/>
-          </a:fillRef>
-          <a:effectRef idx="0">
-            <a:schemeClr val="accent1"/>
-          </a:effectRef>
-          <a:fontRef idx="minor">
-            <a:schemeClr val="lt1"/>
-          </a:fontRef>
-        </p:style>
-        <p:txBody>
-          <a:bodyPr rtlCol="0" anchor="ctr"/>
-          <a:lstStyle/>
-          <a:p>
-            <a:pPr algn="ctr"/>
-            <a:endParaRPr lang="de-CH" sz="1400" dirty="0">
-              <a:solidFill>
-                <a:schemeClr val="tx1"/>
-              </a:solidFill>
-              <a:latin typeface="Arial" panose="020B0604020202020204" pitchFamily="34" charset="0"/>
-              <a:cs typeface="Arial" panose="020B0604020202020204" pitchFamily="34" charset="0"/>
-            </a:endParaRPr>
-          </a:p>
-        </p:txBody>
-      </p:sp>
-      <p:sp>
-        <p:nvSpPr>
-          <p:cNvPr id="37" name="Textfeld 36">
+        </p:nvPicPr>
+        <p:blipFill>
+          <a:blip r:embed="rId4"/>
+          <a:stretch>
+            <a:fillRect/>
+          </a:stretch>
+        </p:blipFill>
+        <p:spPr>
+          <a:xfrm rot="16200000">
+            <a:off x="5636293" y="2941868"/>
+            <a:ext cx="1665143" cy="91274"/>
+          </a:xfrm>
+          <a:prstGeom prst="rect">
+            <a:avLst/>
+          </a:prstGeom>
+        </p:spPr>
+      </p:pic>
+      <p:pic>
+        <p:nvPicPr>
+          <p:cNvPr id="23" name="Grafik 22">
             <a:extLst>
               <a:ext uri="{FF2B5EF4-FFF2-40B4-BE49-F238E27FC236}">
-                <a16:creationId xmlns:a16="http://schemas.microsoft.com/office/drawing/2014/main" id="{F75E0A49-7F9E-4953-3EC2-0A7CCA7E598B}"/>
+                <a16:creationId xmlns:a16="http://schemas.microsoft.com/office/drawing/2014/main" id="{8AFC595A-0ABC-5A55-2B88-BA338E1B06A2}"/>
               </a:ext>
             </a:extLst>
           </p:cNvPr>
-          <p:cNvSpPr txBox="1"/>
+          <p:cNvPicPr>
+            <a:picLocks noChangeAspect="1"/>
+          </p:cNvPicPr>
           <p:nvPr/>
-        </p:nvSpPr>
-        <p:spPr>
-          <a:xfrm>
-            <a:off x="3468156" y="1068919"/>
-            <a:ext cx="1430162" cy="461665"/>
-          </a:xfrm>
-          <a:prstGeom prst="rect">
-            <a:avLst/>
-          </a:prstGeom>
-          <a:noFill/>
-        </p:spPr>
-        <p:txBody>
-          <a:bodyPr wrap="square" rtlCol="0">
-            <a:spAutoFit/>
-          </a:bodyPr>
-          <a:lstStyle/>
-          <a:p>
-            <a:r>
-              <a:rPr lang="de-CH" sz="800" b="1" dirty="0">
-                <a:latin typeface="Arial" panose="020B0604020202020204" pitchFamily="34" charset="0"/>
-                <a:cs typeface="Arial" panose="020B0604020202020204" pitchFamily="34" charset="0"/>
-              </a:rPr>
-              <a:t>id...._</a:t>
-            </a:r>
-            <a:r>
-              <a:rPr lang="de-CH" sz="800" b="1" dirty="0" err="1">
-                <a:latin typeface="Arial" panose="020B0604020202020204" pitchFamily="34" charset="0"/>
-                <a:cs typeface="Arial" panose="020B0604020202020204" pitchFamily="34" charset="0"/>
-              </a:rPr>
-              <a:t>my_fctn_icon_four</a:t>
-            </a:r>
-            <a:r>
-              <a:rPr lang="de-CH" sz="800" b="1" dirty="0">
-                <a:latin typeface="Arial" panose="020B0604020202020204" pitchFamily="34" charset="0"/>
-                <a:cs typeface="Arial" panose="020B0604020202020204" pitchFamily="34" charset="0"/>
-              </a:rPr>
-              <a:t>     </a:t>
-            </a:r>
-          </a:p>
-          <a:p>
-            <a:r>
-              <a:rPr lang="de-CH" sz="800" b="1" dirty="0" err="1">
-                <a:latin typeface="Arial" panose="020B0604020202020204" pitchFamily="34" charset="0"/>
-                <a:cs typeface="Arial" panose="020B0604020202020204" pitchFamily="34" charset="0"/>
-              </a:rPr>
-              <a:t>m_style_icon_one</a:t>
-            </a:r>
-            <a:r>
-              <a:rPr lang="de-CH" sz="800" b="1" dirty="0">
-                <a:latin typeface="Arial" panose="020B0604020202020204" pitchFamily="34" charset="0"/>
-                <a:cs typeface="Arial" panose="020B0604020202020204" pitchFamily="34" charset="0"/>
-              </a:rPr>
-              <a:t>  =      </a:t>
-            </a:r>
-          </a:p>
-          <a:p>
-            <a:r>
-              <a:rPr lang="de-CH" sz="800" b="1" dirty="0" err="1">
-                <a:latin typeface="Arial" panose="020B0604020202020204" pitchFamily="34" charset="0"/>
-                <a:cs typeface="Arial" panose="020B0604020202020204" pitchFamily="34" charset="0"/>
-              </a:rPr>
-              <a:t>float</a:t>
-            </a:r>
-            <a:r>
-              <a:rPr lang="de-CH" sz="800" b="1" dirty="0">
-                <a:latin typeface="Arial" panose="020B0604020202020204" pitchFamily="34" charset="0"/>
-                <a:cs typeface="Arial" panose="020B0604020202020204" pitchFamily="34" charset="0"/>
-              </a:rPr>
-              <a:t>: </a:t>
-            </a:r>
-            <a:r>
-              <a:rPr lang="de-CH" sz="800" b="1" dirty="0" err="1">
-                <a:latin typeface="Arial" panose="020B0604020202020204" pitchFamily="34" charset="0"/>
-                <a:cs typeface="Arial" panose="020B0604020202020204" pitchFamily="34" charset="0"/>
-              </a:rPr>
-              <a:t>right</a:t>
-            </a:r>
-            <a:endParaRPr lang="de-CH" sz="800" b="1" dirty="0">
-              <a:latin typeface="Arial" panose="020B0604020202020204" pitchFamily="34" charset="0"/>
-              <a:cs typeface="Arial" panose="020B0604020202020204" pitchFamily="34" charset="0"/>
-            </a:endParaRPr>
-          </a:p>
-        </p:txBody>
-      </p:sp>
-      <p:sp>
-        <p:nvSpPr>
-          <p:cNvPr id="38" name="Rechteck 37">
+        </p:nvPicPr>
+        <p:blipFill>
+          <a:blip r:embed="rId5"/>
+          <a:stretch>
+            <a:fillRect/>
+          </a:stretch>
+        </p:blipFill>
+        <p:spPr>
+          <a:xfrm>
+            <a:off x="6422925" y="2239641"/>
+            <a:ext cx="112433" cy="93694"/>
+          </a:xfrm>
+          <a:prstGeom prst="rect">
+            <a:avLst/>
+          </a:prstGeom>
+        </p:spPr>
+      </p:pic>
+      <p:pic>
+        <p:nvPicPr>
+          <p:cNvPr id="24" name="Grafik 23">
             <a:extLst>
               <a:ext uri="{FF2B5EF4-FFF2-40B4-BE49-F238E27FC236}">
-                <a16:creationId xmlns:a16="http://schemas.microsoft.com/office/drawing/2014/main" id="{ACCE2B6A-3B65-6204-02A4-3052EE15258B}"/>
+                <a16:creationId xmlns:a16="http://schemas.microsoft.com/office/drawing/2014/main" id="{BA03CD88-3EA0-7B2E-E8AC-C58545DD0F7A}"/>
               </a:ext>
             </a:extLst>
           </p:cNvPr>
-          <p:cNvSpPr/>
+          <p:cNvPicPr>
+            <a:picLocks noChangeAspect="1"/>
+          </p:cNvPicPr>
           <p:nvPr/>
-        </p:nvSpPr>
-        <p:spPr>
-          <a:xfrm>
-            <a:off x="1754012" y="2433651"/>
-            <a:ext cx="7483122" cy="2161149"/>
-          </a:xfrm>
-          <a:prstGeom prst="rect">
-            <a:avLst/>
-          </a:prstGeom>
-          <a:noFill/>
-          <a:ln>
-            <a:solidFill>
-              <a:schemeClr val="tx1"/>
-            </a:solidFill>
-          </a:ln>
-        </p:spPr>
-        <p:style>
-          <a:lnRef idx="2">
-            <a:schemeClr val="accent1">
-              <a:shade val="50000"/>
-            </a:schemeClr>
-          </a:lnRef>
-          <a:fillRef idx="1">
-            <a:schemeClr val="accent1"/>
-          </a:fillRef>
-          <a:effectRef idx="0">
-            <a:schemeClr val="accent1"/>
-          </a:effectRef>
-          <a:fontRef idx="minor">
-            <a:schemeClr val="lt1"/>
-          </a:fontRef>
-        </p:style>
-        <p:txBody>
-          <a:bodyPr rtlCol="0" anchor="ctr"/>
-          <a:lstStyle/>
-          <a:p>
-            <a:pPr algn="ctr"/>
-            <a:endParaRPr lang="de-CH" sz="1400" dirty="0">
-              <a:solidFill>
-                <a:schemeClr val="tx1"/>
-              </a:solidFill>
-              <a:latin typeface="Arial" panose="020B0604020202020204" pitchFamily="34" charset="0"/>
-              <a:cs typeface="Arial" panose="020B0604020202020204" pitchFamily="34" charset="0"/>
-            </a:endParaRPr>
-          </a:p>
-        </p:txBody>
-      </p:sp>
-      <p:sp>
-        <p:nvSpPr>
-          <p:cNvPr id="39" name="Textfeld 38">
-            <a:extLst>
-              <a:ext uri="{FF2B5EF4-FFF2-40B4-BE49-F238E27FC236}">
-                <a16:creationId xmlns:a16="http://schemas.microsoft.com/office/drawing/2014/main" id="{7D267488-497D-B136-09CF-A41D72C2F776}"/>
-              </a:ext>
-            </a:extLst>
-          </p:cNvPr>
-          <p:cNvSpPr txBox="1"/>
-          <p:nvPr/>
-        </p:nvSpPr>
-        <p:spPr>
-          <a:xfrm>
-            <a:off x="1766709" y="2470559"/>
-            <a:ext cx="4833055" cy="215444"/>
-          </a:xfrm>
-          <a:prstGeom prst="rect">
-            <a:avLst/>
-          </a:prstGeom>
-          <a:noFill/>
-        </p:spPr>
-        <p:txBody>
-          <a:bodyPr wrap="square" rtlCol="0">
-            <a:spAutoFit/>
-          </a:bodyPr>
-          <a:lstStyle/>
-          <a:p>
-            <a:r>
-              <a:rPr lang="de-CH" sz="800" b="1" dirty="0" err="1">
-                <a:latin typeface="Arial" panose="020B0604020202020204" pitchFamily="34" charset="0"/>
-                <a:cs typeface="Arial" panose="020B0604020202020204" pitchFamily="34" charset="0"/>
-              </a:rPr>
-              <a:t>id_div_display_image_picture_my</a:t>
-            </a:r>
-            <a:r>
-              <a:rPr lang="de-CH" sz="800" b="1" err="1">
-                <a:latin typeface="Arial" panose="020B0604020202020204" pitchFamily="34" charset="0"/>
-                <a:cs typeface="Arial" panose="020B0604020202020204" pitchFamily="34" charset="0"/>
-              </a:rPr>
-              <a:t>_</a:t>
-            </a:r>
-            <a:r>
-              <a:rPr lang="de-CH" sz="800" b="1">
-                <a:latin typeface="Arial" panose="020B0604020202020204" pitchFamily="34" charset="0"/>
-                <a:cs typeface="Arial" panose="020B0604020202020204" pitchFamily="34" charset="0"/>
-              </a:rPr>
-              <a:t>fctn      </a:t>
-            </a:r>
-            <a:r>
-              <a:rPr lang="de-CH" sz="800" b="1" dirty="0" err="1">
-                <a:latin typeface="Arial" panose="020B0604020202020204" pitchFamily="34" charset="0"/>
-                <a:cs typeface="Arial" panose="020B0604020202020204" pitchFamily="34" charset="0"/>
-              </a:rPr>
-              <a:t>m_style_picture</a:t>
-            </a:r>
-            <a:r>
-              <a:rPr lang="de-CH" sz="800" b="1" dirty="0">
-                <a:latin typeface="Arial" panose="020B0604020202020204" pitchFamily="34" charset="0"/>
-                <a:cs typeface="Arial" panose="020B0604020202020204" pitchFamily="34" charset="0"/>
-              </a:rPr>
-              <a:t> =        </a:t>
-            </a:r>
-            <a:r>
-              <a:rPr lang="de-CH" sz="800" b="1" dirty="0" err="1">
-                <a:latin typeface="Arial" panose="020B0604020202020204" pitchFamily="34" charset="0"/>
-                <a:cs typeface="Arial" panose="020B0604020202020204" pitchFamily="34" charset="0"/>
-              </a:rPr>
-              <a:t>clear</a:t>
-            </a:r>
-            <a:r>
-              <a:rPr lang="de-CH" sz="800" b="1" dirty="0">
-                <a:latin typeface="Arial" panose="020B0604020202020204" pitchFamily="34" charset="0"/>
-                <a:cs typeface="Arial" panose="020B0604020202020204" pitchFamily="34" charset="0"/>
-              </a:rPr>
-              <a:t>: </a:t>
-            </a:r>
-            <a:r>
-              <a:rPr lang="de-CH" sz="800" b="1" dirty="0" err="1">
-                <a:latin typeface="Arial" panose="020B0604020202020204" pitchFamily="34" charset="0"/>
-                <a:cs typeface="Arial" panose="020B0604020202020204" pitchFamily="34" charset="0"/>
-              </a:rPr>
-              <a:t>both</a:t>
-            </a:r>
-            <a:endParaRPr lang="de-CH" sz="800" b="1" dirty="0">
-              <a:latin typeface="Arial" panose="020B0604020202020204" pitchFamily="34" charset="0"/>
-              <a:cs typeface="Arial" panose="020B0604020202020204" pitchFamily="34" charset="0"/>
-            </a:endParaRPr>
-          </a:p>
-        </p:txBody>
-      </p:sp>
-      <p:sp>
-        <p:nvSpPr>
-          <p:cNvPr id="40" name="Rechteck 39">
-            <a:extLst>
-              <a:ext uri="{FF2B5EF4-FFF2-40B4-BE49-F238E27FC236}">
-                <a16:creationId xmlns:a16="http://schemas.microsoft.com/office/drawing/2014/main" id="{47DCD6AB-40CD-FAB9-2D07-A379EEDAF8B8}"/>
-              </a:ext>
-            </a:extLst>
-          </p:cNvPr>
-          <p:cNvSpPr/>
-          <p:nvPr/>
-        </p:nvSpPr>
-        <p:spPr>
-          <a:xfrm>
-            <a:off x="2103251" y="5098613"/>
-            <a:ext cx="2880915" cy="358604"/>
-          </a:xfrm>
-          <a:prstGeom prst="rect">
-            <a:avLst/>
-          </a:prstGeom>
-          <a:noFill/>
-          <a:ln>
-            <a:solidFill>
-              <a:schemeClr val="tx1"/>
-            </a:solidFill>
-          </a:ln>
-        </p:spPr>
-        <p:style>
-          <a:lnRef idx="2">
-            <a:schemeClr val="accent1">
-              <a:shade val="50000"/>
-            </a:schemeClr>
-          </a:lnRef>
-          <a:fillRef idx="1">
-            <a:schemeClr val="accent1"/>
-          </a:fillRef>
-          <a:effectRef idx="0">
-            <a:schemeClr val="accent1"/>
-          </a:effectRef>
-          <a:fontRef idx="minor">
-            <a:schemeClr val="lt1"/>
-          </a:fontRef>
-        </p:style>
-        <p:txBody>
-          <a:bodyPr rtlCol="0" anchor="ctr"/>
-          <a:lstStyle/>
-          <a:p>
-            <a:pPr algn="ctr"/>
-            <a:endParaRPr lang="de-CH" sz="1400" dirty="0">
-              <a:solidFill>
-                <a:schemeClr val="tx1"/>
-              </a:solidFill>
-              <a:latin typeface="Arial" panose="020B0604020202020204" pitchFamily="34" charset="0"/>
-              <a:cs typeface="Arial" panose="020B0604020202020204" pitchFamily="34" charset="0"/>
-            </a:endParaRPr>
-          </a:p>
-        </p:txBody>
-      </p:sp>
-      <p:sp>
-        <p:nvSpPr>
-          <p:cNvPr id="41" name="Textfeld 40">
-            <a:extLst>
-              <a:ext uri="{FF2B5EF4-FFF2-40B4-BE49-F238E27FC236}">
-                <a16:creationId xmlns:a16="http://schemas.microsoft.com/office/drawing/2014/main" id="{435D7DFC-CC4D-740A-CADD-1E8E8EB9C391}"/>
-              </a:ext>
-            </a:extLst>
-          </p:cNvPr>
-          <p:cNvSpPr txBox="1"/>
-          <p:nvPr/>
-        </p:nvSpPr>
-        <p:spPr>
-          <a:xfrm>
-            <a:off x="2103251" y="5098613"/>
-            <a:ext cx="2119573" cy="338554"/>
-          </a:xfrm>
-          <a:prstGeom prst="rect">
-            <a:avLst/>
-          </a:prstGeom>
-          <a:noFill/>
-        </p:spPr>
-        <p:txBody>
-          <a:bodyPr wrap="square" rtlCol="0">
-            <a:spAutoFit/>
-          </a:bodyPr>
-          <a:lstStyle/>
-          <a:p>
-            <a:r>
-              <a:rPr lang="de-CH" sz="800" b="1" dirty="0" err="1">
-                <a:latin typeface="Arial" panose="020B0604020202020204" pitchFamily="34" charset="0"/>
-                <a:cs typeface="Arial" panose="020B0604020202020204" pitchFamily="34" charset="0"/>
-              </a:rPr>
-              <a:t>id_div_text_one_my_function</a:t>
-            </a:r>
-            <a:endParaRPr lang="de-CH" sz="800" b="1" dirty="0">
-              <a:latin typeface="Arial" panose="020B0604020202020204" pitchFamily="34" charset="0"/>
-              <a:cs typeface="Arial" panose="020B0604020202020204" pitchFamily="34" charset="0"/>
-            </a:endParaRPr>
-          </a:p>
-          <a:p>
-            <a:r>
-              <a:rPr lang="de-CH" sz="800" b="1" dirty="0" err="1">
-                <a:latin typeface="Arial" panose="020B0604020202020204" pitchFamily="34" charset="0"/>
-                <a:cs typeface="Arial" panose="020B0604020202020204" pitchFamily="34" charset="0"/>
-              </a:rPr>
-              <a:t>m_style_text_one</a:t>
-            </a:r>
-            <a:r>
-              <a:rPr lang="de-CH" sz="800" b="1" dirty="0">
-                <a:latin typeface="Arial" panose="020B0604020202020204" pitchFamily="34" charset="0"/>
-                <a:cs typeface="Arial" panose="020B0604020202020204" pitchFamily="34" charset="0"/>
-              </a:rPr>
-              <a:t> = </a:t>
-            </a:r>
-            <a:r>
-              <a:rPr lang="de-CH" sz="800" b="1" dirty="0" err="1">
-                <a:latin typeface="Arial" panose="020B0604020202020204" pitchFamily="34" charset="0"/>
-                <a:cs typeface="Arial" panose="020B0604020202020204" pitchFamily="34" charset="0"/>
-              </a:rPr>
-              <a:t>float</a:t>
-            </a:r>
-            <a:r>
-              <a:rPr lang="de-CH" sz="800" b="1" dirty="0">
-                <a:latin typeface="Arial" panose="020B0604020202020204" pitchFamily="34" charset="0"/>
-                <a:cs typeface="Arial" panose="020B0604020202020204" pitchFamily="34" charset="0"/>
-              </a:rPr>
-              <a:t>: </a:t>
-            </a:r>
-            <a:r>
-              <a:rPr lang="de-CH" sz="800" b="1" dirty="0" err="1">
-                <a:latin typeface="Arial" panose="020B0604020202020204" pitchFamily="34" charset="0"/>
-                <a:cs typeface="Arial" panose="020B0604020202020204" pitchFamily="34" charset="0"/>
-              </a:rPr>
-              <a:t>left</a:t>
-            </a:r>
-            <a:endParaRPr lang="de-CH" sz="800" b="1" dirty="0">
-              <a:latin typeface="Arial" panose="020B0604020202020204" pitchFamily="34" charset="0"/>
-              <a:cs typeface="Arial" panose="020B0604020202020204" pitchFamily="34" charset="0"/>
-            </a:endParaRPr>
-          </a:p>
-        </p:txBody>
-      </p:sp>
-      <p:sp>
-        <p:nvSpPr>
-          <p:cNvPr id="42" name="Rechteck 41">
-            <a:extLst>
-              <a:ext uri="{FF2B5EF4-FFF2-40B4-BE49-F238E27FC236}">
-                <a16:creationId xmlns:a16="http://schemas.microsoft.com/office/drawing/2014/main" id="{CF981929-DCDB-BB3F-568C-B7B74B479B0F}"/>
-              </a:ext>
-            </a:extLst>
-          </p:cNvPr>
-          <p:cNvSpPr/>
-          <p:nvPr/>
-        </p:nvSpPr>
-        <p:spPr>
-          <a:xfrm>
-            <a:off x="6127922" y="5096994"/>
-            <a:ext cx="2880915" cy="360223"/>
-          </a:xfrm>
-          <a:prstGeom prst="rect">
-            <a:avLst/>
-          </a:prstGeom>
-          <a:noFill/>
-          <a:ln>
-            <a:solidFill>
-              <a:schemeClr val="tx1"/>
-            </a:solidFill>
-          </a:ln>
-        </p:spPr>
-        <p:style>
-          <a:lnRef idx="2">
-            <a:schemeClr val="accent1">
-              <a:shade val="50000"/>
-            </a:schemeClr>
-          </a:lnRef>
-          <a:fillRef idx="1">
-            <a:schemeClr val="accent1"/>
-          </a:fillRef>
-          <a:effectRef idx="0">
-            <a:schemeClr val="accent1"/>
-          </a:effectRef>
-          <a:fontRef idx="minor">
-            <a:schemeClr val="lt1"/>
-          </a:fontRef>
-        </p:style>
-        <p:txBody>
-          <a:bodyPr rtlCol="0" anchor="ctr"/>
-          <a:lstStyle/>
-          <a:p>
-            <a:pPr algn="ctr"/>
-            <a:endParaRPr lang="de-CH" sz="1400" dirty="0">
-              <a:solidFill>
-                <a:schemeClr val="tx1"/>
-              </a:solidFill>
-              <a:latin typeface="Arial" panose="020B0604020202020204" pitchFamily="34" charset="0"/>
-              <a:cs typeface="Arial" panose="020B0604020202020204" pitchFamily="34" charset="0"/>
-            </a:endParaRPr>
-          </a:p>
-        </p:txBody>
-      </p:sp>
-      <p:sp>
-        <p:nvSpPr>
-          <p:cNvPr id="43" name="Textfeld 42">
-            <a:extLst>
-              <a:ext uri="{FF2B5EF4-FFF2-40B4-BE49-F238E27FC236}">
-                <a16:creationId xmlns:a16="http://schemas.microsoft.com/office/drawing/2014/main" id="{E4266AF1-77F7-6A2D-5124-285720295A8A}"/>
-              </a:ext>
-            </a:extLst>
-          </p:cNvPr>
-          <p:cNvSpPr txBox="1"/>
-          <p:nvPr/>
-        </p:nvSpPr>
-        <p:spPr>
-          <a:xfrm>
-            <a:off x="6127922" y="5096994"/>
-            <a:ext cx="2119573" cy="338554"/>
-          </a:xfrm>
-          <a:prstGeom prst="rect">
-            <a:avLst/>
-          </a:prstGeom>
-          <a:noFill/>
-        </p:spPr>
-        <p:txBody>
-          <a:bodyPr wrap="square" rtlCol="0">
-            <a:spAutoFit/>
-          </a:bodyPr>
-          <a:lstStyle/>
-          <a:p>
-            <a:r>
-              <a:rPr lang="de-CH" sz="800" b="1" dirty="0" err="1">
-                <a:latin typeface="Arial" panose="020B0604020202020204" pitchFamily="34" charset="0"/>
-                <a:cs typeface="Arial" panose="020B0604020202020204" pitchFamily="34" charset="0"/>
-              </a:rPr>
-              <a:t>id_div_text_two_my_function</a:t>
-            </a:r>
-            <a:endParaRPr lang="de-CH" sz="800" b="1" dirty="0">
-              <a:latin typeface="Arial" panose="020B0604020202020204" pitchFamily="34" charset="0"/>
-              <a:cs typeface="Arial" panose="020B0604020202020204" pitchFamily="34" charset="0"/>
-            </a:endParaRPr>
-          </a:p>
-          <a:p>
-            <a:r>
-              <a:rPr lang="de-CH" sz="800" b="1" dirty="0" err="1">
-                <a:latin typeface="Arial" panose="020B0604020202020204" pitchFamily="34" charset="0"/>
-                <a:cs typeface="Arial" panose="020B0604020202020204" pitchFamily="34" charset="0"/>
-              </a:rPr>
-              <a:t>m_style_text_two</a:t>
-            </a:r>
-            <a:r>
-              <a:rPr lang="de-CH" sz="800" b="1" dirty="0">
-                <a:latin typeface="Arial" panose="020B0604020202020204" pitchFamily="34" charset="0"/>
-                <a:cs typeface="Arial" panose="020B0604020202020204" pitchFamily="34" charset="0"/>
-              </a:rPr>
-              <a:t> = </a:t>
-            </a:r>
-            <a:r>
-              <a:rPr lang="de-CH" sz="800" b="1" dirty="0" err="1">
-                <a:latin typeface="Arial" panose="020B0604020202020204" pitchFamily="34" charset="0"/>
-                <a:cs typeface="Arial" panose="020B0604020202020204" pitchFamily="34" charset="0"/>
-              </a:rPr>
-              <a:t>float</a:t>
-            </a:r>
-            <a:r>
-              <a:rPr lang="de-CH" sz="800" b="1" dirty="0">
-                <a:latin typeface="Arial" panose="020B0604020202020204" pitchFamily="34" charset="0"/>
-                <a:cs typeface="Arial" panose="020B0604020202020204" pitchFamily="34" charset="0"/>
-              </a:rPr>
-              <a:t>: </a:t>
-            </a:r>
-            <a:r>
-              <a:rPr lang="de-CH" sz="800" b="1" dirty="0" err="1">
-                <a:latin typeface="Arial" panose="020B0604020202020204" pitchFamily="34" charset="0"/>
-                <a:cs typeface="Arial" panose="020B0604020202020204" pitchFamily="34" charset="0"/>
-              </a:rPr>
-              <a:t>right</a:t>
-            </a:r>
-            <a:endParaRPr lang="de-CH" sz="800" b="1" dirty="0">
-              <a:latin typeface="Arial" panose="020B0604020202020204" pitchFamily="34" charset="0"/>
-              <a:cs typeface="Arial" panose="020B0604020202020204" pitchFamily="34" charset="0"/>
-            </a:endParaRPr>
-          </a:p>
-        </p:txBody>
-      </p:sp>
-      <p:sp>
-        <p:nvSpPr>
-          <p:cNvPr id="44" name="Rechteck 43">
-            <a:extLst>
-              <a:ext uri="{FF2B5EF4-FFF2-40B4-BE49-F238E27FC236}">
-                <a16:creationId xmlns:a16="http://schemas.microsoft.com/office/drawing/2014/main" id="{B7B90A4E-BD3A-9D2F-009B-11A663BB5DA8}"/>
-              </a:ext>
-            </a:extLst>
-          </p:cNvPr>
-          <p:cNvSpPr/>
-          <p:nvPr/>
-        </p:nvSpPr>
-        <p:spPr>
-          <a:xfrm>
-            <a:off x="1989204" y="5790453"/>
-            <a:ext cx="6960063" cy="338554"/>
-          </a:xfrm>
-          <a:prstGeom prst="rect">
-            <a:avLst/>
-          </a:prstGeom>
-          <a:noFill/>
-          <a:ln>
-            <a:solidFill>
-              <a:schemeClr val="tx1"/>
-            </a:solidFill>
-          </a:ln>
-        </p:spPr>
-        <p:style>
-          <a:lnRef idx="2">
-            <a:schemeClr val="accent1">
-              <a:shade val="50000"/>
-            </a:schemeClr>
-          </a:lnRef>
-          <a:fillRef idx="1">
-            <a:schemeClr val="accent1"/>
-          </a:fillRef>
-          <a:effectRef idx="0">
-            <a:schemeClr val="accent1"/>
-          </a:effectRef>
-          <a:fontRef idx="minor">
-            <a:schemeClr val="lt1"/>
-          </a:fontRef>
-        </p:style>
-        <p:txBody>
-          <a:bodyPr rtlCol="0" anchor="ctr"/>
-          <a:lstStyle/>
-          <a:p>
-            <a:pPr algn="ctr"/>
-            <a:endParaRPr lang="de-CH" sz="1400" dirty="0">
-              <a:solidFill>
-                <a:schemeClr val="tx1"/>
-              </a:solidFill>
-              <a:latin typeface="Arial" panose="020B0604020202020204" pitchFamily="34" charset="0"/>
-              <a:cs typeface="Arial" panose="020B0604020202020204" pitchFamily="34" charset="0"/>
-            </a:endParaRPr>
-          </a:p>
-        </p:txBody>
-      </p:sp>
-      <p:sp>
-        <p:nvSpPr>
-          <p:cNvPr id="45" name="Textfeld 44">
-            <a:extLst>
-              <a:ext uri="{FF2B5EF4-FFF2-40B4-BE49-F238E27FC236}">
-                <a16:creationId xmlns:a16="http://schemas.microsoft.com/office/drawing/2014/main" id="{62B73059-F55B-7F78-F05A-032D4A3864FA}"/>
-              </a:ext>
-            </a:extLst>
-          </p:cNvPr>
-          <p:cNvSpPr txBox="1"/>
-          <p:nvPr/>
-        </p:nvSpPr>
-        <p:spPr>
-          <a:xfrm>
-            <a:off x="1973504" y="5751177"/>
-            <a:ext cx="2119573" cy="338554"/>
-          </a:xfrm>
-          <a:prstGeom prst="rect">
-            <a:avLst/>
-          </a:prstGeom>
-          <a:noFill/>
-        </p:spPr>
-        <p:txBody>
-          <a:bodyPr wrap="square" rtlCol="0">
-            <a:spAutoFit/>
-          </a:bodyPr>
-          <a:lstStyle/>
-          <a:p>
-            <a:r>
-              <a:rPr lang="de-CH" sz="800" b="1" dirty="0" err="1">
-                <a:latin typeface="Arial" panose="020B0604020202020204" pitchFamily="34" charset="0"/>
-                <a:cs typeface="Arial" panose="020B0604020202020204" pitchFamily="34" charset="0"/>
-              </a:rPr>
-              <a:t>id_div_text_three_my_function</a:t>
-            </a:r>
-            <a:endParaRPr lang="de-CH" sz="800" b="1" dirty="0">
-              <a:latin typeface="Arial" panose="020B0604020202020204" pitchFamily="34" charset="0"/>
-              <a:cs typeface="Arial" panose="020B0604020202020204" pitchFamily="34" charset="0"/>
-            </a:endParaRPr>
-          </a:p>
-          <a:p>
-            <a:r>
-              <a:rPr lang="de-CH" sz="800" b="1" dirty="0" err="1">
-                <a:latin typeface="Arial" panose="020B0604020202020204" pitchFamily="34" charset="0"/>
-                <a:cs typeface="Arial" panose="020B0604020202020204" pitchFamily="34" charset="0"/>
-              </a:rPr>
-              <a:t>m_style_text_three</a:t>
-            </a:r>
-            <a:r>
-              <a:rPr lang="de-CH" sz="800" b="1" dirty="0">
-                <a:latin typeface="Arial" panose="020B0604020202020204" pitchFamily="34" charset="0"/>
-                <a:cs typeface="Arial" panose="020B0604020202020204" pitchFamily="34" charset="0"/>
-              </a:rPr>
-              <a:t> = </a:t>
-            </a:r>
-            <a:r>
-              <a:rPr lang="de-CH" sz="800" b="1" dirty="0" err="1">
-                <a:latin typeface="Arial" panose="020B0604020202020204" pitchFamily="34" charset="0"/>
-                <a:cs typeface="Arial" panose="020B0604020202020204" pitchFamily="34" charset="0"/>
-              </a:rPr>
-              <a:t>clear</a:t>
-            </a:r>
-            <a:r>
-              <a:rPr lang="de-CH" sz="800" b="1" dirty="0">
-                <a:latin typeface="Arial" panose="020B0604020202020204" pitchFamily="34" charset="0"/>
-                <a:cs typeface="Arial" panose="020B0604020202020204" pitchFamily="34" charset="0"/>
-              </a:rPr>
-              <a:t>: </a:t>
-            </a:r>
-            <a:r>
-              <a:rPr lang="de-CH" sz="800" b="1" dirty="0" err="1">
-                <a:latin typeface="Arial" panose="020B0604020202020204" pitchFamily="34" charset="0"/>
-                <a:cs typeface="Arial" panose="020B0604020202020204" pitchFamily="34" charset="0"/>
-              </a:rPr>
-              <a:t>both</a:t>
-            </a:r>
-            <a:endParaRPr lang="de-CH" sz="800" b="1" dirty="0">
-              <a:latin typeface="Arial" panose="020B0604020202020204" pitchFamily="34" charset="0"/>
-              <a:cs typeface="Arial" panose="020B0604020202020204" pitchFamily="34" charset="0"/>
-            </a:endParaRPr>
-          </a:p>
-        </p:txBody>
-      </p:sp>
-      <p:sp>
-        <p:nvSpPr>
-          <p:cNvPr id="46" name="Rechteck 45">
-            <a:extLst>
-              <a:ext uri="{FF2B5EF4-FFF2-40B4-BE49-F238E27FC236}">
-                <a16:creationId xmlns:a16="http://schemas.microsoft.com/office/drawing/2014/main" id="{5C8D3E49-4951-3A5C-2AAE-65AE86921537}"/>
-              </a:ext>
-            </a:extLst>
-          </p:cNvPr>
-          <p:cNvSpPr/>
-          <p:nvPr/>
-        </p:nvSpPr>
-        <p:spPr>
-          <a:xfrm>
-            <a:off x="1973504" y="4911567"/>
-            <a:ext cx="7088658" cy="571307"/>
-          </a:xfrm>
-          <a:prstGeom prst="rect">
-            <a:avLst/>
-          </a:prstGeom>
-          <a:noFill/>
-          <a:ln>
-            <a:solidFill>
-              <a:schemeClr val="tx1"/>
-            </a:solidFill>
-          </a:ln>
-        </p:spPr>
-        <p:style>
-          <a:lnRef idx="2">
-            <a:schemeClr val="accent1">
-              <a:shade val="50000"/>
-            </a:schemeClr>
-          </a:lnRef>
-          <a:fillRef idx="1">
-            <a:schemeClr val="accent1"/>
-          </a:fillRef>
-          <a:effectRef idx="0">
-            <a:schemeClr val="accent1"/>
-          </a:effectRef>
-          <a:fontRef idx="minor">
-            <a:schemeClr val="lt1"/>
-          </a:fontRef>
-        </p:style>
-        <p:txBody>
-          <a:bodyPr rtlCol="0" anchor="ctr"/>
-          <a:lstStyle/>
-          <a:p>
-            <a:pPr algn="ctr"/>
-            <a:endParaRPr lang="de-CH" sz="1400" dirty="0">
-              <a:solidFill>
-                <a:schemeClr val="tx1"/>
-              </a:solidFill>
-              <a:latin typeface="Arial" panose="020B0604020202020204" pitchFamily="34" charset="0"/>
-              <a:cs typeface="Arial" panose="020B0604020202020204" pitchFamily="34" charset="0"/>
-            </a:endParaRPr>
-          </a:p>
-        </p:txBody>
-      </p:sp>
-      <p:sp>
-        <p:nvSpPr>
-          <p:cNvPr id="47" name="Textfeld 46">
-            <a:extLst>
-              <a:ext uri="{FF2B5EF4-FFF2-40B4-BE49-F238E27FC236}">
-                <a16:creationId xmlns:a16="http://schemas.microsoft.com/office/drawing/2014/main" id="{29FB3EC9-A0F6-88A7-A1CA-E7A2FA62A0F2}"/>
-              </a:ext>
-            </a:extLst>
-          </p:cNvPr>
-          <p:cNvSpPr txBox="1"/>
-          <p:nvPr/>
-        </p:nvSpPr>
-        <p:spPr>
-          <a:xfrm>
-            <a:off x="1938687" y="4882267"/>
-            <a:ext cx="4021845" cy="215444"/>
-          </a:xfrm>
-          <a:prstGeom prst="rect">
-            <a:avLst/>
-          </a:prstGeom>
-          <a:noFill/>
-        </p:spPr>
-        <p:txBody>
-          <a:bodyPr wrap="square" rtlCol="0">
-            <a:spAutoFit/>
-          </a:bodyPr>
-          <a:lstStyle/>
-          <a:p>
-            <a:r>
-              <a:rPr lang="de-CH" sz="800" b="1" dirty="0" err="1">
-                <a:latin typeface="Arial" panose="020B0604020202020204" pitchFamily="34" charset="0"/>
-                <a:cs typeface="Arial" panose="020B0604020202020204" pitchFamily="34" charset="0"/>
-              </a:rPr>
-              <a:t>id_div_group_one_text_my_function</a:t>
-            </a:r>
-            <a:r>
-              <a:rPr lang="de-CH" sz="800" b="1" dirty="0">
-                <a:latin typeface="Arial" panose="020B0604020202020204" pitchFamily="34" charset="0"/>
-                <a:cs typeface="Arial" panose="020B0604020202020204" pitchFamily="34" charset="0"/>
-              </a:rPr>
-              <a:t> </a:t>
-            </a:r>
-            <a:r>
-              <a:rPr lang="de-CH" sz="800" b="1" dirty="0" err="1">
-                <a:latin typeface="Arial" panose="020B0604020202020204" pitchFamily="34" charset="0"/>
-                <a:cs typeface="Arial" panose="020B0604020202020204" pitchFamily="34" charset="0"/>
-              </a:rPr>
-              <a:t>group_one_style_str</a:t>
-            </a:r>
-            <a:r>
-              <a:rPr lang="de-CH" sz="800" b="1" dirty="0">
-                <a:latin typeface="Arial" panose="020B0604020202020204" pitchFamily="34" charset="0"/>
-                <a:cs typeface="Arial" panose="020B0604020202020204" pitchFamily="34" charset="0"/>
-              </a:rPr>
-              <a:t>  </a:t>
-            </a:r>
-            <a:r>
-              <a:rPr lang="de-CH" sz="800" b="1" dirty="0" err="1">
-                <a:latin typeface="Arial" panose="020B0604020202020204" pitchFamily="34" charset="0"/>
-                <a:cs typeface="Arial" panose="020B0604020202020204" pitchFamily="34" charset="0"/>
-              </a:rPr>
-              <a:t>clear</a:t>
-            </a:r>
-            <a:r>
-              <a:rPr lang="de-CH" sz="800" b="1" dirty="0">
-                <a:latin typeface="Arial" panose="020B0604020202020204" pitchFamily="34" charset="0"/>
-                <a:cs typeface="Arial" panose="020B0604020202020204" pitchFamily="34" charset="0"/>
-              </a:rPr>
-              <a:t>: </a:t>
-            </a:r>
-            <a:r>
-              <a:rPr lang="de-CH" sz="800" b="1" dirty="0" err="1">
-                <a:latin typeface="Arial" panose="020B0604020202020204" pitchFamily="34" charset="0"/>
-                <a:cs typeface="Arial" panose="020B0604020202020204" pitchFamily="34" charset="0"/>
-              </a:rPr>
-              <a:t>both</a:t>
-            </a:r>
-            <a:endParaRPr lang="de-CH" sz="800" b="1" dirty="0">
-              <a:latin typeface="Arial" panose="020B0604020202020204" pitchFamily="34" charset="0"/>
-              <a:cs typeface="Arial" panose="020B0604020202020204" pitchFamily="34" charset="0"/>
-            </a:endParaRPr>
-          </a:p>
-        </p:txBody>
-      </p:sp>
-      <p:sp>
-        <p:nvSpPr>
-          <p:cNvPr id="48" name="Rechteck 47">
-            <a:extLst>
-              <a:ext uri="{FF2B5EF4-FFF2-40B4-BE49-F238E27FC236}">
-                <a16:creationId xmlns:a16="http://schemas.microsoft.com/office/drawing/2014/main" id="{7CB9BEF5-837D-EF4F-1176-38C78B6AEE74}"/>
-              </a:ext>
-            </a:extLst>
-          </p:cNvPr>
-          <p:cNvSpPr/>
-          <p:nvPr/>
-        </p:nvSpPr>
-        <p:spPr>
-          <a:xfrm>
-            <a:off x="1975944" y="5567754"/>
-            <a:ext cx="7086218" cy="1061647"/>
-          </a:xfrm>
-          <a:prstGeom prst="rect">
-            <a:avLst/>
-          </a:prstGeom>
-          <a:noFill/>
-          <a:ln>
-            <a:solidFill>
-              <a:schemeClr val="tx1"/>
-            </a:solidFill>
-          </a:ln>
-        </p:spPr>
-        <p:style>
-          <a:lnRef idx="2">
-            <a:schemeClr val="accent1">
-              <a:shade val="50000"/>
-            </a:schemeClr>
-          </a:lnRef>
-          <a:fillRef idx="1">
-            <a:schemeClr val="accent1"/>
-          </a:fillRef>
-          <a:effectRef idx="0">
-            <a:schemeClr val="accent1"/>
-          </a:effectRef>
-          <a:fontRef idx="minor">
-            <a:schemeClr val="lt1"/>
-          </a:fontRef>
-        </p:style>
-        <p:txBody>
-          <a:bodyPr rtlCol="0" anchor="ctr"/>
-          <a:lstStyle/>
-          <a:p>
-            <a:pPr algn="ctr"/>
-            <a:endParaRPr lang="de-CH" sz="1400" dirty="0">
-              <a:solidFill>
-                <a:schemeClr val="tx1"/>
-              </a:solidFill>
-              <a:latin typeface="Arial" panose="020B0604020202020204" pitchFamily="34" charset="0"/>
-              <a:cs typeface="Arial" panose="020B0604020202020204" pitchFamily="34" charset="0"/>
-            </a:endParaRPr>
-          </a:p>
-        </p:txBody>
-      </p:sp>
-      <p:sp>
-        <p:nvSpPr>
-          <p:cNvPr id="49" name="Textfeld 48">
-            <a:extLst>
-              <a:ext uri="{FF2B5EF4-FFF2-40B4-BE49-F238E27FC236}">
-                <a16:creationId xmlns:a16="http://schemas.microsoft.com/office/drawing/2014/main" id="{F5AD941B-CAF5-749F-9111-B4C41D57E1FE}"/>
-              </a:ext>
-            </a:extLst>
-          </p:cNvPr>
-          <p:cNvSpPr txBox="1"/>
-          <p:nvPr/>
-        </p:nvSpPr>
-        <p:spPr>
-          <a:xfrm>
-            <a:off x="1938687" y="5581401"/>
-            <a:ext cx="3726790" cy="215444"/>
-          </a:xfrm>
-          <a:prstGeom prst="rect">
-            <a:avLst/>
-          </a:prstGeom>
-          <a:noFill/>
-        </p:spPr>
-        <p:txBody>
-          <a:bodyPr wrap="square" rtlCol="0">
-            <a:spAutoFit/>
-          </a:bodyPr>
-          <a:lstStyle/>
-          <a:p>
-            <a:r>
-              <a:rPr lang="de-CH" sz="800" b="1" dirty="0" err="1">
-                <a:latin typeface="Arial" panose="020B0604020202020204" pitchFamily="34" charset="0"/>
-                <a:cs typeface="Arial" panose="020B0604020202020204" pitchFamily="34" charset="0"/>
-              </a:rPr>
-              <a:t>id_div_group_two_text_my_function</a:t>
-            </a:r>
-            <a:r>
-              <a:rPr lang="de-CH" sz="800" b="1" dirty="0">
-                <a:latin typeface="Arial" panose="020B0604020202020204" pitchFamily="34" charset="0"/>
-                <a:cs typeface="Arial" panose="020B0604020202020204" pitchFamily="34" charset="0"/>
-              </a:rPr>
-              <a:t> </a:t>
-            </a:r>
-            <a:r>
-              <a:rPr lang="de-CH" sz="800" b="1" dirty="0" err="1">
-                <a:latin typeface="Arial" panose="020B0604020202020204" pitchFamily="34" charset="0"/>
-                <a:cs typeface="Arial" panose="020B0604020202020204" pitchFamily="34" charset="0"/>
-              </a:rPr>
-              <a:t>group_two_style_str</a:t>
-            </a:r>
-            <a:r>
-              <a:rPr lang="de-CH" sz="800" b="1" dirty="0">
-                <a:latin typeface="Arial" panose="020B0604020202020204" pitchFamily="34" charset="0"/>
-                <a:cs typeface="Arial" panose="020B0604020202020204" pitchFamily="34" charset="0"/>
-              </a:rPr>
-              <a:t>  </a:t>
-            </a:r>
-            <a:r>
-              <a:rPr lang="de-CH" sz="800" b="1" dirty="0" err="1">
-                <a:latin typeface="Arial" panose="020B0604020202020204" pitchFamily="34" charset="0"/>
-                <a:cs typeface="Arial" panose="020B0604020202020204" pitchFamily="34" charset="0"/>
-              </a:rPr>
-              <a:t>clear</a:t>
-            </a:r>
-            <a:r>
-              <a:rPr lang="de-CH" sz="800" b="1" dirty="0">
-                <a:latin typeface="Arial" panose="020B0604020202020204" pitchFamily="34" charset="0"/>
-                <a:cs typeface="Arial" panose="020B0604020202020204" pitchFamily="34" charset="0"/>
-              </a:rPr>
-              <a:t>: </a:t>
-            </a:r>
-            <a:r>
-              <a:rPr lang="de-CH" sz="800" b="1" dirty="0" err="1">
-                <a:latin typeface="Arial" panose="020B0604020202020204" pitchFamily="34" charset="0"/>
-                <a:cs typeface="Arial" panose="020B0604020202020204" pitchFamily="34" charset="0"/>
-              </a:rPr>
-              <a:t>both</a:t>
-            </a:r>
-            <a:endParaRPr lang="de-CH" sz="800" b="1" dirty="0">
-              <a:latin typeface="Arial" panose="020B0604020202020204" pitchFamily="34" charset="0"/>
-              <a:cs typeface="Arial" panose="020B0604020202020204" pitchFamily="34" charset="0"/>
-            </a:endParaRPr>
-          </a:p>
-        </p:txBody>
-      </p:sp>
-      <p:sp>
-        <p:nvSpPr>
-          <p:cNvPr id="50" name="Rechteck 49">
-            <a:extLst>
-              <a:ext uri="{FF2B5EF4-FFF2-40B4-BE49-F238E27FC236}">
-                <a16:creationId xmlns:a16="http://schemas.microsoft.com/office/drawing/2014/main" id="{8987ED80-977E-FAF9-957E-C9E288605391}"/>
-              </a:ext>
-            </a:extLst>
-          </p:cNvPr>
-          <p:cNvSpPr/>
-          <p:nvPr/>
-        </p:nvSpPr>
-        <p:spPr>
-          <a:xfrm>
-            <a:off x="1989204" y="6174611"/>
-            <a:ext cx="6960063" cy="372893"/>
-          </a:xfrm>
-          <a:prstGeom prst="rect">
-            <a:avLst/>
-          </a:prstGeom>
-          <a:noFill/>
-          <a:ln>
-            <a:solidFill>
-              <a:schemeClr val="tx1"/>
-            </a:solidFill>
-          </a:ln>
-        </p:spPr>
-        <p:style>
-          <a:lnRef idx="2">
-            <a:schemeClr val="accent1">
-              <a:shade val="50000"/>
-            </a:schemeClr>
-          </a:lnRef>
-          <a:fillRef idx="1">
-            <a:schemeClr val="accent1"/>
-          </a:fillRef>
-          <a:effectRef idx="0">
-            <a:schemeClr val="accent1"/>
-          </a:effectRef>
-          <a:fontRef idx="minor">
-            <a:schemeClr val="lt1"/>
-          </a:fontRef>
-        </p:style>
-        <p:txBody>
-          <a:bodyPr rtlCol="0" anchor="ctr"/>
-          <a:lstStyle/>
-          <a:p>
-            <a:pPr algn="ctr"/>
-            <a:endParaRPr lang="de-CH" sz="1400" dirty="0">
-              <a:solidFill>
-                <a:schemeClr val="tx1"/>
-              </a:solidFill>
-              <a:latin typeface="Arial" panose="020B0604020202020204" pitchFamily="34" charset="0"/>
-              <a:cs typeface="Arial" panose="020B0604020202020204" pitchFamily="34" charset="0"/>
-            </a:endParaRPr>
-          </a:p>
-        </p:txBody>
-      </p:sp>
-      <p:sp>
-        <p:nvSpPr>
-          <p:cNvPr id="51" name="Textfeld 50">
-            <a:extLst>
-              <a:ext uri="{FF2B5EF4-FFF2-40B4-BE49-F238E27FC236}">
-                <a16:creationId xmlns:a16="http://schemas.microsoft.com/office/drawing/2014/main" id="{BF37A94F-4F15-C9D8-DD51-886D09EFE801}"/>
-              </a:ext>
-            </a:extLst>
-          </p:cNvPr>
-          <p:cNvSpPr txBox="1"/>
-          <p:nvPr/>
-        </p:nvSpPr>
-        <p:spPr>
-          <a:xfrm>
-            <a:off x="1989204" y="6174611"/>
-            <a:ext cx="2119573" cy="338554"/>
-          </a:xfrm>
-          <a:prstGeom prst="rect">
-            <a:avLst/>
-          </a:prstGeom>
-          <a:noFill/>
-        </p:spPr>
-        <p:txBody>
-          <a:bodyPr wrap="square" rtlCol="0">
-            <a:spAutoFit/>
-          </a:bodyPr>
-          <a:lstStyle/>
-          <a:p>
-            <a:r>
-              <a:rPr lang="de-CH" sz="800" b="1" dirty="0" err="1">
-                <a:latin typeface="Arial" panose="020B0604020202020204" pitchFamily="34" charset="0"/>
-                <a:cs typeface="Arial" panose="020B0604020202020204" pitchFamily="34" charset="0"/>
-              </a:rPr>
-              <a:t>id_div_text_four_my_function</a:t>
-            </a:r>
-            <a:endParaRPr lang="de-CH" sz="800" b="1" dirty="0">
-              <a:latin typeface="Arial" panose="020B0604020202020204" pitchFamily="34" charset="0"/>
-              <a:cs typeface="Arial" panose="020B0604020202020204" pitchFamily="34" charset="0"/>
-            </a:endParaRPr>
-          </a:p>
-          <a:p>
-            <a:r>
-              <a:rPr lang="de-CH" sz="800" b="1" dirty="0" err="1">
-                <a:latin typeface="Arial" panose="020B0604020202020204" pitchFamily="34" charset="0"/>
-                <a:cs typeface="Arial" panose="020B0604020202020204" pitchFamily="34" charset="0"/>
-              </a:rPr>
-              <a:t>m_style_text_four</a:t>
-            </a:r>
-            <a:r>
-              <a:rPr lang="de-CH" sz="800" b="1" dirty="0">
-                <a:latin typeface="Arial" panose="020B0604020202020204" pitchFamily="34" charset="0"/>
-                <a:cs typeface="Arial" panose="020B0604020202020204" pitchFamily="34" charset="0"/>
-              </a:rPr>
-              <a:t> = </a:t>
-            </a:r>
-            <a:r>
-              <a:rPr lang="de-CH" sz="800" b="1" dirty="0" err="1">
-                <a:latin typeface="Arial" panose="020B0604020202020204" pitchFamily="34" charset="0"/>
-                <a:cs typeface="Arial" panose="020B0604020202020204" pitchFamily="34" charset="0"/>
-              </a:rPr>
-              <a:t>clear</a:t>
-            </a:r>
-            <a:r>
-              <a:rPr lang="de-CH" sz="800" b="1" dirty="0">
-                <a:latin typeface="Arial" panose="020B0604020202020204" pitchFamily="34" charset="0"/>
-                <a:cs typeface="Arial" panose="020B0604020202020204" pitchFamily="34" charset="0"/>
-              </a:rPr>
-              <a:t>: </a:t>
-            </a:r>
-            <a:r>
-              <a:rPr lang="de-CH" sz="800" b="1" dirty="0" err="1">
-                <a:latin typeface="Arial" panose="020B0604020202020204" pitchFamily="34" charset="0"/>
-                <a:cs typeface="Arial" panose="020B0604020202020204" pitchFamily="34" charset="0"/>
-              </a:rPr>
-              <a:t>both</a:t>
-            </a:r>
-            <a:endParaRPr lang="de-CH" sz="800" b="1" dirty="0">
-              <a:latin typeface="Arial" panose="020B0604020202020204" pitchFamily="34" charset="0"/>
-              <a:cs typeface="Arial" panose="020B0604020202020204" pitchFamily="34" charset="0"/>
-            </a:endParaRPr>
-          </a:p>
-        </p:txBody>
-      </p:sp>
-      <p:sp>
-        <p:nvSpPr>
-          <p:cNvPr id="5" name="Rechteck 4">
-            <a:extLst>
-              <a:ext uri="{FF2B5EF4-FFF2-40B4-BE49-F238E27FC236}">
-                <a16:creationId xmlns:a16="http://schemas.microsoft.com/office/drawing/2014/main" id="{473ADB52-85E4-B560-C2DC-5CD6A9531288}"/>
-              </a:ext>
-            </a:extLst>
-          </p:cNvPr>
-          <p:cNvSpPr/>
-          <p:nvPr/>
-        </p:nvSpPr>
-        <p:spPr>
-          <a:xfrm>
-            <a:off x="1768121" y="4673323"/>
-            <a:ext cx="7483122" cy="2040746"/>
-          </a:xfrm>
-          <a:prstGeom prst="rect">
-            <a:avLst/>
-          </a:prstGeom>
-          <a:noFill/>
-          <a:ln>
-            <a:solidFill>
-              <a:schemeClr val="tx1"/>
-            </a:solidFill>
-          </a:ln>
-        </p:spPr>
-        <p:style>
-          <a:lnRef idx="2">
-            <a:schemeClr val="accent1">
-              <a:shade val="50000"/>
-            </a:schemeClr>
-          </a:lnRef>
-          <a:fillRef idx="1">
-            <a:schemeClr val="accent1"/>
-          </a:fillRef>
-          <a:effectRef idx="0">
-            <a:schemeClr val="accent1"/>
-          </a:effectRef>
-          <a:fontRef idx="minor">
-            <a:schemeClr val="lt1"/>
-          </a:fontRef>
-        </p:style>
-        <p:txBody>
-          <a:bodyPr rtlCol="0" anchor="ctr"/>
-          <a:lstStyle/>
-          <a:p>
-            <a:pPr algn="ctr"/>
-            <a:endParaRPr lang="de-CH" sz="1400" dirty="0">
-              <a:solidFill>
-                <a:schemeClr val="tx1"/>
-              </a:solidFill>
-              <a:latin typeface="Arial" panose="020B0604020202020204" pitchFamily="34" charset="0"/>
-              <a:cs typeface="Arial" panose="020B0604020202020204" pitchFamily="34" charset="0"/>
-            </a:endParaRPr>
-          </a:p>
-        </p:txBody>
-      </p:sp>
-      <p:sp>
-        <p:nvSpPr>
-          <p:cNvPr id="6" name="Textfeld 5">
-            <a:extLst>
-              <a:ext uri="{FF2B5EF4-FFF2-40B4-BE49-F238E27FC236}">
-                <a16:creationId xmlns:a16="http://schemas.microsoft.com/office/drawing/2014/main" id="{F03A84EA-1F7F-1182-4D8E-DACD526CA0B2}"/>
-              </a:ext>
-            </a:extLst>
-          </p:cNvPr>
-          <p:cNvSpPr txBox="1"/>
-          <p:nvPr/>
-        </p:nvSpPr>
-        <p:spPr>
-          <a:xfrm>
-            <a:off x="1726176" y="4673323"/>
-            <a:ext cx="4369824" cy="215444"/>
-          </a:xfrm>
-          <a:prstGeom prst="rect">
-            <a:avLst/>
-          </a:prstGeom>
-          <a:noFill/>
-        </p:spPr>
-        <p:txBody>
-          <a:bodyPr wrap="square" rtlCol="0">
-            <a:spAutoFit/>
-          </a:bodyPr>
-          <a:lstStyle/>
-          <a:p>
-            <a:r>
-              <a:rPr lang="de-CH" sz="800" b="1" dirty="0" err="1">
-                <a:latin typeface="Arial" panose="020B0604020202020204" pitchFamily="34" charset="0"/>
-                <a:cs typeface="Arial" panose="020B0604020202020204" pitchFamily="34" charset="0"/>
-              </a:rPr>
-              <a:t>id_div_group_all_texts_my_function</a:t>
-            </a:r>
-            <a:r>
-              <a:rPr lang="de-CH" sz="800" b="1" dirty="0">
-                <a:latin typeface="Arial" panose="020B0604020202020204" pitchFamily="34" charset="0"/>
-                <a:cs typeface="Arial" panose="020B0604020202020204" pitchFamily="34" charset="0"/>
-              </a:rPr>
-              <a:t>  </a:t>
-            </a:r>
-            <a:r>
-              <a:rPr lang="de-CH" sz="800" b="1" dirty="0" err="1">
-                <a:latin typeface="Arial" panose="020B0604020202020204" pitchFamily="34" charset="0"/>
-                <a:cs typeface="Arial" panose="020B0604020202020204" pitchFamily="34" charset="0"/>
-              </a:rPr>
-              <a:t>group_all_texts_style_str</a:t>
-            </a:r>
-            <a:r>
-              <a:rPr lang="de-CH" sz="800" b="1" dirty="0">
-                <a:latin typeface="Arial" panose="020B0604020202020204" pitchFamily="34" charset="0"/>
-                <a:cs typeface="Arial" panose="020B0604020202020204" pitchFamily="34" charset="0"/>
-              </a:rPr>
-              <a:t>  </a:t>
-            </a:r>
-            <a:r>
-              <a:rPr lang="de-CH" sz="800" b="1" dirty="0" err="1">
-                <a:latin typeface="Arial" panose="020B0604020202020204" pitchFamily="34" charset="0"/>
-                <a:cs typeface="Arial" panose="020B0604020202020204" pitchFamily="34" charset="0"/>
-              </a:rPr>
-              <a:t>clear</a:t>
-            </a:r>
-            <a:r>
-              <a:rPr lang="de-CH" sz="800" b="1" dirty="0">
-                <a:latin typeface="Arial" panose="020B0604020202020204" pitchFamily="34" charset="0"/>
-                <a:cs typeface="Arial" panose="020B0604020202020204" pitchFamily="34" charset="0"/>
-              </a:rPr>
-              <a:t> </a:t>
-            </a:r>
-            <a:r>
-              <a:rPr lang="de-CH" sz="800" b="1" dirty="0" err="1">
-                <a:latin typeface="Arial" panose="020B0604020202020204" pitchFamily="34" charset="0"/>
-                <a:cs typeface="Arial" panose="020B0604020202020204" pitchFamily="34" charset="0"/>
-              </a:rPr>
-              <a:t>both</a:t>
-            </a:r>
-            <a:endParaRPr lang="de-CH" sz="800" b="1" dirty="0">
-              <a:latin typeface="Arial" panose="020B0604020202020204" pitchFamily="34" charset="0"/>
-              <a:cs typeface="Arial" panose="020B0604020202020204" pitchFamily="34" charset="0"/>
-            </a:endParaRPr>
-          </a:p>
-        </p:txBody>
-      </p:sp>
+        </p:nvPicPr>
+        <p:blipFill>
+          <a:blip r:embed="rId6">
+            <a:extLst>
+              <a:ext uri="{28A0092B-C50C-407E-A947-70E740481C1C}">
+                <a14:useLocalDpi xmlns:a14="http://schemas.microsoft.com/office/drawing/2010/main" val="0"/>
+              </a:ext>
+            </a:extLst>
+          </a:blip>
+          <a:stretch>
+            <a:fillRect/>
+          </a:stretch>
+        </p:blipFill>
+        <p:spPr>
+          <a:xfrm>
+            <a:off x="6423226" y="2906045"/>
+            <a:ext cx="112433" cy="255475"/>
+          </a:xfrm>
+          <a:prstGeom prst="rect">
+            <a:avLst/>
+          </a:prstGeom>
+        </p:spPr>
+      </p:pic>
     </p:spTree>
     <p:extLst>
       <p:ext uri="{BB962C8B-B14F-4D97-AF65-F5344CB8AC3E}">
-        <p14:creationId xmlns:p14="http://schemas.microsoft.com/office/powerpoint/2010/main" val="3690395358"/>
+        <p14:creationId xmlns:p14="http://schemas.microsoft.com/office/powerpoint/2010/main" val="392059018"/>
       </p:ext>
     </p:extLst>
   </p:cSld>
@@ -5111,10 +3575,55 @@
       </p:grpSpPr>
       <p:sp>
         <p:nvSpPr>
-          <p:cNvPr id="4" name="Textfeld 3">
+          <p:cNvPr id="4" name="AutoShape 4" descr="Random Button Vector SVG Icon - SVG Repo">
             <a:extLst>
               <a:ext uri="{FF2B5EF4-FFF2-40B4-BE49-F238E27FC236}">
-                <a16:creationId xmlns:a16="http://schemas.microsoft.com/office/drawing/2014/main" id="{A7268E18-B8BE-ABAA-DDE8-AC1C558CACDE}"/>
+                <a16:creationId xmlns:a16="http://schemas.microsoft.com/office/drawing/2014/main" id="{34AB0DE8-F883-81A8-7236-A5E2479A92C0}"/>
+              </a:ext>
+            </a:extLst>
+          </p:cNvPr>
+          <p:cNvSpPr>
+            <a:spLocks noChangeAspect="1" noChangeArrowheads="1"/>
+          </p:cNvSpPr>
+          <p:nvPr/>
+        </p:nvSpPr>
+        <p:spPr bwMode="auto">
+          <a:xfrm>
+            <a:off x="6211955" y="3375991"/>
+            <a:ext cx="304800" cy="304800"/>
+          </a:xfrm>
+          <a:prstGeom prst="rect">
+            <a:avLst/>
+          </a:prstGeom>
+          <a:noFill/>
+          <a:extLst>
+            <a:ext uri="{909E8E84-426E-40DD-AFC4-6F175D3DCCD1}">
+              <a14:hiddenFill xmlns:a14="http://schemas.microsoft.com/office/drawing/2010/main">
+                <a:solidFill>
+                  <a:srgbClr val="FFFFFF"/>
+                </a:solidFill>
+              </a14:hiddenFill>
+            </a:ext>
+          </a:extLst>
+        </p:spPr>
+        <p:txBody>
+          <a:bodyPr vert="horz" wrap="square" lIns="91440" tIns="45720" rIns="91440" bIns="45720" numCol="1" anchor="t" anchorCtr="0" compatLnSpc="1">
+            <a:prstTxWarp prst="textNoShape">
+              <a:avLst/>
+            </a:prstTxWarp>
+          </a:bodyPr>
+          <a:lstStyle/>
+          <a:p>
+            <a:endParaRPr lang="de-CH"/>
+          </a:p>
+        </p:txBody>
+      </p:sp>
+      <p:sp>
+        <p:nvSpPr>
+          <p:cNvPr id="2" name="Textfeld 1">
+            <a:extLst>
+              <a:ext uri="{FF2B5EF4-FFF2-40B4-BE49-F238E27FC236}">
+                <a16:creationId xmlns:a16="http://schemas.microsoft.com/office/drawing/2014/main" id="{66DFE020-2929-A180-E092-8E153EB73482}"/>
               </a:ext>
             </a:extLst>
           </p:cNvPr>
@@ -5123,8 +3632,8 @@
         </p:nvSpPr>
         <p:spPr>
           <a:xfrm>
-            <a:off x="3996009" y="117376"/>
-            <a:ext cx="2707532" cy="369332"/>
+            <a:off x="1356655" y="541385"/>
+            <a:ext cx="4524001" cy="215444"/>
           </a:xfrm>
           <a:prstGeom prst="rect">
             <a:avLst/>
@@ -5137,30 +3646,85 @@
           </a:bodyPr>
           <a:lstStyle/>
           <a:p>
+            <a:r>
+              <a:rPr lang="de-CH" sz="800" b="1" dirty="0" err="1">
+                <a:latin typeface="Arial" panose="020B0604020202020204" pitchFamily="34" charset="0"/>
+                <a:cs typeface="Arial" panose="020B0604020202020204" pitchFamily="34" charset="0"/>
+              </a:rPr>
+              <a:t>id_div_jazz_guests</a:t>
+            </a:r>
+            <a:r>
+              <a:rPr lang="de-CH" sz="800" b="1" dirty="0">
+                <a:latin typeface="Arial" panose="020B0604020202020204" pitchFamily="34" charset="0"/>
+                <a:cs typeface="Arial" panose="020B0604020202020204" pitchFamily="34" charset="0"/>
+              </a:rPr>
+              <a:t>      </a:t>
+            </a:r>
+            <a:r>
+              <a:rPr lang="de-CH" sz="800" b="1" dirty="0" err="1">
+                <a:latin typeface="Arial" panose="020B0604020202020204" pitchFamily="34" charset="0"/>
+                <a:cs typeface="Arial" panose="020B0604020202020204" pitchFamily="34" charset="0"/>
+              </a:rPr>
+              <a:t>cl_div_regular_content</a:t>
+            </a:r>
+            <a:endParaRPr lang="de-CH" sz="800" b="1" dirty="0">
+              <a:latin typeface="Arial" panose="020B0604020202020204" pitchFamily="34" charset="0"/>
+              <a:cs typeface="Arial" panose="020B0604020202020204" pitchFamily="34" charset="0"/>
+            </a:endParaRPr>
+          </a:p>
+        </p:txBody>
+      </p:sp>
+      <p:sp>
+        <p:nvSpPr>
+          <p:cNvPr id="3" name="Rechteck 2">
+            <a:extLst>
+              <a:ext uri="{FF2B5EF4-FFF2-40B4-BE49-F238E27FC236}">
+                <a16:creationId xmlns:a16="http://schemas.microsoft.com/office/drawing/2014/main" id="{221B8ED3-0D05-4733-0FEF-10505C43AFCB}"/>
+              </a:ext>
+            </a:extLst>
+          </p:cNvPr>
+          <p:cNvSpPr/>
+          <p:nvPr/>
+        </p:nvSpPr>
+        <p:spPr>
+          <a:xfrm>
+            <a:off x="1321904" y="486708"/>
+            <a:ext cx="8259418" cy="6253916"/>
+          </a:xfrm>
+          <a:prstGeom prst="rect">
+            <a:avLst/>
+          </a:prstGeom>
+          <a:noFill/>
+          <a:ln>
+            <a:solidFill>
+              <a:schemeClr val="tx1"/>
+            </a:solidFill>
+          </a:ln>
+        </p:spPr>
+        <p:style>
+          <a:lnRef idx="2">
+            <a:schemeClr val="accent1">
+              <a:shade val="50000"/>
+            </a:schemeClr>
+          </a:lnRef>
+          <a:fillRef idx="1">
+            <a:schemeClr val="accent1"/>
+          </a:fillRef>
+          <a:effectRef idx="0">
+            <a:schemeClr val="accent1"/>
+          </a:effectRef>
+          <a:fontRef idx="minor">
+            <a:schemeClr val="lt1"/>
+          </a:fontRef>
+        </p:style>
+        <p:txBody>
+          <a:bodyPr rtlCol="0" anchor="ctr"/>
+          <a:lstStyle/>
+          <a:p>
             <a:pPr algn="ctr"/>
-            <a:r>
-              <a:rPr lang="fr-FR" b="1" dirty="0">
-                <a:solidFill>
-                  <a:srgbClr val="FF0000"/>
-                </a:solidFill>
-                <a:latin typeface="Arial" panose="020B0604020202020204" pitchFamily="34" charset="0"/>
-                <a:cs typeface="Arial" panose="020B0604020202020204" pitchFamily="34" charset="0"/>
-              </a:rPr>
-              <a:t>Class </a:t>
-            </a:r>
-            <a:r>
-              <a:rPr lang="fr-FR" b="1" dirty="0" err="1">
-                <a:solidFill>
-                  <a:srgbClr val="FF0000"/>
-                </a:solidFill>
-                <a:latin typeface="Arial" panose="020B0604020202020204" pitchFamily="34" charset="0"/>
-                <a:cs typeface="Arial" panose="020B0604020202020204" pitchFamily="34" charset="0"/>
-              </a:rPr>
-              <a:t>DisplayImage</a:t>
-            </a:r>
-            <a:endParaRPr lang="fr-FR" b="1" dirty="0">
+            <a:endParaRPr lang="de-CH" sz="1400" dirty="0">
               <a:solidFill>
-                <a:srgbClr val="FF0000"/>
+                <a:schemeClr val="tx1"/>
               </a:solidFill>
               <a:latin typeface="Arial" panose="020B0604020202020204" pitchFamily="34" charset="0"/>
               <a:cs typeface="Arial" panose="020B0604020202020204" pitchFamily="34" charset="0"/>
@@ -5168,12 +3732,349 @@
           </a:p>
         </p:txBody>
       </p:sp>
+      <p:sp>
+        <p:nvSpPr>
+          <p:cNvPr id="5" name="Rechteck 4">
+            <a:extLst>
+              <a:ext uri="{FF2B5EF4-FFF2-40B4-BE49-F238E27FC236}">
+                <a16:creationId xmlns:a16="http://schemas.microsoft.com/office/drawing/2014/main" id="{2EC49F24-D014-C9DD-40F2-063F1E27A734}"/>
+              </a:ext>
+            </a:extLst>
+          </p:cNvPr>
+          <p:cNvSpPr/>
+          <p:nvPr/>
+        </p:nvSpPr>
+        <p:spPr>
+          <a:xfrm>
+            <a:off x="1451112" y="815009"/>
+            <a:ext cx="7991061" cy="5784574"/>
+          </a:xfrm>
+          <a:prstGeom prst="rect">
+            <a:avLst/>
+          </a:prstGeom>
+          <a:noFill/>
+          <a:ln>
+            <a:solidFill>
+              <a:schemeClr val="tx1"/>
+            </a:solidFill>
+          </a:ln>
+        </p:spPr>
+        <p:style>
+          <a:lnRef idx="2">
+            <a:schemeClr val="accent1">
+              <a:shade val="50000"/>
+            </a:schemeClr>
+          </a:lnRef>
+          <a:fillRef idx="1">
+            <a:schemeClr val="accent1"/>
+          </a:fillRef>
+          <a:effectRef idx="0">
+            <a:schemeClr val="accent1"/>
+          </a:effectRef>
+          <a:fontRef idx="minor">
+            <a:schemeClr val="lt1"/>
+          </a:fontRef>
+        </p:style>
+        <p:txBody>
+          <a:bodyPr rtlCol="0" anchor="ctr"/>
+          <a:lstStyle/>
+          <a:p>
+            <a:pPr algn="ctr"/>
+            <a:endParaRPr lang="de-CH" sz="1400" dirty="0">
+              <a:solidFill>
+                <a:schemeClr val="tx1"/>
+              </a:solidFill>
+              <a:latin typeface="Arial" panose="020B0604020202020204" pitchFamily="34" charset="0"/>
+              <a:cs typeface="Arial" panose="020B0604020202020204" pitchFamily="34" charset="0"/>
+            </a:endParaRPr>
+          </a:p>
+        </p:txBody>
+      </p:sp>
+      <p:sp>
+        <p:nvSpPr>
+          <p:cNvPr id="6" name="Textfeld 5">
+            <a:extLst>
+              <a:ext uri="{FF2B5EF4-FFF2-40B4-BE49-F238E27FC236}">
+                <a16:creationId xmlns:a16="http://schemas.microsoft.com/office/drawing/2014/main" id="{7FBB5174-5D7F-F979-51A6-AB2145226881}"/>
+              </a:ext>
+            </a:extLst>
+          </p:cNvPr>
+          <p:cNvSpPr txBox="1"/>
+          <p:nvPr/>
+        </p:nvSpPr>
+        <p:spPr>
+          <a:xfrm>
+            <a:off x="1506270" y="914092"/>
+            <a:ext cx="4524001" cy="215444"/>
+          </a:xfrm>
+          <a:prstGeom prst="rect">
+            <a:avLst/>
+          </a:prstGeom>
+          <a:noFill/>
+        </p:spPr>
+        <p:txBody>
+          <a:bodyPr wrap="square" rtlCol="0">
+            <a:spAutoFit/>
+          </a:bodyPr>
+          <a:lstStyle/>
+          <a:p>
+            <a:r>
+              <a:rPr lang="de-CH" sz="800" b="1" dirty="0" err="1">
+                <a:latin typeface="Arial" panose="020B0604020202020204" pitchFamily="34" charset="0"/>
+                <a:cs typeface="Arial" panose="020B0604020202020204" pitchFamily="34" charset="0"/>
+              </a:rPr>
+              <a:t>id_div_jazz_guests_group_fix_pos</a:t>
+            </a:r>
+            <a:r>
+              <a:rPr lang="de-CH" sz="800" b="1" dirty="0">
+                <a:latin typeface="Arial" panose="020B0604020202020204" pitchFamily="34" charset="0"/>
+                <a:cs typeface="Arial" panose="020B0604020202020204" pitchFamily="34" charset="0"/>
+              </a:rPr>
+              <a:t> </a:t>
+            </a:r>
+            <a:r>
+              <a:rPr lang="de-CH" sz="800" b="1" dirty="0" err="1">
+                <a:latin typeface="Arial" panose="020B0604020202020204" pitchFamily="34" charset="0"/>
+                <a:cs typeface="Arial" panose="020B0604020202020204" pitchFamily="34" charset="0"/>
+              </a:rPr>
+              <a:t>cl_div_jazz_guests_group_fix_pos</a:t>
+            </a:r>
+            <a:r>
+              <a:rPr lang="de-CH" sz="800" b="1" dirty="0">
+                <a:latin typeface="Arial" panose="020B0604020202020204" pitchFamily="34" charset="0"/>
+                <a:cs typeface="Arial" panose="020B0604020202020204" pitchFamily="34" charset="0"/>
+              </a:rPr>
+              <a:t> </a:t>
+            </a:r>
+          </a:p>
+        </p:txBody>
+      </p:sp>
+      <p:sp>
+        <p:nvSpPr>
+          <p:cNvPr id="7" name="Textfeld 6">
+            <a:extLst>
+              <a:ext uri="{FF2B5EF4-FFF2-40B4-BE49-F238E27FC236}">
+                <a16:creationId xmlns:a16="http://schemas.microsoft.com/office/drawing/2014/main" id="{FEEA94B6-AE25-B61D-16A8-2E8DB518B5BA}"/>
+              </a:ext>
+            </a:extLst>
+          </p:cNvPr>
+          <p:cNvSpPr txBox="1"/>
+          <p:nvPr/>
+        </p:nvSpPr>
+        <p:spPr>
+          <a:xfrm>
+            <a:off x="1605132" y="1242393"/>
+            <a:ext cx="5014332" cy="215444"/>
+          </a:xfrm>
+          <a:prstGeom prst="rect">
+            <a:avLst/>
+          </a:prstGeom>
+          <a:noFill/>
+        </p:spPr>
+        <p:txBody>
+          <a:bodyPr wrap="square" rtlCol="0">
+            <a:spAutoFit/>
+          </a:bodyPr>
+          <a:lstStyle/>
+          <a:p>
+            <a:r>
+              <a:rPr lang="de-CH" sz="800" b="1" dirty="0" err="1">
+                <a:latin typeface="Arial" panose="020B0604020202020204" pitchFamily="34" charset="0"/>
+                <a:cs typeface="Arial" panose="020B0604020202020204" pitchFamily="34" charset="0"/>
+              </a:rPr>
+              <a:t>id_div_jazz_guests_display_image_container</a:t>
+            </a:r>
+            <a:r>
+              <a:rPr lang="de-CH" sz="800" b="1" dirty="0">
+                <a:latin typeface="Arial" panose="020B0604020202020204" pitchFamily="34" charset="0"/>
+                <a:cs typeface="Arial" panose="020B0604020202020204" pitchFamily="34" charset="0"/>
+              </a:rPr>
+              <a:t>  </a:t>
+            </a:r>
+            <a:r>
+              <a:rPr lang="de-CH" sz="800" b="1" dirty="0" err="1">
+                <a:latin typeface="Arial" panose="020B0604020202020204" pitchFamily="34" charset="0"/>
+                <a:cs typeface="Arial" panose="020B0604020202020204" pitchFamily="34" charset="0"/>
+              </a:rPr>
+              <a:t>cl_div_jazz_guests_display_image_container</a:t>
+            </a:r>
+            <a:r>
+              <a:rPr lang="de-CH" sz="800" b="1" dirty="0">
+                <a:latin typeface="Arial" panose="020B0604020202020204" pitchFamily="34" charset="0"/>
+                <a:cs typeface="Arial" panose="020B0604020202020204" pitchFamily="34" charset="0"/>
+              </a:rPr>
+              <a:t>   </a:t>
+            </a:r>
+          </a:p>
+        </p:txBody>
+      </p:sp>
+      <p:sp>
+        <p:nvSpPr>
+          <p:cNvPr id="8" name="Rechteck 7">
+            <a:extLst>
+              <a:ext uri="{FF2B5EF4-FFF2-40B4-BE49-F238E27FC236}">
+                <a16:creationId xmlns:a16="http://schemas.microsoft.com/office/drawing/2014/main" id="{3F0D4309-EEB2-A7BA-7AD8-398C6DEF8E6D}"/>
+              </a:ext>
+            </a:extLst>
+          </p:cNvPr>
+          <p:cNvSpPr/>
+          <p:nvPr/>
+        </p:nvSpPr>
+        <p:spPr>
+          <a:xfrm>
+            <a:off x="1550504" y="1184213"/>
+            <a:ext cx="7802218" cy="5345796"/>
+          </a:xfrm>
+          <a:prstGeom prst="rect">
+            <a:avLst/>
+          </a:prstGeom>
+          <a:noFill/>
+          <a:ln>
+            <a:solidFill>
+              <a:schemeClr val="tx1"/>
+            </a:solidFill>
+          </a:ln>
+        </p:spPr>
+        <p:style>
+          <a:lnRef idx="2">
+            <a:schemeClr val="accent1">
+              <a:shade val="50000"/>
+            </a:schemeClr>
+          </a:lnRef>
+          <a:fillRef idx="1">
+            <a:schemeClr val="accent1"/>
+          </a:fillRef>
+          <a:effectRef idx="0">
+            <a:schemeClr val="accent1"/>
+          </a:effectRef>
+          <a:fontRef idx="minor">
+            <a:schemeClr val="lt1"/>
+          </a:fontRef>
+        </p:style>
+        <p:txBody>
+          <a:bodyPr rtlCol="0" anchor="ctr"/>
+          <a:lstStyle/>
+          <a:p>
+            <a:pPr algn="ctr"/>
+            <a:endParaRPr lang="de-CH" sz="1400" dirty="0">
+              <a:solidFill>
+                <a:schemeClr val="tx1"/>
+              </a:solidFill>
+              <a:latin typeface="Arial" panose="020B0604020202020204" pitchFamily="34" charset="0"/>
+              <a:cs typeface="Arial" panose="020B0604020202020204" pitchFamily="34" charset="0"/>
+            </a:endParaRPr>
+          </a:p>
+        </p:txBody>
+      </p:sp>
+      <p:sp>
+        <p:nvSpPr>
+          <p:cNvPr id="9" name="Rechteck 8">
+            <a:extLst>
+              <a:ext uri="{FF2B5EF4-FFF2-40B4-BE49-F238E27FC236}">
+                <a16:creationId xmlns:a16="http://schemas.microsoft.com/office/drawing/2014/main" id="{E488C562-F0F6-D305-16DC-AA96976E3944}"/>
+              </a:ext>
+            </a:extLst>
+          </p:cNvPr>
+          <p:cNvSpPr/>
+          <p:nvPr/>
+        </p:nvSpPr>
+        <p:spPr>
+          <a:xfrm>
+            <a:off x="3399181" y="1766172"/>
+            <a:ext cx="3607904" cy="2397007"/>
+          </a:xfrm>
+          <a:prstGeom prst="rect">
+            <a:avLst/>
+          </a:prstGeom>
+          <a:noFill/>
+          <a:ln>
+            <a:solidFill>
+              <a:schemeClr val="tx1"/>
+            </a:solidFill>
+          </a:ln>
+        </p:spPr>
+        <p:style>
+          <a:lnRef idx="2">
+            <a:schemeClr val="accent1">
+              <a:shade val="50000"/>
+            </a:schemeClr>
+          </a:lnRef>
+          <a:fillRef idx="1">
+            <a:schemeClr val="accent1"/>
+          </a:fillRef>
+          <a:effectRef idx="0">
+            <a:schemeClr val="accent1"/>
+          </a:effectRef>
+          <a:fontRef idx="minor">
+            <a:schemeClr val="lt1"/>
+          </a:fontRef>
+        </p:style>
+        <p:txBody>
+          <a:bodyPr rtlCol="0" anchor="ctr"/>
+          <a:lstStyle/>
+          <a:p>
+            <a:pPr algn="ctr"/>
+            <a:endParaRPr lang="de-CH" sz="1400" dirty="0">
+              <a:solidFill>
+                <a:schemeClr val="tx1"/>
+              </a:solidFill>
+              <a:latin typeface="Arial" panose="020B0604020202020204" pitchFamily="34" charset="0"/>
+              <a:cs typeface="Arial" panose="020B0604020202020204" pitchFamily="34" charset="0"/>
+            </a:endParaRPr>
+          </a:p>
+        </p:txBody>
+      </p:sp>
+      <p:sp>
+        <p:nvSpPr>
+          <p:cNvPr id="10" name="Textfeld 9">
+            <a:extLst>
+              <a:ext uri="{FF2B5EF4-FFF2-40B4-BE49-F238E27FC236}">
+                <a16:creationId xmlns:a16="http://schemas.microsoft.com/office/drawing/2014/main" id="{CCCEAB60-ECF5-2D55-F03C-CFF7E84D0D3E}"/>
+              </a:ext>
+            </a:extLst>
+          </p:cNvPr>
+          <p:cNvSpPr txBox="1"/>
+          <p:nvPr/>
+        </p:nvSpPr>
+        <p:spPr>
+          <a:xfrm>
+            <a:off x="3453175" y="1795472"/>
+            <a:ext cx="2695836" cy="215444"/>
+          </a:xfrm>
+          <a:prstGeom prst="rect">
+            <a:avLst/>
+          </a:prstGeom>
+          <a:noFill/>
+        </p:spPr>
+        <p:txBody>
+          <a:bodyPr wrap="square" rtlCol="0">
+            <a:spAutoFit/>
+          </a:bodyPr>
+          <a:lstStyle/>
+          <a:p>
+            <a:r>
+              <a:rPr lang="de-CH" sz="800" b="1" dirty="0" err="1">
+                <a:latin typeface="Arial" panose="020B0604020202020204" pitchFamily="34" charset="0"/>
+                <a:cs typeface="Arial" panose="020B0604020202020204" pitchFamily="34" charset="0"/>
+              </a:rPr>
+              <a:t>id_display_image_jazz_guests</a:t>
+            </a:r>
+            <a:r>
+              <a:rPr lang="de-CH" sz="800" b="1" dirty="0">
+                <a:latin typeface="Arial" panose="020B0604020202020204" pitchFamily="34" charset="0"/>
+                <a:cs typeface="Arial" panose="020B0604020202020204" pitchFamily="34" charset="0"/>
+              </a:rPr>
+              <a:t>   </a:t>
+            </a:r>
+          </a:p>
+        </p:txBody>
+      </p:sp>
       <p:pic>
         <p:nvPicPr>
-          <p:cNvPr id="10" name="Grafik 9">
+          <p:cNvPr id="26" name="Grafik 25">
             <a:extLst>
               <a:ext uri="{FF2B5EF4-FFF2-40B4-BE49-F238E27FC236}">
-                <a16:creationId xmlns:a16="http://schemas.microsoft.com/office/drawing/2014/main" id="{6377BA0B-1EB0-33D5-DF9E-A3EF06D8454B}"/>
+                <a16:creationId xmlns:a16="http://schemas.microsoft.com/office/drawing/2014/main" id="{CEA90B10-189B-4A49-235C-BCD9D08B2346}"/>
               </a:ext>
             </a:extLst>
           </p:cNvPr>
@@ -5183,33 +4084,355 @@
           <p:nvPr/>
         </p:nvPicPr>
         <p:blipFill>
-          <a:blip r:embed="rId2">
-            <a:extLst>
-              <a:ext uri="{28A0092B-C50C-407E-A947-70E740481C1C}">
-                <a14:useLocalDpi xmlns:a14="http://schemas.microsoft.com/office/drawing/2010/main" val="0"/>
-              </a:ext>
-            </a:extLst>
-          </a:blip>
+          <a:blip r:embed="rId2"/>
           <a:stretch>
             <a:fillRect/>
           </a:stretch>
         </p:blipFill>
         <p:spPr>
           <a:xfrm>
-            <a:off x="8810623" y="2845389"/>
-            <a:ext cx="279509" cy="257148"/>
+            <a:off x="4473192" y="2325922"/>
+            <a:ext cx="1459881" cy="1450888"/>
           </a:xfrm>
           <a:prstGeom prst="rect">
             <a:avLst/>
           </a:prstGeom>
         </p:spPr>
       </p:pic>
+      <p:sp>
+        <p:nvSpPr>
+          <p:cNvPr id="27" name="Rechteck 26">
+            <a:extLst>
+              <a:ext uri="{FF2B5EF4-FFF2-40B4-BE49-F238E27FC236}">
+                <a16:creationId xmlns:a16="http://schemas.microsoft.com/office/drawing/2014/main" id="{88F67E0E-ED42-61B7-7FEC-BF8D86B6EA1C}"/>
+              </a:ext>
+            </a:extLst>
+          </p:cNvPr>
+          <p:cNvSpPr/>
+          <p:nvPr/>
+        </p:nvSpPr>
+        <p:spPr>
+          <a:xfrm>
+            <a:off x="2247589" y="1757012"/>
+            <a:ext cx="1019068" cy="2397007"/>
+          </a:xfrm>
+          <a:prstGeom prst="rect">
+            <a:avLst/>
+          </a:prstGeom>
+          <a:noFill/>
+          <a:ln>
+            <a:solidFill>
+              <a:schemeClr val="tx1"/>
+            </a:solidFill>
+          </a:ln>
+        </p:spPr>
+        <p:style>
+          <a:lnRef idx="2">
+            <a:schemeClr val="accent1">
+              <a:shade val="50000"/>
+            </a:schemeClr>
+          </a:lnRef>
+          <a:fillRef idx="1">
+            <a:schemeClr val="accent1"/>
+          </a:fillRef>
+          <a:effectRef idx="0">
+            <a:schemeClr val="accent1"/>
+          </a:effectRef>
+          <a:fontRef idx="minor">
+            <a:schemeClr val="lt1"/>
+          </a:fontRef>
+        </p:style>
+        <p:txBody>
+          <a:bodyPr rtlCol="0" anchor="ctr"/>
+          <a:lstStyle/>
+          <a:p>
+            <a:pPr algn="ctr"/>
+            <a:endParaRPr lang="de-CH" sz="1400" dirty="0">
+              <a:solidFill>
+                <a:schemeClr val="tx1"/>
+              </a:solidFill>
+              <a:latin typeface="Arial" panose="020B0604020202020204" pitchFamily="34" charset="0"/>
+              <a:cs typeface="Arial" panose="020B0604020202020204" pitchFamily="34" charset="0"/>
+            </a:endParaRPr>
+          </a:p>
+        </p:txBody>
+      </p:sp>
+      <p:sp>
+        <p:nvSpPr>
+          <p:cNvPr id="28" name="Rechteck 27">
+            <a:extLst>
+              <a:ext uri="{FF2B5EF4-FFF2-40B4-BE49-F238E27FC236}">
+                <a16:creationId xmlns:a16="http://schemas.microsoft.com/office/drawing/2014/main" id="{BF4C0F85-B53A-DFEC-ED90-0FDA480954EA}"/>
+              </a:ext>
+            </a:extLst>
+          </p:cNvPr>
+          <p:cNvSpPr/>
+          <p:nvPr/>
+        </p:nvSpPr>
+        <p:spPr>
+          <a:xfrm>
+            <a:off x="7156760" y="1766171"/>
+            <a:ext cx="1229883" cy="2397007"/>
+          </a:xfrm>
+          <a:prstGeom prst="rect">
+            <a:avLst/>
+          </a:prstGeom>
+          <a:noFill/>
+          <a:ln>
+            <a:solidFill>
+              <a:schemeClr val="tx1"/>
+            </a:solidFill>
+          </a:ln>
+        </p:spPr>
+        <p:style>
+          <a:lnRef idx="2">
+            <a:schemeClr val="accent1">
+              <a:shade val="50000"/>
+            </a:schemeClr>
+          </a:lnRef>
+          <a:fillRef idx="1">
+            <a:schemeClr val="accent1"/>
+          </a:fillRef>
+          <a:effectRef idx="0">
+            <a:schemeClr val="accent1"/>
+          </a:effectRef>
+          <a:fontRef idx="minor">
+            <a:schemeClr val="lt1"/>
+          </a:fontRef>
+        </p:style>
+        <p:txBody>
+          <a:bodyPr rtlCol="0" anchor="ctr"/>
+          <a:lstStyle/>
+          <a:p>
+            <a:pPr algn="ctr"/>
+            <a:endParaRPr lang="de-CH" sz="1400" dirty="0">
+              <a:solidFill>
+                <a:schemeClr val="tx1"/>
+              </a:solidFill>
+              <a:latin typeface="Arial" panose="020B0604020202020204" pitchFamily="34" charset="0"/>
+              <a:cs typeface="Arial" panose="020B0604020202020204" pitchFamily="34" charset="0"/>
+            </a:endParaRPr>
+          </a:p>
+        </p:txBody>
+      </p:sp>
+      <p:sp>
+        <p:nvSpPr>
+          <p:cNvPr id="29" name="Textfeld 28">
+            <a:extLst>
+              <a:ext uri="{FF2B5EF4-FFF2-40B4-BE49-F238E27FC236}">
+                <a16:creationId xmlns:a16="http://schemas.microsoft.com/office/drawing/2014/main" id="{2D25FD59-CB19-FA6A-5A1B-B4837F3569A3}"/>
+              </a:ext>
+            </a:extLst>
+          </p:cNvPr>
+          <p:cNvSpPr txBox="1"/>
+          <p:nvPr/>
+        </p:nvSpPr>
+        <p:spPr>
+          <a:xfrm>
+            <a:off x="2211291" y="1858654"/>
+            <a:ext cx="1085668" cy="461665"/>
+          </a:xfrm>
+          <a:prstGeom prst="rect">
+            <a:avLst/>
+          </a:prstGeom>
+          <a:noFill/>
+        </p:spPr>
+        <p:txBody>
+          <a:bodyPr wrap="square" rtlCol="0">
+            <a:spAutoFit/>
+          </a:bodyPr>
+          <a:lstStyle/>
+          <a:p>
+            <a:r>
+              <a:rPr lang="de-CH" sz="800" b="1" dirty="0" err="1">
+                <a:latin typeface="Arial" panose="020B0604020202020204" pitchFamily="34" charset="0"/>
+                <a:cs typeface="Arial" panose="020B0604020202020204" pitchFamily="34" charset="0"/>
+              </a:rPr>
+              <a:t>id_container_left</a:t>
+            </a:r>
+            <a:r>
+              <a:rPr lang="de-CH" sz="800" b="1" dirty="0">
+                <a:latin typeface="Arial" panose="020B0604020202020204" pitchFamily="34" charset="0"/>
+                <a:cs typeface="Arial" panose="020B0604020202020204" pitchFamily="34" charset="0"/>
+              </a:rPr>
+              <a:t>_</a:t>
+            </a:r>
+          </a:p>
+          <a:p>
+            <a:r>
+              <a:rPr lang="de-CH" sz="800" b="1" dirty="0" err="1">
+                <a:latin typeface="Arial" panose="020B0604020202020204" pitchFamily="34" charset="0"/>
+                <a:cs typeface="Arial" panose="020B0604020202020204" pitchFamily="34" charset="0"/>
+              </a:rPr>
+              <a:t>image_toolbar</a:t>
+            </a:r>
+            <a:r>
+              <a:rPr lang="de-CH" sz="800" b="1" dirty="0">
+                <a:latin typeface="Arial" panose="020B0604020202020204" pitchFamily="34" charset="0"/>
+                <a:cs typeface="Arial" panose="020B0604020202020204" pitchFamily="34" charset="0"/>
+              </a:rPr>
+              <a:t>_</a:t>
+            </a:r>
+          </a:p>
+          <a:p>
+            <a:r>
+              <a:rPr lang="de-CH" sz="800" b="1" dirty="0" err="1">
+                <a:latin typeface="Arial" panose="020B0604020202020204" pitchFamily="34" charset="0"/>
+                <a:cs typeface="Arial" panose="020B0604020202020204" pitchFamily="34" charset="0"/>
+              </a:rPr>
+              <a:t>jazz_guests</a:t>
+            </a:r>
+            <a:r>
+              <a:rPr lang="de-CH" sz="800" b="1" dirty="0">
+                <a:latin typeface="Arial" panose="020B0604020202020204" pitchFamily="34" charset="0"/>
+                <a:cs typeface="Arial" panose="020B0604020202020204" pitchFamily="34" charset="0"/>
+              </a:rPr>
+              <a:t>_   </a:t>
+            </a:r>
+          </a:p>
+        </p:txBody>
+      </p:sp>
+      <p:sp>
+        <p:nvSpPr>
+          <p:cNvPr id="30" name="Textfeld 29">
+            <a:extLst>
+              <a:ext uri="{FF2B5EF4-FFF2-40B4-BE49-F238E27FC236}">
+                <a16:creationId xmlns:a16="http://schemas.microsoft.com/office/drawing/2014/main" id="{6F153080-311B-A7D9-D450-77968DBB5DCA}"/>
+              </a:ext>
+            </a:extLst>
+          </p:cNvPr>
+          <p:cNvSpPr txBox="1"/>
+          <p:nvPr/>
+        </p:nvSpPr>
+        <p:spPr>
+          <a:xfrm>
+            <a:off x="7099205" y="1808283"/>
+            <a:ext cx="1190029" cy="461665"/>
+          </a:xfrm>
+          <a:prstGeom prst="rect">
+            <a:avLst/>
+          </a:prstGeom>
+          <a:noFill/>
+        </p:spPr>
+        <p:txBody>
+          <a:bodyPr wrap="square" rtlCol="0">
+            <a:spAutoFit/>
+          </a:bodyPr>
+          <a:lstStyle/>
+          <a:p>
+            <a:r>
+              <a:rPr lang="de-CH" sz="800" b="1" dirty="0" err="1">
+                <a:latin typeface="Arial" panose="020B0604020202020204" pitchFamily="34" charset="0"/>
+                <a:cs typeface="Arial" panose="020B0604020202020204" pitchFamily="34" charset="0"/>
+              </a:rPr>
+              <a:t>id_container_right</a:t>
+            </a:r>
+            <a:r>
+              <a:rPr lang="de-CH" sz="800" b="1" dirty="0">
+                <a:latin typeface="Arial" panose="020B0604020202020204" pitchFamily="34" charset="0"/>
+                <a:cs typeface="Arial" panose="020B0604020202020204" pitchFamily="34" charset="0"/>
+              </a:rPr>
+              <a:t>_</a:t>
+            </a:r>
+          </a:p>
+          <a:p>
+            <a:r>
+              <a:rPr lang="de-CH" sz="800" b="1" dirty="0" err="1">
+                <a:latin typeface="Arial" panose="020B0604020202020204" pitchFamily="34" charset="0"/>
+                <a:cs typeface="Arial" panose="020B0604020202020204" pitchFamily="34" charset="0"/>
+              </a:rPr>
+              <a:t>image_toolbar</a:t>
+            </a:r>
+            <a:r>
+              <a:rPr lang="de-CH" sz="800" b="1" dirty="0">
+                <a:latin typeface="Arial" panose="020B0604020202020204" pitchFamily="34" charset="0"/>
+                <a:cs typeface="Arial" panose="020B0604020202020204" pitchFamily="34" charset="0"/>
+              </a:rPr>
+              <a:t>_</a:t>
+            </a:r>
+          </a:p>
+          <a:p>
+            <a:r>
+              <a:rPr lang="de-CH" sz="800" b="1" dirty="0" err="1">
+                <a:latin typeface="Arial" panose="020B0604020202020204" pitchFamily="34" charset="0"/>
+                <a:cs typeface="Arial" panose="020B0604020202020204" pitchFamily="34" charset="0"/>
+              </a:rPr>
+              <a:t>jazz_guests</a:t>
+            </a:r>
+            <a:r>
+              <a:rPr lang="de-CH" sz="800" b="1" dirty="0">
+                <a:latin typeface="Arial" panose="020B0604020202020204" pitchFamily="34" charset="0"/>
+                <a:cs typeface="Arial" panose="020B0604020202020204" pitchFamily="34" charset="0"/>
+              </a:rPr>
+              <a:t>_   </a:t>
+            </a:r>
+          </a:p>
+        </p:txBody>
+      </p:sp>
+      <p:sp>
+        <p:nvSpPr>
+          <p:cNvPr id="31" name="Rechteck 30">
+            <a:extLst>
+              <a:ext uri="{FF2B5EF4-FFF2-40B4-BE49-F238E27FC236}">
+                <a16:creationId xmlns:a16="http://schemas.microsoft.com/office/drawing/2014/main" id="{2FA9C8B1-6CB8-88AB-4662-01104443BF7F}"/>
+              </a:ext>
+            </a:extLst>
+          </p:cNvPr>
+          <p:cNvSpPr/>
+          <p:nvPr/>
+        </p:nvSpPr>
+        <p:spPr>
+          <a:xfrm>
+            <a:off x="1723853" y="1511197"/>
+            <a:ext cx="6674712" cy="2712976"/>
+          </a:xfrm>
+          <a:prstGeom prst="rect">
+            <a:avLst/>
+          </a:prstGeom>
+          <a:noFill/>
+          <a:ln>
+            <a:solidFill>
+              <a:schemeClr val="tx1"/>
+            </a:solidFill>
+          </a:ln>
+        </p:spPr>
+        <p:style>
+          <a:lnRef idx="2">
+            <a:schemeClr val="accent1">
+              <a:shade val="50000"/>
+            </a:schemeClr>
+          </a:lnRef>
+          <a:fillRef idx="1">
+            <a:schemeClr val="accent1"/>
+          </a:fillRef>
+          <a:effectRef idx="0">
+            <a:schemeClr val="accent1"/>
+          </a:effectRef>
+          <a:fontRef idx="minor">
+            <a:schemeClr val="lt1"/>
+          </a:fontRef>
+        </p:style>
+        <p:txBody>
+          <a:bodyPr rtlCol="0" anchor="ctr"/>
+          <a:lstStyle/>
+          <a:p>
+            <a:pPr algn="ctr"/>
+            <a:endParaRPr lang="de-CH" sz="1400" dirty="0">
+              <a:solidFill>
+                <a:schemeClr val="tx1"/>
+              </a:solidFill>
+              <a:latin typeface="Arial" panose="020B0604020202020204" pitchFamily="34" charset="0"/>
+              <a:cs typeface="Arial" panose="020B0604020202020204" pitchFamily="34" charset="0"/>
+            </a:endParaRPr>
+          </a:p>
+        </p:txBody>
+      </p:sp>
       <p:pic>
         <p:nvPicPr>
-          <p:cNvPr id="11" name="Grafik 10">
+          <p:cNvPr id="33" name="Grafik 32">
             <a:extLst>
               <a:ext uri="{FF2B5EF4-FFF2-40B4-BE49-F238E27FC236}">
-                <a16:creationId xmlns:a16="http://schemas.microsoft.com/office/drawing/2014/main" id="{444D9EC8-0560-6E65-19B7-4FD38C0F634D}"/>
+                <a16:creationId xmlns:a16="http://schemas.microsoft.com/office/drawing/2014/main" id="{230CD528-EC2D-5A16-4A20-216F3BA29DD2}"/>
               </a:ext>
             </a:extLst>
           </p:cNvPr>
@@ -5219,21 +4442,15 @@
           <p:nvPr/>
         </p:nvPicPr>
         <p:blipFill>
-          <a:blip r:embed="rId3">
-            <a:extLst>
-              <a:ext uri="{28A0092B-C50C-407E-A947-70E740481C1C}">
-                <a14:useLocalDpi xmlns:a14="http://schemas.microsoft.com/office/drawing/2010/main" val="0"/>
-              </a:ext>
-            </a:extLst>
-          </a:blip>
+          <a:blip r:embed="rId3"/>
           <a:stretch>
             <a:fillRect/>
           </a:stretch>
         </p:blipFill>
         <p:spPr>
           <a:xfrm>
-            <a:off x="8837510" y="3501342"/>
-            <a:ext cx="282358" cy="254122"/>
+            <a:off x="2642837" y="2569914"/>
+            <a:ext cx="228571" cy="1114286"/>
           </a:xfrm>
           <a:prstGeom prst="rect">
             <a:avLst/>
@@ -5242,10 +4459,10 @@
       </p:pic>
       <p:pic>
         <p:nvPicPr>
-          <p:cNvPr id="8" name="Grafik 7">
+          <p:cNvPr id="35" name="Grafik 34">
             <a:extLst>
               <a:ext uri="{FF2B5EF4-FFF2-40B4-BE49-F238E27FC236}">
-                <a16:creationId xmlns:a16="http://schemas.microsoft.com/office/drawing/2014/main" id="{106E35B3-2F56-CD33-6F12-EDD757555E60}"/>
+                <a16:creationId xmlns:a16="http://schemas.microsoft.com/office/drawing/2014/main" id="{1CBAA481-D995-BBDB-0096-BA9401A7D3BC}"/>
               </a:ext>
             </a:extLst>
           </p:cNvPr>
@@ -5255,33 +4472,214 @@
           <p:nvPr/>
         </p:nvPicPr>
         <p:blipFill>
-          <a:blip r:embed="rId4">
-            <a:extLst>
-              <a:ext uri="{28A0092B-C50C-407E-A947-70E740481C1C}">
-                <a14:useLocalDpi xmlns:a14="http://schemas.microsoft.com/office/drawing/2010/main" val="0"/>
-              </a:ext>
-            </a:extLst>
-          </a:blip>
+          <a:blip r:embed="rId4"/>
           <a:stretch>
             <a:fillRect/>
           </a:stretch>
         </p:blipFill>
         <p:spPr>
           <a:xfrm>
-            <a:off x="8810623" y="4205733"/>
-            <a:ext cx="336132" cy="395450"/>
+            <a:off x="7551288" y="2502503"/>
+            <a:ext cx="285714" cy="1295238"/>
           </a:xfrm>
           <a:prstGeom prst="rect">
             <a:avLst/>
           </a:prstGeom>
         </p:spPr>
       </p:pic>
+      <p:sp>
+        <p:nvSpPr>
+          <p:cNvPr id="36" name="Textfeld 35">
+            <a:extLst>
+              <a:ext uri="{FF2B5EF4-FFF2-40B4-BE49-F238E27FC236}">
+                <a16:creationId xmlns:a16="http://schemas.microsoft.com/office/drawing/2014/main" id="{798F1FD7-A1E6-082B-6436-F0CBE0382553}"/>
+              </a:ext>
+            </a:extLst>
+          </p:cNvPr>
+          <p:cNvSpPr txBox="1"/>
+          <p:nvPr/>
+        </p:nvSpPr>
+        <p:spPr>
+          <a:xfrm>
+            <a:off x="1744085" y="1545821"/>
+            <a:ext cx="2695836" cy="215444"/>
+          </a:xfrm>
+          <a:prstGeom prst="rect">
+            <a:avLst/>
+          </a:prstGeom>
+          <a:noFill/>
+        </p:spPr>
+        <p:txBody>
+          <a:bodyPr wrap="square" rtlCol="0">
+            <a:spAutoFit/>
+          </a:bodyPr>
+          <a:lstStyle/>
+          <a:p>
+            <a:r>
+              <a:rPr lang="de-CH" sz="800" b="1" dirty="0" err="1">
+                <a:latin typeface="Arial" panose="020B0604020202020204" pitchFamily="34" charset="0"/>
+                <a:cs typeface="Arial" panose="020B0604020202020204" pitchFamily="34" charset="0"/>
+              </a:rPr>
+              <a:t>id_div_display_image_toolbars_jazz_guests</a:t>
+            </a:r>
+            <a:r>
+              <a:rPr lang="de-CH" sz="800" b="1" dirty="0">
+                <a:latin typeface="Arial" panose="020B0604020202020204" pitchFamily="34" charset="0"/>
+                <a:cs typeface="Arial" panose="020B0604020202020204" pitchFamily="34" charset="0"/>
+              </a:rPr>
+              <a:t>   </a:t>
+            </a:r>
+          </a:p>
+        </p:txBody>
+      </p:sp>
+      <p:sp>
+        <p:nvSpPr>
+          <p:cNvPr id="37" name="Rechteck 36">
+            <a:extLst>
+              <a:ext uri="{FF2B5EF4-FFF2-40B4-BE49-F238E27FC236}">
+                <a16:creationId xmlns:a16="http://schemas.microsoft.com/office/drawing/2014/main" id="{2B6A9A62-6CD4-988F-5081-CC578658E30D}"/>
+              </a:ext>
+            </a:extLst>
+          </p:cNvPr>
+          <p:cNvSpPr/>
+          <p:nvPr/>
+        </p:nvSpPr>
+        <p:spPr>
+          <a:xfrm>
+            <a:off x="1728366" y="4376620"/>
+            <a:ext cx="7483122" cy="2040746"/>
+          </a:xfrm>
+          <a:prstGeom prst="rect">
+            <a:avLst/>
+          </a:prstGeom>
+          <a:noFill/>
+          <a:ln>
+            <a:solidFill>
+              <a:schemeClr val="tx1"/>
+            </a:solidFill>
+          </a:ln>
+        </p:spPr>
+        <p:style>
+          <a:lnRef idx="2">
+            <a:schemeClr val="accent1">
+              <a:shade val="50000"/>
+            </a:schemeClr>
+          </a:lnRef>
+          <a:fillRef idx="1">
+            <a:schemeClr val="accent1"/>
+          </a:fillRef>
+          <a:effectRef idx="0">
+            <a:schemeClr val="accent1"/>
+          </a:effectRef>
+          <a:fontRef idx="minor">
+            <a:schemeClr val="lt1"/>
+          </a:fontRef>
+        </p:style>
+        <p:txBody>
+          <a:bodyPr rtlCol="0" anchor="ctr"/>
+          <a:lstStyle/>
+          <a:p>
+            <a:pPr algn="ctr"/>
+            <a:endParaRPr lang="de-CH" sz="1400" dirty="0">
+              <a:solidFill>
+                <a:schemeClr val="tx1"/>
+              </a:solidFill>
+              <a:latin typeface="Arial" panose="020B0604020202020204" pitchFamily="34" charset="0"/>
+              <a:cs typeface="Arial" panose="020B0604020202020204" pitchFamily="34" charset="0"/>
+            </a:endParaRPr>
+          </a:p>
+        </p:txBody>
+      </p:sp>
+      <p:sp>
+        <p:nvSpPr>
+          <p:cNvPr id="38" name="Textfeld 37">
+            <a:extLst>
+              <a:ext uri="{FF2B5EF4-FFF2-40B4-BE49-F238E27FC236}">
+                <a16:creationId xmlns:a16="http://schemas.microsoft.com/office/drawing/2014/main" id="{CDFE0A3D-8AAA-0CCF-2DEA-BBF489BDCA5A}"/>
+              </a:ext>
+            </a:extLst>
+          </p:cNvPr>
+          <p:cNvSpPr txBox="1"/>
+          <p:nvPr/>
+        </p:nvSpPr>
+        <p:spPr>
+          <a:xfrm>
+            <a:off x="1744085" y="4376620"/>
+            <a:ext cx="4369824" cy="215444"/>
+          </a:xfrm>
+          <a:prstGeom prst="rect">
+            <a:avLst/>
+          </a:prstGeom>
+          <a:noFill/>
+        </p:spPr>
+        <p:txBody>
+          <a:bodyPr wrap="square" rtlCol="0">
+            <a:spAutoFit/>
+          </a:bodyPr>
+          <a:lstStyle/>
+          <a:p>
+            <a:r>
+              <a:rPr lang="de-CH" sz="800" b="1" dirty="0" err="1">
+                <a:latin typeface="Arial" panose="020B0604020202020204" pitchFamily="34" charset="0"/>
+                <a:cs typeface="Arial" panose="020B0604020202020204" pitchFamily="34" charset="0"/>
+              </a:rPr>
+              <a:t>id_div_group_all_texts_my_function</a:t>
+            </a:r>
+            <a:r>
+              <a:rPr lang="de-CH" sz="800" b="1" dirty="0">
+                <a:latin typeface="Arial" panose="020B0604020202020204" pitchFamily="34" charset="0"/>
+                <a:cs typeface="Arial" panose="020B0604020202020204" pitchFamily="34" charset="0"/>
+              </a:rPr>
+              <a:t>  </a:t>
+            </a:r>
+            <a:r>
+              <a:rPr lang="de-CH" sz="800" b="1" dirty="0" err="1">
+                <a:latin typeface="Arial" panose="020B0604020202020204" pitchFamily="34" charset="0"/>
+                <a:cs typeface="Arial" panose="020B0604020202020204" pitchFamily="34" charset="0"/>
+              </a:rPr>
+              <a:t>group_all_texts_style_str</a:t>
+            </a:r>
+            <a:r>
+              <a:rPr lang="de-CH" sz="800" b="1" dirty="0">
+                <a:latin typeface="Arial" panose="020B0604020202020204" pitchFamily="34" charset="0"/>
+                <a:cs typeface="Arial" panose="020B0604020202020204" pitchFamily="34" charset="0"/>
+              </a:rPr>
+              <a:t>  </a:t>
+            </a:r>
+            <a:r>
+              <a:rPr lang="de-CH" sz="800" b="1" dirty="0" err="1">
+                <a:latin typeface="Arial" panose="020B0604020202020204" pitchFamily="34" charset="0"/>
+                <a:cs typeface="Arial" panose="020B0604020202020204" pitchFamily="34" charset="0"/>
+              </a:rPr>
+              <a:t>clear</a:t>
+            </a:r>
+            <a:r>
+              <a:rPr lang="de-CH" sz="800" b="1" dirty="0">
+                <a:latin typeface="Arial" panose="020B0604020202020204" pitchFamily="34" charset="0"/>
+                <a:cs typeface="Arial" panose="020B0604020202020204" pitchFamily="34" charset="0"/>
+              </a:rPr>
+              <a:t> </a:t>
+            </a:r>
+            <a:r>
+              <a:rPr lang="de-CH" sz="800" b="1" dirty="0" err="1">
+                <a:latin typeface="Arial" panose="020B0604020202020204" pitchFamily="34" charset="0"/>
+                <a:cs typeface="Arial" panose="020B0604020202020204" pitchFamily="34" charset="0"/>
+              </a:rPr>
+              <a:t>both</a:t>
+            </a:r>
+            <a:endParaRPr lang="de-CH" sz="800" b="1" dirty="0">
+              <a:latin typeface="Arial" panose="020B0604020202020204" pitchFamily="34" charset="0"/>
+              <a:cs typeface="Arial" panose="020B0604020202020204" pitchFamily="34" charset="0"/>
+            </a:endParaRPr>
+          </a:p>
+        </p:txBody>
+      </p:sp>
       <p:pic>
         <p:nvPicPr>
-          <p:cNvPr id="13" name="Grafik 12">
+          <p:cNvPr id="40" name="Grafik 39">
             <a:extLst>
               <a:ext uri="{FF2B5EF4-FFF2-40B4-BE49-F238E27FC236}">
-                <a16:creationId xmlns:a16="http://schemas.microsoft.com/office/drawing/2014/main" id="{2E0A95DE-108B-BA19-4BDA-15594A3AA700}"/>
+                <a16:creationId xmlns:a16="http://schemas.microsoft.com/office/drawing/2014/main" id="{9EAB5C77-CDF9-3A0A-5733-8F6BCEB0C93D}"/>
               </a:ext>
             </a:extLst>
           </p:cNvPr>
@@ -5291,57 +4689,463 @@
           <p:nvPr/>
         </p:nvPicPr>
         <p:blipFill>
-          <a:blip r:embed="rId5">
-            <a:extLst>
-              <a:ext uri="{28A0092B-C50C-407E-A947-70E740481C1C}">
-                <a14:useLocalDpi xmlns:a14="http://schemas.microsoft.com/office/drawing/2010/main" val="0"/>
-              </a:ext>
-            </a:extLst>
-          </a:blip>
+          <a:blip r:embed="rId5"/>
           <a:stretch>
             <a:fillRect/>
           </a:stretch>
         </p:blipFill>
         <p:spPr>
           <a:xfrm>
-            <a:off x="8812012" y="5139267"/>
-            <a:ext cx="334743" cy="287879"/>
+            <a:off x="2247589" y="5028524"/>
+            <a:ext cx="6041434" cy="854205"/>
           </a:xfrm>
           <a:prstGeom prst="rect">
             <a:avLst/>
           </a:prstGeom>
         </p:spPr>
       </p:pic>
-      <p:pic>
-        <p:nvPicPr>
-          <p:cNvPr id="15" name="Grafik 14">
+      <p:sp>
+        <p:nvSpPr>
+          <p:cNvPr id="41" name="Textfeld 40">
             <a:extLst>
               <a:ext uri="{FF2B5EF4-FFF2-40B4-BE49-F238E27FC236}">
-                <a16:creationId xmlns:a16="http://schemas.microsoft.com/office/drawing/2014/main" id="{0CA15946-F628-5173-B548-17D7868CF744}"/>
+                <a16:creationId xmlns:a16="http://schemas.microsoft.com/office/drawing/2014/main" id="{647669FE-9317-D115-5E60-67DAE2C7E4CC}"/>
               </a:ext>
             </a:extLst>
           </p:cNvPr>
-          <p:cNvPicPr>
-            <a:picLocks noChangeAspect="1"/>
-          </p:cNvPicPr>
+          <p:cNvSpPr txBox="1"/>
           <p:nvPr/>
-        </p:nvPicPr>
-        <p:blipFill>
-          <a:blip r:embed="rId6"/>
-          <a:stretch>
-            <a:fillRect/>
-          </a:stretch>
-        </p:blipFill>
-        <p:spPr>
-          <a:xfrm>
-            <a:off x="2905390" y="899352"/>
-            <a:ext cx="4247619" cy="4771429"/>
-          </a:xfrm>
-          <a:prstGeom prst="rect">
-            <a:avLst/>
-          </a:prstGeom>
-        </p:spPr>
-      </p:pic>
+        </p:nvSpPr>
+        <p:spPr>
+          <a:xfrm>
+            <a:off x="1744085" y="96921"/>
+            <a:ext cx="6686171" cy="369332"/>
+          </a:xfrm>
+          <a:prstGeom prst="rect">
+            <a:avLst/>
+          </a:prstGeom>
+          <a:noFill/>
+        </p:spPr>
+        <p:txBody>
+          <a:bodyPr wrap="square" rtlCol="0">
+            <a:spAutoFit/>
+          </a:bodyPr>
+          <a:lstStyle/>
+          <a:p>
+            <a:pPr algn="ctr"/>
+            <a:r>
+              <a:rPr lang="fr-FR" b="1" dirty="0">
+                <a:solidFill>
+                  <a:srgbClr val="FF0000"/>
+                </a:solidFill>
+                <a:latin typeface="Arial" panose="020B0604020202020204" pitchFamily="34" charset="0"/>
+                <a:cs typeface="Arial" panose="020B0604020202020204" pitchFamily="34" charset="0"/>
+              </a:rPr>
+              <a:t>Class </a:t>
+            </a:r>
+            <a:r>
+              <a:rPr lang="fr-FR" b="1" dirty="0" err="1">
+                <a:solidFill>
+                  <a:srgbClr val="FF0000"/>
+                </a:solidFill>
+                <a:latin typeface="Arial" panose="020B0604020202020204" pitchFamily="34" charset="0"/>
+                <a:cs typeface="Arial" panose="020B0604020202020204" pitchFamily="34" charset="0"/>
+              </a:rPr>
+              <a:t>DisplayImage</a:t>
+            </a:r>
+            <a:r>
+              <a:rPr lang="fr-FR" b="1" dirty="0">
+                <a:solidFill>
+                  <a:srgbClr val="FF0000"/>
+                </a:solidFill>
+                <a:latin typeface="Arial" panose="020B0604020202020204" pitchFamily="34" charset="0"/>
+                <a:cs typeface="Arial" panose="020B0604020202020204" pitchFamily="34" charset="0"/>
+              </a:rPr>
+              <a:t> (</a:t>
+            </a:r>
+            <a:r>
+              <a:rPr lang="fr-FR" b="1" dirty="0" err="1">
+                <a:solidFill>
+                  <a:srgbClr val="FF0000"/>
+                </a:solidFill>
+                <a:latin typeface="Arial" panose="020B0604020202020204" pitchFamily="34" charset="0"/>
+                <a:cs typeface="Arial" panose="020B0604020202020204" pitchFamily="34" charset="0"/>
+              </a:rPr>
+              <a:t>fctn_str</a:t>
+            </a:r>
+            <a:r>
+              <a:rPr lang="fr-FR" b="1" dirty="0">
+                <a:solidFill>
+                  <a:srgbClr val="FF0000"/>
+                </a:solidFill>
+                <a:latin typeface="Arial" panose="020B0604020202020204" pitchFamily="34" charset="0"/>
+                <a:cs typeface="Arial" panose="020B0604020202020204" pitchFamily="34" charset="0"/>
+              </a:rPr>
+              <a:t>= ‘</a:t>
+            </a:r>
+            <a:r>
+              <a:rPr lang="fr-FR" b="1" dirty="0" err="1">
+                <a:solidFill>
+                  <a:srgbClr val="FF0000"/>
+                </a:solidFill>
+                <a:latin typeface="Arial" panose="020B0604020202020204" pitchFamily="34" charset="0"/>
+                <a:cs typeface="Arial" panose="020B0604020202020204" pitchFamily="34" charset="0"/>
+              </a:rPr>
+              <a:t>jazz_guests</a:t>
+            </a:r>
+            <a:r>
+              <a:rPr lang="fr-FR" b="1" dirty="0">
+                <a:solidFill>
+                  <a:srgbClr val="FF0000"/>
+                </a:solidFill>
+                <a:latin typeface="Arial" panose="020B0604020202020204" pitchFamily="34" charset="0"/>
+                <a:cs typeface="Arial" panose="020B0604020202020204" pitchFamily="34" charset="0"/>
+              </a:rPr>
+              <a:t>’, </a:t>
+            </a:r>
+            <a:r>
+              <a:rPr lang="fr-FR" b="1" dirty="0" err="1">
+                <a:solidFill>
+                  <a:srgbClr val="FF0000"/>
+                </a:solidFill>
+                <a:latin typeface="Arial" panose="020B0604020202020204" pitchFamily="34" charset="0"/>
+                <a:cs typeface="Arial" panose="020B0604020202020204" pitchFamily="34" charset="0"/>
+              </a:rPr>
+              <a:t>id_container</a:t>
+            </a:r>
+            <a:r>
+              <a:rPr lang="fr-FR" b="1" dirty="0">
+                <a:solidFill>
+                  <a:srgbClr val="FF0000"/>
+                </a:solidFill>
+                <a:latin typeface="Arial" panose="020B0604020202020204" pitchFamily="34" charset="0"/>
+                <a:cs typeface="Arial" panose="020B0604020202020204" pitchFamily="34" charset="0"/>
+              </a:rPr>
+              <a:t>) </a:t>
+            </a:r>
+          </a:p>
+        </p:txBody>
+      </p:sp>
+    </p:spTree>
+    <p:extLst>
+      <p:ext uri="{BB962C8B-B14F-4D97-AF65-F5344CB8AC3E}">
+        <p14:creationId xmlns:p14="http://schemas.microsoft.com/office/powerpoint/2010/main" val="1725715169"/>
+      </p:ext>
+    </p:extLst>
+  </p:cSld>
+  <p:clrMapOvr>
+    <a:masterClrMapping/>
+  </p:clrMapOvr>
+</p:sld>
+</file>
+
+<file path=ppt/slides/slide3.xml><?xml version="1.0" encoding="utf-8"?>
+<p:sld xmlns:a="http://schemas.openxmlformats.org/drawingml/2006/main" xmlns:r="http://schemas.openxmlformats.org/officeDocument/2006/relationships" xmlns:p="http://schemas.openxmlformats.org/presentationml/2006/main">
+  <p:cSld>
+    <p:spTree>
+      <p:nvGrpSpPr>
+        <p:cNvPr id="1" name=""/>
+        <p:cNvGrpSpPr/>
+        <p:nvPr/>
+      </p:nvGrpSpPr>
+      <p:grpSpPr>
+        <a:xfrm>
+          <a:off x="0" y="0"/>
+          <a:ext cx="0" cy="0"/>
+          <a:chOff x="0" y="0"/>
+          <a:chExt cx="0" cy="0"/>
+        </a:xfrm>
+      </p:grpSpPr>
+      <p:sp>
+        <p:nvSpPr>
+          <p:cNvPr id="2" name="Rechteck 1">
+            <a:extLst>
+              <a:ext uri="{FF2B5EF4-FFF2-40B4-BE49-F238E27FC236}">
+                <a16:creationId xmlns:a16="http://schemas.microsoft.com/office/drawing/2014/main" id="{3FBE295E-AD11-43E0-996A-51D06F366B3E}"/>
+              </a:ext>
+            </a:extLst>
+          </p:cNvPr>
+          <p:cNvSpPr/>
+          <p:nvPr/>
+        </p:nvSpPr>
+        <p:spPr>
+          <a:xfrm>
+            <a:off x="2981725" y="1282145"/>
+            <a:ext cx="4644887" cy="4065104"/>
+          </a:xfrm>
+          <a:prstGeom prst="rect">
+            <a:avLst/>
+          </a:prstGeom>
+          <a:noFill/>
+          <a:ln>
+            <a:solidFill>
+              <a:schemeClr val="tx1"/>
+            </a:solidFill>
+          </a:ln>
+        </p:spPr>
+        <p:style>
+          <a:lnRef idx="2">
+            <a:schemeClr val="accent1">
+              <a:shade val="50000"/>
+            </a:schemeClr>
+          </a:lnRef>
+          <a:fillRef idx="1">
+            <a:schemeClr val="accent1"/>
+          </a:fillRef>
+          <a:effectRef idx="0">
+            <a:schemeClr val="accent1"/>
+          </a:effectRef>
+          <a:fontRef idx="minor">
+            <a:schemeClr val="lt1"/>
+          </a:fontRef>
+        </p:style>
+        <p:txBody>
+          <a:bodyPr rtlCol="0" anchor="ctr"/>
+          <a:lstStyle/>
+          <a:p>
+            <a:pPr algn="ctr"/>
+            <a:endParaRPr lang="de-CH" sz="1400" dirty="0">
+              <a:solidFill>
+                <a:schemeClr val="tx1"/>
+              </a:solidFill>
+              <a:latin typeface="Arial" panose="020B0604020202020204" pitchFamily="34" charset="0"/>
+              <a:cs typeface="Arial" panose="020B0604020202020204" pitchFamily="34" charset="0"/>
+            </a:endParaRPr>
+          </a:p>
+        </p:txBody>
+      </p:sp>
+      <p:sp>
+        <p:nvSpPr>
+          <p:cNvPr id="3" name="Textfeld 2">
+            <a:extLst>
+              <a:ext uri="{FF2B5EF4-FFF2-40B4-BE49-F238E27FC236}">
+                <a16:creationId xmlns:a16="http://schemas.microsoft.com/office/drawing/2014/main" id="{35DB50F0-7E8C-9C20-A821-0881671307B9}"/>
+              </a:ext>
+            </a:extLst>
+          </p:cNvPr>
+          <p:cNvSpPr txBox="1"/>
+          <p:nvPr/>
+        </p:nvSpPr>
+        <p:spPr>
+          <a:xfrm>
+            <a:off x="3081116" y="3231612"/>
+            <a:ext cx="4644886" cy="677108"/>
+          </a:xfrm>
+          <a:prstGeom prst="rect">
+            <a:avLst/>
+          </a:prstGeom>
+          <a:noFill/>
+        </p:spPr>
+        <p:txBody>
+          <a:bodyPr wrap="square" rtlCol="0">
+            <a:spAutoFit/>
+          </a:bodyPr>
+          <a:lstStyle/>
+          <a:p>
+            <a:r>
+              <a:rPr lang="en-US" sz="1400" b="1" dirty="0">
+                <a:latin typeface="Arial" panose="020B0604020202020204" pitchFamily="34" charset="0"/>
+                <a:cs typeface="Arial" panose="020B0604020202020204" pitchFamily="34" charset="0"/>
+              </a:rPr>
+              <a:t>Member setting functions</a:t>
+            </a:r>
+          </a:p>
+          <a:p>
+            <a:r>
+              <a:rPr lang="en-US" sz="1200" b="1" dirty="0" err="1">
+                <a:latin typeface="Arial" panose="020B0604020202020204" pitchFamily="34" charset="0"/>
+                <a:cs typeface="Arial" panose="020B0604020202020204" pitchFamily="34" charset="0"/>
+              </a:rPr>
+              <a:t>setImageContainerHeight</a:t>
+            </a:r>
+            <a:r>
+              <a:rPr lang="en-US" sz="1200" b="1" dirty="0">
+                <a:latin typeface="Arial" panose="020B0604020202020204" pitchFamily="34" charset="0"/>
+                <a:cs typeface="Arial" panose="020B0604020202020204" pitchFamily="34" charset="0"/>
+              </a:rPr>
+              <a:t>     </a:t>
+            </a:r>
+            <a:r>
+              <a:rPr lang="en-US" sz="1200" b="1" dirty="0" err="1">
+                <a:latin typeface="Arial" panose="020B0604020202020204" pitchFamily="34" charset="0"/>
+                <a:cs typeface="Arial" panose="020B0604020202020204" pitchFamily="34" charset="0"/>
+              </a:rPr>
+              <a:t>m_image_container_height</a:t>
+            </a:r>
+            <a:endParaRPr lang="en-US" sz="1200" b="1" dirty="0">
+              <a:latin typeface="Arial" panose="020B0604020202020204" pitchFamily="34" charset="0"/>
+              <a:cs typeface="Arial" panose="020B0604020202020204" pitchFamily="34" charset="0"/>
+            </a:endParaRPr>
+          </a:p>
+          <a:p>
+            <a:endParaRPr lang="de-CH" sz="1200" b="1" dirty="0">
+              <a:latin typeface="Arial" panose="020B0604020202020204" pitchFamily="34" charset="0"/>
+              <a:cs typeface="Arial" panose="020B0604020202020204" pitchFamily="34" charset="0"/>
+            </a:endParaRPr>
+          </a:p>
+        </p:txBody>
+      </p:sp>
+      <p:sp>
+        <p:nvSpPr>
+          <p:cNvPr id="5" name="Textfeld 4">
+            <a:extLst>
+              <a:ext uri="{FF2B5EF4-FFF2-40B4-BE49-F238E27FC236}">
+                <a16:creationId xmlns:a16="http://schemas.microsoft.com/office/drawing/2014/main" id="{CF8A47AE-F3F6-8499-4D32-F7D15B3D765F}"/>
+              </a:ext>
+            </a:extLst>
+          </p:cNvPr>
+          <p:cNvSpPr txBox="1"/>
+          <p:nvPr/>
+        </p:nvSpPr>
+        <p:spPr>
+          <a:xfrm>
+            <a:off x="3081116" y="1485308"/>
+            <a:ext cx="4075043" cy="1600438"/>
+          </a:xfrm>
+          <a:prstGeom prst="rect">
+            <a:avLst/>
+          </a:prstGeom>
+          <a:noFill/>
+        </p:spPr>
+        <p:txBody>
+          <a:bodyPr wrap="square" rtlCol="0">
+            <a:spAutoFit/>
+          </a:bodyPr>
+          <a:lstStyle/>
+          <a:p>
+            <a:r>
+              <a:rPr lang="en-US" sz="1400" b="1" dirty="0">
+                <a:latin typeface="Arial" panose="020B0604020202020204" pitchFamily="34" charset="0"/>
+                <a:cs typeface="Arial" panose="020B0604020202020204" pitchFamily="34" charset="0"/>
+              </a:rPr>
+              <a:t>Member display image functions</a:t>
+            </a:r>
+          </a:p>
+          <a:p>
+            <a:r>
+              <a:rPr lang="en-US" sz="1200" b="1" dirty="0" err="1">
+                <a:latin typeface="Arial" panose="020B0604020202020204" pitchFamily="34" charset="0"/>
+                <a:cs typeface="Arial" panose="020B0604020202020204" pitchFamily="34" charset="0"/>
+              </a:rPr>
+              <a:t>setScalePositionDisplayImage</a:t>
+            </a:r>
+            <a:r>
+              <a:rPr lang="en-US" sz="1200" b="1" dirty="0">
+                <a:latin typeface="Arial" panose="020B0604020202020204" pitchFamily="34" charset="0"/>
+                <a:cs typeface="Arial" panose="020B0604020202020204" pitchFamily="34" charset="0"/>
+              </a:rPr>
+              <a:t> (</a:t>
+            </a:r>
+            <a:r>
+              <a:rPr lang="en-US" sz="1200" b="1" dirty="0" err="1">
+                <a:latin typeface="Arial" panose="020B0604020202020204" pitchFamily="34" charset="0"/>
+                <a:cs typeface="Arial" panose="020B0604020202020204" pitchFamily="34" charset="0"/>
+              </a:rPr>
+              <a:t>i_image</a:t>
+            </a:r>
+            <a:r>
+              <a:rPr lang="en-US" sz="1200" b="1" dirty="0">
+                <a:latin typeface="Arial" panose="020B0604020202020204" pitchFamily="34" charset="0"/>
+                <a:cs typeface="Arial" panose="020B0604020202020204" pitchFamily="34" charset="0"/>
+              </a:rPr>
+              <a:t>)</a:t>
+            </a:r>
+          </a:p>
+          <a:p>
+            <a:r>
+              <a:rPr lang="en-US" sz="1200" b="1" dirty="0">
+                <a:latin typeface="Arial" panose="020B0604020202020204" pitchFamily="34" charset="0"/>
+                <a:cs typeface="Arial" panose="020B0604020202020204" pitchFamily="34" charset="0"/>
+              </a:rPr>
+              <a:t>{</a:t>
+            </a:r>
+          </a:p>
+          <a:p>
+            <a:r>
+              <a:rPr lang="en-US" sz="1200" b="1" dirty="0">
+                <a:latin typeface="Arial" panose="020B0604020202020204" pitchFamily="34" charset="0"/>
+                <a:cs typeface="Arial" panose="020B0604020202020204" pitchFamily="34" charset="0"/>
+              </a:rPr>
+              <a:t>     </a:t>
+            </a:r>
+            <a:r>
+              <a:rPr lang="en-US" sz="1200" b="1" dirty="0" err="1">
+                <a:latin typeface="Arial" panose="020B0604020202020204" pitchFamily="34" charset="0"/>
+                <a:cs typeface="Arial" panose="020B0604020202020204" pitchFamily="34" charset="0"/>
+              </a:rPr>
+              <a:t>UtilImage.replaceImageInDivContainer</a:t>
+            </a:r>
+            <a:r>
+              <a:rPr lang="en-US" sz="1200" b="1" dirty="0">
+                <a:latin typeface="Arial" panose="020B0604020202020204" pitchFamily="34" charset="0"/>
+                <a:cs typeface="Arial" panose="020B0604020202020204" pitchFamily="34" charset="0"/>
+              </a:rPr>
+              <a:t>(</a:t>
+            </a:r>
+            <a:r>
+              <a:rPr lang="en-US" sz="1200" b="1" dirty="0" err="1">
+                <a:latin typeface="Arial" panose="020B0604020202020204" pitchFamily="34" charset="0"/>
+                <a:cs typeface="Arial" panose="020B0604020202020204" pitchFamily="34" charset="0"/>
+              </a:rPr>
+              <a:t>i_image</a:t>
+            </a:r>
+            <a:r>
+              <a:rPr lang="en-US" sz="1200" b="1" dirty="0">
+                <a:latin typeface="Arial" panose="020B0604020202020204" pitchFamily="34" charset="0"/>
+                <a:cs typeface="Arial" panose="020B0604020202020204" pitchFamily="34" charset="0"/>
+              </a:rPr>
+              <a:t>, ..);</a:t>
+            </a:r>
+          </a:p>
+          <a:p>
+            <a:r>
+              <a:rPr lang="en-US" sz="1200" b="1" dirty="0">
+                <a:latin typeface="Arial" panose="020B0604020202020204" pitchFamily="34" charset="0"/>
+                <a:cs typeface="Arial" panose="020B0604020202020204" pitchFamily="34" charset="0"/>
+              </a:rPr>
+              <a:t>}</a:t>
+            </a:r>
+          </a:p>
+          <a:p>
+            <a:endParaRPr lang="en-US" sz="1200" b="1" dirty="0">
+              <a:latin typeface="Arial" panose="020B0604020202020204" pitchFamily="34" charset="0"/>
+              <a:cs typeface="Arial" panose="020B0604020202020204" pitchFamily="34" charset="0"/>
+            </a:endParaRPr>
+          </a:p>
+          <a:p>
+            <a:r>
+              <a:rPr lang="en-US" sz="1200" b="1" dirty="0" err="1">
+                <a:latin typeface="Arial" panose="020B0604020202020204" pitchFamily="34" charset="0"/>
+                <a:cs typeface="Arial" panose="020B0604020202020204" pitchFamily="34" charset="0"/>
+              </a:rPr>
+              <a:t>hideImageContainerDiv</a:t>
+            </a:r>
+            <a:r>
+              <a:rPr lang="en-US" sz="1200" b="1" dirty="0">
+                <a:latin typeface="Arial" panose="020B0604020202020204" pitchFamily="34" charset="0"/>
+                <a:cs typeface="Arial" panose="020B0604020202020204" pitchFamily="34" charset="0"/>
+              </a:rPr>
+              <a:t>()</a:t>
+            </a:r>
+          </a:p>
+          <a:p>
+            <a:r>
+              <a:rPr lang="en-US" sz="1200" b="1" dirty="0" err="1">
+                <a:latin typeface="Arial" panose="020B0604020202020204" pitchFamily="34" charset="0"/>
+                <a:cs typeface="Arial" panose="020B0604020202020204" pitchFamily="34" charset="0"/>
+              </a:rPr>
+              <a:t>displayImageContainerDiv</a:t>
+            </a:r>
+            <a:r>
+              <a:rPr lang="en-US" sz="1200" b="1" dirty="0">
+                <a:latin typeface="Arial" panose="020B0604020202020204" pitchFamily="34" charset="0"/>
+                <a:cs typeface="Arial" panose="020B0604020202020204" pitchFamily="34" charset="0"/>
+              </a:rPr>
+              <a:t>()</a:t>
+            </a:r>
+          </a:p>
+        </p:txBody>
+      </p:sp>
     </p:spTree>
     <p:extLst>
       <p:ext uri="{BB962C8B-B14F-4D97-AF65-F5344CB8AC3E}">
@@ -5355,7 +5159,3911 @@
 </p:sld>
 </file>
 
-<file path=ppt/slides/slide3.xml><?xml version="1.0" encoding="utf-8"?>
+<file path=ppt/slides/slide4.xml><?xml version="1.0" encoding="utf-8"?>
+<p:sld xmlns:a="http://schemas.openxmlformats.org/drawingml/2006/main" xmlns:r="http://schemas.openxmlformats.org/officeDocument/2006/relationships" xmlns:p="http://schemas.openxmlformats.org/presentationml/2006/main">
+  <p:cSld>
+    <p:spTree>
+      <p:nvGrpSpPr>
+        <p:cNvPr id="1" name=""/>
+        <p:cNvGrpSpPr/>
+        <p:nvPr/>
+      </p:nvGrpSpPr>
+      <p:grpSpPr>
+        <a:xfrm>
+          <a:off x="0" y="0"/>
+          <a:ext cx="0" cy="0"/>
+          <a:chOff x="0" y="0"/>
+          <a:chExt cx="0" cy="0"/>
+        </a:xfrm>
+      </p:grpSpPr>
+      <p:sp>
+        <p:nvSpPr>
+          <p:cNvPr id="11" name="Rechteck 10">
+            <a:extLst>
+              <a:ext uri="{FF2B5EF4-FFF2-40B4-BE49-F238E27FC236}">
+                <a16:creationId xmlns:a16="http://schemas.microsoft.com/office/drawing/2014/main" id="{D99E23E8-0EF5-48AA-C758-3C387531AB57}"/>
+              </a:ext>
+            </a:extLst>
+          </p:cNvPr>
+          <p:cNvSpPr/>
+          <p:nvPr/>
+        </p:nvSpPr>
+        <p:spPr>
+          <a:xfrm>
+            <a:off x="780834" y="2046199"/>
+            <a:ext cx="2515173" cy="634421"/>
+          </a:xfrm>
+          <a:prstGeom prst="rect">
+            <a:avLst/>
+          </a:prstGeom>
+          <a:noFill/>
+          <a:ln>
+            <a:solidFill>
+              <a:schemeClr val="tx1"/>
+            </a:solidFill>
+          </a:ln>
+        </p:spPr>
+        <p:style>
+          <a:lnRef idx="2">
+            <a:schemeClr val="accent1">
+              <a:shade val="50000"/>
+            </a:schemeClr>
+          </a:lnRef>
+          <a:fillRef idx="1">
+            <a:schemeClr val="accent1"/>
+          </a:fillRef>
+          <a:effectRef idx="0">
+            <a:schemeClr val="accent1"/>
+          </a:effectRef>
+          <a:fontRef idx="minor">
+            <a:schemeClr val="lt1"/>
+          </a:fontRef>
+        </p:style>
+        <p:txBody>
+          <a:bodyPr rtlCol="0" anchor="ctr"/>
+          <a:lstStyle/>
+          <a:p>
+            <a:pPr algn="ctr"/>
+            <a:endParaRPr lang="de-CH" sz="1400" dirty="0">
+              <a:solidFill>
+                <a:schemeClr val="tx1"/>
+              </a:solidFill>
+              <a:latin typeface="Arial" panose="020B0604020202020204" pitchFamily="34" charset="0"/>
+              <a:cs typeface="Arial" panose="020B0604020202020204" pitchFamily="34" charset="0"/>
+            </a:endParaRPr>
+          </a:p>
+        </p:txBody>
+      </p:sp>
+      <p:sp>
+        <p:nvSpPr>
+          <p:cNvPr id="12" name="Textfeld 11">
+            <a:extLst>
+              <a:ext uri="{FF2B5EF4-FFF2-40B4-BE49-F238E27FC236}">
+                <a16:creationId xmlns:a16="http://schemas.microsoft.com/office/drawing/2014/main" id="{01D36BC5-EC4D-1EF1-C796-4AB016DBBB21}"/>
+              </a:ext>
+            </a:extLst>
+          </p:cNvPr>
+          <p:cNvSpPr txBox="1"/>
+          <p:nvPr/>
+        </p:nvSpPr>
+        <p:spPr>
+          <a:xfrm>
+            <a:off x="780833" y="2042411"/>
+            <a:ext cx="2119573" cy="369332"/>
+          </a:xfrm>
+          <a:prstGeom prst="rect">
+            <a:avLst/>
+          </a:prstGeom>
+          <a:noFill/>
+        </p:spPr>
+        <p:txBody>
+          <a:bodyPr wrap="square" rtlCol="0">
+            <a:spAutoFit/>
+          </a:bodyPr>
+          <a:lstStyle/>
+          <a:p>
+            <a:r>
+              <a:rPr lang="de-CH" sz="900" b="1" dirty="0" err="1">
+                <a:latin typeface="Arial" panose="020B0604020202020204" pitchFamily="34" charset="0"/>
+                <a:cs typeface="Arial" panose="020B0604020202020204" pitchFamily="34" charset="0"/>
+              </a:rPr>
+              <a:t>id_div_text_one_jazz_guests</a:t>
+            </a:r>
+            <a:endParaRPr lang="de-CH" sz="900" b="1" dirty="0">
+              <a:latin typeface="Arial" panose="020B0604020202020204" pitchFamily="34" charset="0"/>
+              <a:cs typeface="Arial" panose="020B0604020202020204" pitchFamily="34" charset="0"/>
+            </a:endParaRPr>
+          </a:p>
+          <a:p>
+            <a:r>
+              <a:rPr lang="de-CH" sz="900" b="1" dirty="0" err="1">
+                <a:latin typeface="Arial" panose="020B0604020202020204" pitchFamily="34" charset="0"/>
+                <a:cs typeface="Arial" panose="020B0604020202020204" pitchFamily="34" charset="0"/>
+              </a:rPr>
+              <a:t>m_style_text_one</a:t>
+            </a:r>
+            <a:r>
+              <a:rPr lang="de-CH" sz="900" b="1" dirty="0">
+                <a:latin typeface="Arial" panose="020B0604020202020204" pitchFamily="34" charset="0"/>
+                <a:cs typeface="Arial" panose="020B0604020202020204" pitchFamily="34" charset="0"/>
+              </a:rPr>
+              <a:t> = </a:t>
+            </a:r>
+            <a:r>
+              <a:rPr lang="de-CH" sz="900" b="1" dirty="0" err="1">
+                <a:latin typeface="Arial" panose="020B0604020202020204" pitchFamily="34" charset="0"/>
+                <a:cs typeface="Arial" panose="020B0604020202020204" pitchFamily="34" charset="0"/>
+              </a:rPr>
+              <a:t>float</a:t>
+            </a:r>
+            <a:r>
+              <a:rPr lang="de-CH" sz="900" b="1" dirty="0">
+                <a:latin typeface="Arial" panose="020B0604020202020204" pitchFamily="34" charset="0"/>
+                <a:cs typeface="Arial" panose="020B0604020202020204" pitchFamily="34" charset="0"/>
+              </a:rPr>
+              <a:t>: </a:t>
+            </a:r>
+            <a:r>
+              <a:rPr lang="de-CH" sz="900" b="1" dirty="0" err="1">
+                <a:latin typeface="Arial" panose="020B0604020202020204" pitchFamily="34" charset="0"/>
+                <a:cs typeface="Arial" panose="020B0604020202020204" pitchFamily="34" charset="0"/>
+              </a:rPr>
+              <a:t>left</a:t>
+            </a:r>
+            <a:endParaRPr lang="de-CH" sz="900" b="1" dirty="0">
+              <a:latin typeface="Arial" panose="020B0604020202020204" pitchFamily="34" charset="0"/>
+              <a:cs typeface="Arial" panose="020B0604020202020204" pitchFamily="34" charset="0"/>
+            </a:endParaRPr>
+          </a:p>
+        </p:txBody>
+      </p:sp>
+      <p:sp>
+        <p:nvSpPr>
+          <p:cNvPr id="13" name="Rechteck 12">
+            <a:extLst>
+              <a:ext uri="{FF2B5EF4-FFF2-40B4-BE49-F238E27FC236}">
+                <a16:creationId xmlns:a16="http://schemas.microsoft.com/office/drawing/2014/main" id="{DAA158DD-3DDB-1B53-128F-433B8E4970BE}"/>
+              </a:ext>
+            </a:extLst>
+          </p:cNvPr>
+          <p:cNvSpPr/>
+          <p:nvPr/>
+        </p:nvSpPr>
+        <p:spPr>
+          <a:xfrm>
+            <a:off x="3568994" y="2000122"/>
+            <a:ext cx="2515173" cy="737390"/>
+          </a:xfrm>
+          <a:prstGeom prst="rect">
+            <a:avLst/>
+          </a:prstGeom>
+          <a:noFill/>
+          <a:ln>
+            <a:solidFill>
+              <a:schemeClr val="tx1"/>
+            </a:solidFill>
+          </a:ln>
+        </p:spPr>
+        <p:style>
+          <a:lnRef idx="2">
+            <a:schemeClr val="accent1">
+              <a:shade val="50000"/>
+            </a:schemeClr>
+          </a:lnRef>
+          <a:fillRef idx="1">
+            <a:schemeClr val="accent1"/>
+          </a:fillRef>
+          <a:effectRef idx="0">
+            <a:schemeClr val="accent1"/>
+          </a:effectRef>
+          <a:fontRef idx="minor">
+            <a:schemeClr val="lt1"/>
+          </a:fontRef>
+        </p:style>
+        <p:txBody>
+          <a:bodyPr rtlCol="0" anchor="ctr"/>
+          <a:lstStyle/>
+          <a:p>
+            <a:pPr algn="ctr"/>
+            <a:endParaRPr lang="de-CH" sz="1400" dirty="0">
+              <a:solidFill>
+                <a:schemeClr val="tx1"/>
+              </a:solidFill>
+              <a:latin typeface="Arial" panose="020B0604020202020204" pitchFamily="34" charset="0"/>
+              <a:cs typeface="Arial" panose="020B0604020202020204" pitchFamily="34" charset="0"/>
+            </a:endParaRPr>
+          </a:p>
+        </p:txBody>
+      </p:sp>
+      <p:sp>
+        <p:nvSpPr>
+          <p:cNvPr id="14" name="Textfeld 13">
+            <a:extLst>
+              <a:ext uri="{FF2B5EF4-FFF2-40B4-BE49-F238E27FC236}">
+                <a16:creationId xmlns:a16="http://schemas.microsoft.com/office/drawing/2014/main" id="{25FBE6D6-2818-65CD-AA9D-96B10F29022D}"/>
+              </a:ext>
+            </a:extLst>
+          </p:cNvPr>
+          <p:cNvSpPr txBox="1"/>
+          <p:nvPr/>
+        </p:nvSpPr>
+        <p:spPr>
+          <a:xfrm>
+            <a:off x="3568993" y="2000122"/>
+            <a:ext cx="2119573" cy="369332"/>
+          </a:xfrm>
+          <a:prstGeom prst="rect">
+            <a:avLst/>
+          </a:prstGeom>
+          <a:noFill/>
+        </p:spPr>
+        <p:txBody>
+          <a:bodyPr wrap="square" rtlCol="0">
+            <a:spAutoFit/>
+          </a:bodyPr>
+          <a:lstStyle/>
+          <a:p>
+            <a:r>
+              <a:rPr lang="de-CH" sz="900" b="1" dirty="0" err="1">
+                <a:latin typeface="Arial" panose="020B0604020202020204" pitchFamily="34" charset="0"/>
+                <a:cs typeface="Arial" panose="020B0604020202020204" pitchFamily="34" charset="0"/>
+              </a:rPr>
+              <a:t>id_div_text_two_jazz_guests</a:t>
+            </a:r>
+            <a:endParaRPr lang="de-CH" sz="900" b="1" dirty="0">
+              <a:latin typeface="Arial" panose="020B0604020202020204" pitchFamily="34" charset="0"/>
+              <a:cs typeface="Arial" panose="020B0604020202020204" pitchFamily="34" charset="0"/>
+            </a:endParaRPr>
+          </a:p>
+          <a:p>
+            <a:r>
+              <a:rPr lang="de-CH" sz="900" b="1" dirty="0" err="1">
+                <a:latin typeface="Arial" panose="020B0604020202020204" pitchFamily="34" charset="0"/>
+                <a:cs typeface="Arial" panose="020B0604020202020204" pitchFamily="34" charset="0"/>
+              </a:rPr>
+              <a:t>m_style_text_two</a:t>
+            </a:r>
+            <a:r>
+              <a:rPr lang="de-CH" sz="900" b="1" dirty="0">
+                <a:latin typeface="Arial" panose="020B0604020202020204" pitchFamily="34" charset="0"/>
+                <a:cs typeface="Arial" panose="020B0604020202020204" pitchFamily="34" charset="0"/>
+              </a:rPr>
+              <a:t> = </a:t>
+            </a:r>
+            <a:r>
+              <a:rPr lang="de-CH" sz="900" b="1" dirty="0" err="1">
+                <a:latin typeface="Arial" panose="020B0604020202020204" pitchFamily="34" charset="0"/>
+                <a:cs typeface="Arial" panose="020B0604020202020204" pitchFamily="34" charset="0"/>
+              </a:rPr>
+              <a:t>float</a:t>
+            </a:r>
+            <a:r>
+              <a:rPr lang="de-CH" sz="900" b="1" dirty="0">
+                <a:latin typeface="Arial" panose="020B0604020202020204" pitchFamily="34" charset="0"/>
+                <a:cs typeface="Arial" panose="020B0604020202020204" pitchFamily="34" charset="0"/>
+              </a:rPr>
+              <a:t>: </a:t>
+            </a:r>
+            <a:r>
+              <a:rPr lang="de-CH" sz="900" b="1" dirty="0" err="1">
+                <a:latin typeface="Arial" panose="020B0604020202020204" pitchFamily="34" charset="0"/>
+                <a:cs typeface="Arial" panose="020B0604020202020204" pitchFamily="34" charset="0"/>
+              </a:rPr>
+              <a:t>right</a:t>
+            </a:r>
+            <a:endParaRPr lang="de-CH" sz="900" b="1" dirty="0">
+              <a:latin typeface="Arial" panose="020B0604020202020204" pitchFamily="34" charset="0"/>
+              <a:cs typeface="Arial" panose="020B0604020202020204" pitchFamily="34" charset="0"/>
+            </a:endParaRPr>
+          </a:p>
+        </p:txBody>
+      </p:sp>
+      <p:sp>
+        <p:nvSpPr>
+          <p:cNvPr id="15" name="Rechteck 14">
+            <a:extLst>
+              <a:ext uri="{FF2B5EF4-FFF2-40B4-BE49-F238E27FC236}">
+                <a16:creationId xmlns:a16="http://schemas.microsoft.com/office/drawing/2014/main" id="{C1FF92E2-35B7-38E8-DFC6-E95540EAD366}"/>
+              </a:ext>
+            </a:extLst>
+          </p:cNvPr>
+          <p:cNvSpPr/>
+          <p:nvPr/>
+        </p:nvSpPr>
+        <p:spPr>
+          <a:xfrm>
+            <a:off x="780833" y="3347983"/>
+            <a:ext cx="5303335" cy="591924"/>
+          </a:xfrm>
+          <a:prstGeom prst="rect">
+            <a:avLst/>
+          </a:prstGeom>
+          <a:noFill/>
+          <a:ln>
+            <a:solidFill>
+              <a:schemeClr val="tx1"/>
+            </a:solidFill>
+          </a:ln>
+        </p:spPr>
+        <p:style>
+          <a:lnRef idx="2">
+            <a:schemeClr val="accent1">
+              <a:shade val="50000"/>
+            </a:schemeClr>
+          </a:lnRef>
+          <a:fillRef idx="1">
+            <a:schemeClr val="accent1"/>
+          </a:fillRef>
+          <a:effectRef idx="0">
+            <a:schemeClr val="accent1"/>
+          </a:effectRef>
+          <a:fontRef idx="minor">
+            <a:schemeClr val="lt1"/>
+          </a:fontRef>
+        </p:style>
+        <p:txBody>
+          <a:bodyPr rtlCol="0" anchor="ctr"/>
+          <a:lstStyle/>
+          <a:p>
+            <a:pPr algn="ctr"/>
+            <a:endParaRPr lang="de-CH" sz="1400" dirty="0">
+              <a:solidFill>
+                <a:schemeClr val="tx1"/>
+              </a:solidFill>
+              <a:latin typeface="Arial" panose="020B0604020202020204" pitchFamily="34" charset="0"/>
+              <a:cs typeface="Arial" panose="020B0604020202020204" pitchFamily="34" charset="0"/>
+            </a:endParaRPr>
+          </a:p>
+        </p:txBody>
+      </p:sp>
+      <p:sp>
+        <p:nvSpPr>
+          <p:cNvPr id="16" name="Textfeld 15">
+            <a:extLst>
+              <a:ext uri="{FF2B5EF4-FFF2-40B4-BE49-F238E27FC236}">
+                <a16:creationId xmlns:a16="http://schemas.microsoft.com/office/drawing/2014/main" id="{77617501-C0FE-FC17-7809-0492A7C09513}"/>
+              </a:ext>
+            </a:extLst>
+          </p:cNvPr>
+          <p:cNvSpPr txBox="1"/>
+          <p:nvPr/>
+        </p:nvSpPr>
+        <p:spPr>
+          <a:xfrm>
+            <a:off x="780833" y="3377058"/>
+            <a:ext cx="4149148" cy="230832"/>
+          </a:xfrm>
+          <a:prstGeom prst="rect">
+            <a:avLst/>
+          </a:prstGeom>
+          <a:noFill/>
+        </p:spPr>
+        <p:txBody>
+          <a:bodyPr wrap="square" rtlCol="0">
+            <a:spAutoFit/>
+          </a:bodyPr>
+          <a:lstStyle/>
+          <a:p>
+            <a:r>
+              <a:rPr lang="de-CH" sz="900" b="1" dirty="0" err="1">
+                <a:latin typeface="Arial" panose="020B0604020202020204" pitchFamily="34" charset="0"/>
+                <a:cs typeface="Arial" panose="020B0604020202020204" pitchFamily="34" charset="0"/>
+              </a:rPr>
+              <a:t>id_div_text_three_jazz_guests</a:t>
+            </a:r>
+            <a:r>
+              <a:rPr lang="de-CH" sz="900" b="1" dirty="0">
+                <a:latin typeface="Arial" panose="020B0604020202020204" pitchFamily="34" charset="0"/>
+                <a:cs typeface="Arial" panose="020B0604020202020204" pitchFamily="34" charset="0"/>
+              </a:rPr>
+              <a:t>          </a:t>
+            </a:r>
+            <a:r>
+              <a:rPr lang="de-CH" sz="900" b="1" dirty="0" err="1">
+                <a:latin typeface="Arial" panose="020B0604020202020204" pitchFamily="34" charset="0"/>
+                <a:cs typeface="Arial" panose="020B0604020202020204" pitchFamily="34" charset="0"/>
+              </a:rPr>
+              <a:t>m_style_text_three</a:t>
+            </a:r>
+            <a:r>
+              <a:rPr lang="de-CH" sz="900" b="1" dirty="0">
+                <a:latin typeface="Arial" panose="020B0604020202020204" pitchFamily="34" charset="0"/>
+                <a:cs typeface="Arial" panose="020B0604020202020204" pitchFamily="34" charset="0"/>
+              </a:rPr>
+              <a:t> = </a:t>
+            </a:r>
+            <a:r>
+              <a:rPr lang="de-CH" sz="900" b="1" dirty="0" err="1">
+                <a:latin typeface="Arial" panose="020B0604020202020204" pitchFamily="34" charset="0"/>
+                <a:cs typeface="Arial" panose="020B0604020202020204" pitchFamily="34" charset="0"/>
+              </a:rPr>
+              <a:t>clear</a:t>
+            </a:r>
+            <a:r>
+              <a:rPr lang="de-CH" sz="900" b="1" dirty="0">
+                <a:latin typeface="Arial" panose="020B0604020202020204" pitchFamily="34" charset="0"/>
+                <a:cs typeface="Arial" panose="020B0604020202020204" pitchFamily="34" charset="0"/>
+              </a:rPr>
+              <a:t>: </a:t>
+            </a:r>
+            <a:r>
+              <a:rPr lang="de-CH" sz="900" b="1" dirty="0" err="1">
+                <a:latin typeface="Arial" panose="020B0604020202020204" pitchFamily="34" charset="0"/>
+                <a:cs typeface="Arial" panose="020B0604020202020204" pitchFamily="34" charset="0"/>
+              </a:rPr>
+              <a:t>both</a:t>
+            </a:r>
+            <a:endParaRPr lang="de-CH" sz="900" b="1" dirty="0">
+              <a:latin typeface="Arial" panose="020B0604020202020204" pitchFamily="34" charset="0"/>
+              <a:cs typeface="Arial" panose="020B0604020202020204" pitchFamily="34" charset="0"/>
+            </a:endParaRPr>
+          </a:p>
+        </p:txBody>
+      </p:sp>
+      <p:sp>
+        <p:nvSpPr>
+          <p:cNvPr id="17" name="Rechteck 16">
+            <a:extLst>
+              <a:ext uri="{FF2B5EF4-FFF2-40B4-BE49-F238E27FC236}">
+                <a16:creationId xmlns:a16="http://schemas.microsoft.com/office/drawing/2014/main" id="{B590DD2F-C698-8224-CBCD-BF200409F51E}"/>
+              </a:ext>
+            </a:extLst>
+          </p:cNvPr>
+          <p:cNvSpPr/>
+          <p:nvPr/>
+        </p:nvSpPr>
+        <p:spPr>
+          <a:xfrm>
+            <a:off x="651086" y="1763088"/>
+            <a:ext cx="5544304" cy="1061647"/>
+          </a:xfrm>
+          <a:prstGeom prst="rect">
+            <a:avLst/>
+          </a:prstGeom>
+          <a:noFill/>
+          <a:ln>
+            <a:solidFill>
+              <a:schemeClr val="tx1"/>
+            </a:solidFill>
+          </a:ln>
+        </p:spPr>
+        <p:style>
+          <a:lnRef idx="2">
+            <a:schemeClr val="accent1">
+              <a:shade val="50000"/>
+            </a:schemeClr>
+          </a:lnRef>
+          <a:fillRef idx="1">
+            <a:schemeClr val="accent1"/>
+          </a:fillRef>
+          <a:effectRef idx="0">
+            <a:schemeClr val="accent1"/>
+          </a:effectRef>
+          <a:fontRef idx="minor">
+            <a:schemeClr val="lt1"/>
+          </a:fontRef>
+        </p:style>
+        <p:txBody>
+          <a:bodyPr rtlCol="0" anchor="ctr"/>
+          <a:lstStyle/>
+          <a:p>
+            <a:pPr algn="ctr"/>
+            <a:endParaRPr lang="de-CH" sz="1400" dirty="0">
+              <a:solidFill>
+                <a:schemeClr val="tx1"/>
+              </a:solidFill>
+              <a:latin typeface="Arial" panose="020B0604020202020204" pitchFamily="34" charset="0"/>
+              <a:cs typeface="Arial" panose="020B0604020202020204" pitchFamily="34" charset="0"/>
+            </a:endParaRPr>
+          </a:p>
+        </p:txBody>
+      </p:sp>
+      <p:sp>
+        <p:nvSpPr>
+          <p:cNvPr id="18" name="Textfeld 17">
+            <a:extLst>
+              <a:ext uri="{FF2B5EF4-FFF2-40B4-BE49-F238E27FC236}">
+                <a16:creationId xmlns:a16="http://schemas.microsoft.com/office/drawing/2014/main" id="{D8FB789C-666A-44E1-77CE-C79755A69ADB}"/>
+              </a:ext>
+            </a:extLst>
+          </p:cNvPr>
+          <p:cNvSpPr txBox="1"/>
+          <p:nvPr/>
+        </p:nvSpPr>
+        <p:spPr>
+          <a:xfrm>
+            <a:off x="616269" y="1733789"/>
+            <a:ext cx="5198121" cy="230832"/>
+          </a:xfrm>
+          <a:prstGeom prst="rect">
+            <a:avLst/>
+          </a:prstGeom>
+          <a:noFill/>
+        </p:spPr>
+        <p:txBody>
+          <a:bodyPr wrap="square" rtlCol="0">
+            <a:spAutoFit/>
+          </a:bodyPr>
+          <a:lstStyle/>
+          <a:p>
+            <a:r>
+              <a:rPr lang="de-CH" sz="900" b="1" dirty="0" err="1">
+                <a:latin typeface="Arial" panose="020B0604020202020204" pitchFamily="34" charset="0"/>
+                <a:cs typeface="Arial" panose="020B0604020202020204" pitchFamily="34" charset="0"/>
+              </a:rPr>
+              <a:t>id_div_group_one_text_jazz_guests</a:t>
+            </a:r>
+            <a:r>
+              <a:rPr lang="de-CH" sz="900" b="1" dirty="0">
+                <a:latin typeface="Arial" panose="020B0604020202020204" pitchFamily="34" charset="0"/>
+                <a:cs typeface="Arial" panose="020B0604020202020204" pitchFamily="34" charset="0"/>
+              </a:rPr>
+              <a:t>                 </a:t>
+            </a:r>
+            <a:r>
+              <a:rPr lang="en-US" sz="900" b="1" dirty="0" err="1">
+                <a:latin typeface="Arial" panose="020B0604020202020204" pitchFamily="34" charset="0"/>
+                <a:cs typeface="Arial" panose="020B0604020202020204" pitchFamily="34" charset="0"/>
+              </a:rPr>
+              <a:t>m_style_text_group_one</a:t>
+            </a:r>
+            <a:r>
+              <a:rPr lang="en-US" sz="900" b="1" dirty="0">
+                <a:latin typeface="Arial" panose="020B0604020202020204" pitchFamily="34" charset="0"/>
+                <a:cs typeface="Arial" panose="020B0604020202020204" pitchFamily="34" charset="0"/>
+              </a:rPr>
+              <a:t> = clear: both</a:t>
+            </a:r>
+            <a:endParaRPr lang="de-CH" sz="900" b="1" dirty="0">
+              <a:latin typeface="Arial" panose="020B0604020202020204" pitchFamily="34" charset="0"/>
+              <a:cs typeface="Arial" panose="020B0604020202020204" pitchFamily="34" charset="0"/>
+            </a:endParaRPr>
+          </a:p>
+        </p:txBody>
+      </p:sp>
+      <p:sp>
+        <p:nvSpPr>
+          <p:cNvPr id="19" name="Rechteck 18">
+            <a:extLst>
+              <a:ext uri="{FF2B5EF4-FFF2-40B4-BE49-F238E27FC236}">
+                <a16:creationId xmlns:a16="http://schemas.microsoft.com/office/drawing/2014/main" id="{DEF62BE4-F5E8-0A35-871F-7463C5671177}"/>
+              </a:ext>
+            </a:extLst>
+          </p:cNvPr>
+          <p:cNvSpPr/>
+          <p:nvPr/>
+        </p:nvSpPr>
+        <p:spPr>
+          <a:xfrm>
+            <a:off x="651085" y="2982226"/>
+            <a:ext cx="5544303" cy="2295449"/>
+          </a:xfrm>
+          <a:prstGeom prst="rect">
+            <a:avLst/>
+          </a:prstGeom>
+          <a:noFill/>
+          <a:ln>
+            <a:solidFill>
+              <a:schemeClr val="tx1"/>
+            </a:solidFill>
+          </a:ln>
+        </p:spPr>
+        <p:style>
+          <a:lnRef idx="2">
+            <a:schemeClr val="accent1">
+              <a:shade val="50000"/>
+            </a:schemeClr>
+          </a:lnRef>
+          <a:fillRef idx="1">
+            <a:schemeClr val="accent1"/>
+          </a:fillRef>
+          <a:effectRef idx="0">
+            <a:schemeClr val="accent1"/>
+          </a:effectRef>
+          <a:fontRef idx="minor">
+            <a:schemeClr val="lt1"/>
+          </a:fontRef>
+        </p:style>
+        <p:txBody>
+          <a:bodyPr rtlCol="0" anchor="ctr"/>
+          <a:lstStyle/>
+          <a:p>
+            <a:pPr algn="ctr"/>
+            <a:endParaRPr lang="de-CH" sz="1400" dirty="0">
+              <a:solidFill>
+                <a:schemeClr val="tx1"/>
+              </a:solidFill>
+              <a:latin typeface="Arial" panose="020B0604020202020204" pitchFamily="34" charset="0"/>
+              <a:cs typeface="Arial" panose="020B0604020202020204" pitchFamily="34" charset="0"/>
+            </a:endParaRPr>
+          </a:p>
+        </p:txBody>
+      </p:sp>
+      <p:sp>
+        <p:nvSpPr>
+          <p:cNvPr id="20" name="Textfeld 19">
+            <a:extLst>
+              <a:ext uri="{FF2B5EF4-FFF2-40B4-BE49-F238E27FC236}">
+                <a16:creationId xmlns:a16="http://schemas.microsoft.com/office/drawing/2014/main" id="{4C6D0E78-CEC4-985B-7C66-CDB988AE0BA7}"/>
+              </a:ext>
+            </a:extLst>
+          </p:cNvPr>
+          <p:cNvSpPr txBox="1"/>
+          <p:nvPr/>
+        </p:nvSpPr>
+        <p:spPr>
+          <a:xfrm>
+            <a:off x="706670" y="3039054"/>
+            <a:ext cx="4574321" cy="230832"/>
+          </a:xfrm>
+          <a:prstGeom prst="rect">
+            <a:avLst/>
+          </a:prstGeom>
+          <a:noFill/>
+        </p:spPr>
+        <p:txBody>
+          <a:bodyPr wrap="square" rtlCol="0">
+            <a:spAutoFit/>
+          </a:bodyPr>
+          <a:lstStyle/>
+          <a:p>
+            <a:r>
+              <a:rPr lang="de-CH" sz="900" b="1" dirty="0" err="1">
+                <a:latin typeface="Arial" panose="020B0604020202020204" pitchFamily="34" charset="0"/>
+                <a:cs typeface="Arial" panose="020B0604020202020204" pitchFamily="34" charset="0"/>
+              </a:rPr>
+              <a:t>id_div_group_two_text_jazz_guests</a:t>
+            </a:r>
+            <a:r>
+              <a:rPr lang="de-CH" sz="900" b="1" dirty="0">
+                <a:latin typeface="Arial" panose="020B0604020202020204" pitchFamily="34" charset="0"/>
+                <a:cs typeface="Arial" panose="020B0604020202020204" pitchFamily="34" charset="0"/>
+              </a:rPr>
+              <a:t>        </a:t>
+            </a:r>
+            <a:r>
+              <a:rPr lang="en-US" sz="900" b="1" dirty="0" err="1">
+                <a:latin typeface="Arial" panose="020B0604020202020204" pitchFamily="34" charset="0"/>
+                <a:cs typeface="Arial" panose="020B0604020202020204" pitchFamily="34" charset="0"/>
+              </a:rPr>
+              <a:t>m_style_text_group_two</a:t>
+            </a:r>
+            <a:r>
+              <a:rPr lang="en-US" sz="900" b="1" dirty="0">
+                <a:latin typeface="Arial" panose="020B0604020202020204" pitchFamily="34" charset="0"/>
+                <a:cs typeface="Arial" panose="020B0604020202020204" pitchFamily="34" charset="0"/>
+              </a:rPr>
+              <a:t> =</a:t>
+            </a:r>
+            <a:r>
+              <a:rPr lang="de-CH" sz="900" b="1" dirty="0">
+                <a:latin typeface="Arial" panose="020B0604020202020204" pitchFamily="34" charset="0"/>
+                <a:cs typeface="Arial" panose="020B0604020202020204" pitchFamily="34" charset="0"/>
+              </a:rPr>
+              <a:t>  </a:t>
+            </a:r>
+            <a:r>
+              <a:rPr lang="de-CH" sz="900" b="1" dirty="0" err="1">
+                <a:latin typeface="Arial" panose="020B0604020202020204" pitchFamily="34" charset="0"/>
+                <a:cs typeface="Arial" panose="020B0604020202020204" pitchFamily="34" charset="0"/>
+              </a:rPr>
+              <a:t>clear</a:t>
+            </a:r>
+            <a:r>
+              <a:rPr lang="de-CH" sz="900" b="1" dirty="0">
+                <a:latin typeface="Arial" panose="020B0604020202020204" pitchFamily="34" charset="0"/>
+                <a:cs typeface="Arial" panose="020B0604020202020204" pitchFamily="34" charset="0"/>
+              </a:rPr>
+              <a:t>: </a:t>
+            </a:r>
+            <a:r>
+              <a:rPr lang="de-CH" sz="900" b="1" dirty="0" err="1">
+                <a:latin typeface="Arial" panose="020B0604020202020204" pitchFamily="34" charset="0"/>
+                <a:cs typeface="Arial" panose="020B0604020202020204" pitchFamily="34" charset="0"/>
+              </a:rPr>
+              <a:t>both</a:t>
+            </a:r>
+            <a:endParaRPr lang="de-CH" sz="900" b="1" dirty="0">
+              <a:latin typeface="Arial" panose="020B0604020202020204" pitchFamily="34" charset="0"/>
+              <a:cs typeface="Arial" panose="020B0604020202020204" pitchFamily="34" charset="0"/>
+            </a:endParaRPr>
+          </a:p>
+        </p:txBody>
+      </p:sp>
+      <p:sp>
+        <p:nvSpPr>
+          <p:cNvPr id="21" name="Rechteck 20">
+            <a:extLst>
+              <a:ext uri="{FF2B5EF4-FFF2-40B4-BE49-F238E27FC236}">
+                <a16:creationId xmlns:a16="http://schemas.microsoft.com/office/drawing/2014/main" id="{CD6A8973-1AFF-96E4-CA13-933A9EC4F7D4}"/>
+              </a:ext>
+            </a:extLst>
+          </p:cNvPr>
+          <p:cNvSpPr/>
+          <p:nvPr/>
+        </p:nvSpPr>
+        <p:spPr>
+          <a:xfrm>
+            <a:off x="780832" y="4109278"/>
+            <a:ext cx="5303335" cy="1009371"/>
+          </a:xfrm>
+          <a:prstGeom prst="rect">
+            <a:avLst/>
+          </a:prstGeom>
+          <a:noFill/>
+          <a:ln>
+            <a:solidFill>
+              <a:schemeClr val="tx1"/>
+            </a:solidFill>
+          </a:ln>
+        </p:spPr>
+        <p:style>
+          <a:lnRef idx="2">
+            <a:schemeClr val="accent1">
+              <a:shade val="50000"/>
+            </a:schemeClr>
+          </a:lnRef>
+          <a:fillRef idx="1">
+            <a:schemeClr val="accent1"/>
+          </a:fillRef>
+          <a:effectRef idx="0">
+            <a:schemeClr val="accent1"/>
+          </a:effectRef>
+          <a:fontRef idx="minor">
+            <a:schemeClr val="lt1"/>
+          </a:fontRef>
+        </p:style>
+        <p:txBody>
+          <a:bodyPr rtlCol="0" anchor="ctr"/>
+          <a:lstStyle/>
+          <a:p>
+            <a:pPr algn="ctr"/>
+            <a:endParaRPr lang="de-CH" sz="1400" dirty="0">
+              <a:solidFill>
+                <a:schemeClr val="tx1"/>
+              </a:solidFill>
+              <a:latin typeface="Arial" panose="020B0604020202020204" pitchFamily="34" charset="0"/>
+              <a:cs typeface="Arial" panose="020B0604020202020204" pitchFamily="34" charset="0"/>
+            </a:endParaRPr>
+          </a:p>
+        </p:txBody>
+      </p:sp>
+      <p:sp>
+        <p:nvSpPr>
+          <p:cNvPr id="22" name="Textfeld 21">
+            <a:extLst>
+              <a:ext uri="{FF2B5EF4-FFF2-40B4-BE49-F238E27FC236}">
+                <a16:creationId xmlns:a16="http://schemas.microsoft.com/office/drawing/2014/main" id="{155B202F-0D59-F97B-AC5E-56545203B2C2}"/>
+              </a:ext>
+            </a:extLst>
+          </p:cNvPr>
+          <p:cNvSpPr txBox="1"/>
+          <p:nvPr/>
+        </p:nvSpPr>
+        <p:spPr>
+          <a:xfrm>
+            <a:off x="780833" y="4166106"/>
+            <a:ext cx="5103132" cy="230832"/>
+          </a:xfrm>
+          <a:prstGeom prst="rect">
+            <a:avLst/>
+          </a:prstGeom>
+          <a:noFill/>
+        </p:spPr>
+        <p:txBody>
+          <a:bodyPr wrap="square" rtlCol="0">
+            <a:spAutoFit/>
+          </a:bodyPr>
+          <a:lstStyle/>
+          <a:p>
+            <a:r>
+              <a:rPr lang="de-CH" sz="900" b="1" dirty="0" err="1">
+                <a:latin typeface="Arial" panose="020B0604020202020204" pitchFamily="34" charset="0"/>
+                <a:cs typeface="Arial" panose="020B0604020202020204" pitchFamily="34" charset="0"/>
+              </a:rPr>
+              <a:t>id_div_text_four_jazz_guests</a:t>
+            </a:r>
+            <a:r>
+              <a:rPr lang="de-CH" sz="900" b="1" dirty="0">
+                <a:latin typeface="Arial" panose="020B0604020202020204" pitchFamily="34" charset="0"/>
+                <a:cs typeface="Arial" panose="020B0604020202020204" pitchFamily="34" charset="0"/>
+              </a:rPr>
+              <a:t>               </a:t>
+            </a:r>
+            <a:r>
+              <a:rPr lang="de-CH" sz="900" b="1" dirty="0" err="1">
+                <a:latin typeface="Arial" panose="020B0604020202020204" pitchFamily="34" charset="0"/>
+                <a:cs typeface="Arial" panose="020B0604020202020204" pitchFamily="34" charset="0"/>
+              </a:rPr>
+              <a:t>m_style_text_four</a:t>
+            </a:r>
+            <a:r>
+              <a:rPr lang="de-CH" sz="900" b="1" dirty="0">
+                <a:latin typeface="Arial" panose="020B0604020202020204" pitchFamily="34" charset="0"/>
+                <a:cs typeface="Arial" panose="020B0604020202020204" pitchFamily="34" charset="0"/>
+              </a:rPr>
+              <a:t> = </a:t>
+            </a:r>
+            <a:r>
+              <a:rPr lang="de-CH" sz="900" b="1" dirty="0" err="1">
+                <a:latin typeface="Arial" panose="020B0604020202020204" pitchFamily="34" charset="0"/>
+                <a:cs typeface="Arial" panose="020B0604020202020204" pitchFamily="34" charset="0"/>
+              </a:rPr>
+              <a:t>clear</a:t>
+            </a:r>
+            <a:r>
+              <a:rPr lang="de-CH" sz="900" b="1" dirty="0">
+                <a:latin typeface="Arial" panose="020B0604020202020204" pitchFamily="34" charset="0"/>
+                <a:cs typeface="Arial" panose="020B0604020202020204" pitchFamily="34" charset="0"/>
+              </a:rPr>
+              <a:t>: </a:t>
+            </a:r>
+            <a:r>
+              <a:rPr lang="de-CH" sz="900" b="1" dirty="0" err="1">
+                <a:latin typeface="Arial" panose="020B0604020202020204" pitchFamily="34" charset="0"/>
+                <a:cs typeface="Arial" panose="020B0604020202020204" pitchFamily="34" charset="0"/>
+              </a:rPr>
+              <a:t>both</a:t>
+            </a:r>
+            <a:endParaRPr lang="de-CH" sz="900" b="1" dirty="0">
+              <a:latin typeface="Arial" panose="020B0604020202020204" pitchFamily="34" charset="0"/>
+              <a:cs typeface="Arial" panose="020B0604020202020204" pitchFamily="34" charset="0"/>
+            </a:endParaRPr>
+          </a:p>
+        </p:txBody>
+      </p:sp>
+      <p:sp>
+        <p:nvSpPr>
+          <p:cNvPr id="23" name="Rechteck 22">
+            <a:extLst>
+              <a:ext uri="{FF2B5EF4-FFF2-40B4-BE49-F238E27FC236}">
+                <a16:creationId xmlns:a16="http://schemas.microsoft.com/office/drawing/2014/main" id="{BD4B3387-6FB5-8269-BEBB-A772BA20C08F}"/>
+              </a:ext>
+            </a:extLst>
+          </p:cNvPr>
+          <p:cNvSpPr/>
+          <p:nvPr/>
+        </p:nvSpPr>
+        <p:spPr>
+          <a:xfrm>
+            <a:off x="536713" y="1113183"/>
+            <a:ext cx="5814390" cy="4611756"/>
+          </a:xfrm>
+          <a:prstGeom prst="rect">
+            <a:avLst/>
+          </a:prstGeom>
+          <a:noFill/>
+          <a:ln>
+            <a:solidFill>
+              <a:schemeClr val="tx1"/>
+            </a:solidFill>
+          </a:ln>
+        </p:spPr>
+        <p:style>
+          <a:lnRef idx="2">
+            <a:schemeClr val="accent1">
+              <a:shade val="50000"/>
+            </a:schemeClr>
+          </a:lnRef>
+          <a:fillRef idx="1">
+            <a:schemeClr val="accent1"/>
+          </a:fillRef>
+          <a:effectRef idx="0">
+            <a:schemeClr val="accent1"/>
+          </a:effectRef>
+          <a:fontRef idx="minor">
+            <a:schemeClr val="lt1"/>
+          </a:fontRef>
+        </p:style>
+        <p:txBody>
+          <a:bodyPr rtlCol="0" anchor="ctr"/>
+          <a:lstStyle/>
+          <a:p>
+            <a:pPr algn="ctr"/>
+            <a:endParaRPr lang="de-CH" sz="1400" dirty="0">
+              <a:solidFill>
+                <a:schemeClr val="tx1"/>
+              </a:solidFill>
+              <a:latin typeface="Arial" panose="020B0604020202020204" pitchFamily="34" charset="0"/>
+              <a:cs typeface="Arial" panose="020B0604020202020204" pitchFamily="34" charset="0"/>
+            </a:endParaRPr>
+          </a:p>
+        </p:txBody>
+      </p:sp>
+      <p:sp>
+        <p:nvSpPr>
+          <p:cNvPr id="24" name="Textfeld 23">
+            <a:extLst>
+              <a:ext uri="{FF2B5EF4-FFF2-40B4-BE49-F238E27FC236}">
+                <a16:creationId xmlns:a16="http://schemas.microsoft.com/office/drawing/2014/main" id="{977DAEC2-E3DC-3486-0B70-3461D8E5A3D5}"/>
+              </a:ext>
+            </a:extLst>
+          </p:cNvPr>
+          <p:cNvSpPr txBox="1"/>
+          <p:nvPr/>
+        </p:nvSpPr>
+        <p:spPr>
+          <a:xfrm>
+            <a:off x="560157" y="1222280"/>
+            <a:ext cx="4369824" cy="230832"/>
+          </a:xfrm>
+          <a:prstGeom prst="rect">
+            <a:avLst/>
+          </a:prstGeom>
+          <a:noFill/>
+        </p:spPr>
+        <p:txBody>
+          <a:bodyPr wrap="square" rtlCol="0">
+            <a:spAutoFit/>
+          </a:bodyPr>
+          <a:lstStyle/>
+          <a:p>
+            <a:r>
+              <a:rPr lang="de-CH" sz="900" b="1" dirty="0" err="1">
+                <a:latin typeface="Arial" panose="020B0604020202020204" pitchFamily="34" charset="0"/>
+                <a:cs typeface="Arial" panose="020B0604020202020204" pitchFamily="34" charset="0"/>
+              </a:rPr>
+              <a:t>id_div_text_container_jazz_guests</a:t>
+            </a:r>
+            <a:r>
+              <a:rPr lang="de-CH" sz="900" b="1" dirty="0">
+                <a:latin typeface="Arial" panose="020B0604020202020204" pitchFamily="34" charset="0"/>
+                <a:cs typeface="Arial" panose="020B0604020202020204" pitchFamily="34" charset="0"/>
+              </a:rPr>
+              <a:t>            </a:t>
+            </a:r>
+            <a:r>
+              <a:rPr lang="en-US" sz="900" b="1" dirty="0" err="1">
+                <a:latin typeface="Arial" panose="020B0604020202020204" pitchFamily="34" charset="0"/>
+                <a:cs typeface="Arial" panose="020B0604020202020204" pitchFamily="34" charset="0"/>
+              </a:rPr>
+              <a:t>m_style_text_group_all</a:t>
+            </a:r>
+            <a:r>
+              <a:rPr lang="de-CH" sz="900" b="1" dirty="0">
+                <a:latin typeface="Arial" panose="020B0604020202020204" pitchFamily="34" charset="0"/>
+                <a:cs typeface="Arial" panose="020B0604020202020204" pitchFamily="34" charset="0"/>
+              </a:rPr>
+              <a:t>              </a:t>
+            </a:r>
+          </a:p>
+        </p:txBody>
+      </p:sp>
+      <p:sp>
+        <p:nvSpPr>
+          <p:cNvPr id="2" name="Textfeld 1">
+            <a:extLst>
+              <a:ext uri="{FF2B5EF4-FFF2-40B4-BE49-F238E27FC236}">
+                <a16:creationId xmlns:a16="http://schemas.microsoft.com/office/drawing/2014/main" id="{AEC62B52-9D32-B553-D1F0-4124095F0699}"/>
+              </a:ext>
+            </a:extLst>
+          </p:cNvPr>
+          <p:cNvSpPr txBox="1"/>
+          <p:nvPr/>
+        </p:nvSpPr>
+        <p:spPr>
+          <a:xfrm>
+            <a:off x="1931054" y="375793"/>
+            <a:ext cx="7521059" cy="369332"/>
+          </a:xfrm>
+          <a:prstGeom prst="rect">
+            <a:avLst/>
+          </a:prstGeom>
+          <a:noFill/>
+        </p:spPr>
+        <p:txBody>
+          <a:bodyPr wrap="square" rtlCol="0">
+            <a:spAutoFit/>
+          </a:bodyPr>
+          <a:lstStyle/>
+          <a:p>
+            <a:pPr algn="ctr"/>
+            <a:r>
+              <a:rPr lang="fr-FR" b="1" dirty="0">
+                <a:solidFill>
+                  <a:srgbClr val="FF0000"/>
+                </a:solidFill>
+                <a:latin typeface="Arial" panose="020B0604020202020204" pitchFamily="34" charset="0"/>
+                <a:cs typeface="Arial" panose="020B0604020202020204" pitchFamily="34" charset="0"/>
+              </a:rPr>
+              <a:t>Class </a:t>
+            </a:r>
+            <a:r>
+              <a:rPr lang="fr-FR" b="1" dirty="0" err="1">
+                <a:solidFill>
+                  <a:srgbClr val="FF0000"/>
+                </a:solidFill>
+                <a:latin typeface="Arial" panose="020B0604020202020204" pitchFamily="34" charset="0"/>
+                <a:cs typeface="Arial" panose="020B0604020202020204" pitchFamily="34" charset="0"/>
+              </a:rPr>
+              <a:t>DisplayImageText</a:t>
+            </a:r>
+            <a:r>
+              <a:rPr lang="fr-FR" b="1" dirty="0">
+                <a:solidFill>
+                  <a:srgbClr val="FF0000"/>
+                </a:solidFill>
+                <a:latin typeface="Arial" panose="020B0604020202020204" pitchFamily="34" charset="0"/>
+                <a:cs typeface="Arial" panose="020B0604020202020204" pitchFamily="34" charset="0"/>
+              </a:rPr>
+              <a:t> (</a:t>
+            </a:r>
+            <a:r>
+              <a:rPr lang="fr-FR" b="1" dirty="0" err="1">
+                <a:solidFill>
+                  <a:srgbClr val="FF0000"/>
+                </a:solidFill>
+                <a:latin typeface="Arial" panose="020B0604020202020204" pitchFamily="34" charset="0"/>
+                <a:cs typeface="Arial" panose="020B0604020202020204" pitchFamily="34" charset="0"/>
+              </a:rPr>
+              <a:t>fctn_str</a:t>
+            </a:r>
+            <a:r>
+              <a:rPr lang="fr-FR" b="1" dirty="0">
+                <a:solidFill>
+                  <a:srgbClr val="FF0000"/>
+                </a:solidFill>
+                <a:latin typeface="Arial" panose="020B0604020202020204" pitchFamily="34" charset="0"/>
+                <a:cs typeface="Arial" panose="020B0604020202020204" pitchFamily="34" charset="0"/>
+              </a:rPr>
+              <a:t>= ‘</a:t>
+            </a:r>
+            <a:r>
+              <a:rPr lang="fr-FR" b="1" dirty="0" err="1">
+                <a:solidFill>
+                  <a:srgbClr val="FF0000"/>
+                </a:solidFill>
+                <a:latin typeface="Arial" panose="020B0604020202020204" pitchFamily="34" charset="0"/>
+                <a:cs typeface="Arial" panose="020B0604020202020204" pitchFamily="34" charset="0"/>
+              </a:rPr>
+              <a:t>jazz_guests</a:t>
+            </a:r>
+            <a:r>
+              <a:rPr lang="fr-FR" b="1" dirty="0">
+                <a:solidFill>
+                  <a:srgbClr val="FF0000"/>
+                </a:solidFill>
+                <a:latin typeface="Arial" panose="020B0604020202020204" pitchFamily="34" charset="0"/>
+                <a:cs typeface="Arial" panose="020B0604020202020204" pitchFamily="34" charset="0"/>
+              </a:rPr>
+              <a:t>’, </a:t>
+            </a:r>
+            <a:r>
+              <a:rPr lang="fr-FR" b="1" dirty="0" err="1">
+                <a:solidFill>
+                  <a:srgbClr val="FF0000"/>
+                </a:solidFill>
+                <a:latin typeface="Arial" panose="020B0604020202020204" pitchFamily="34" charset="0"/>
+                <a:cs typeface="Arial" panose="020B0604020202020204" pitchFamily="34" charset="0"/>
+              </a:rPr>
+              <a:t>id_container</a:t>
+            </a:r>
+            <a:r>
+              <a:rPr lang="fr-FR" b="1" dirty="0">
+                <a:solidFill>
+                  <a:srgbClr val="FF0000"/>
+                </a:solidFill>
+                <a:latin typeface="Arial" panose="020B0604020202020204" pitchFamily="34" charset="0"/>
+                <a:cs typeface="Arial" panose="020B0604020202020204" pitchFamily="34" charset="0"/>
+              </a:rPr>
+              <a:t>) </a:t>
+            </a:r>
+          </a:p>
+        </p:txBody>
+      </p:sp>
+      <p:pic>
+        <p:nvPicPr>
+          <p:cNvPr id="5" name="Grafik 4">
+            <a:extLst>
+              <a:ext uri="{FF2B5EF4-FFF2-40B4-BE49-F238E27FC236}">
+                <a16:creationId xmlns:a16="http://schemas.microsoft.com/office/drawing/2014/main" id="{85713276-67EF-30D2-B666-AA929CF7E539}"/>
+              </a:ext>
+            </a:extLst>
+          </p:cNvPr>
+          <p:cNvPicPr>
+            <a:picLocks noChangeAspect="1"/>
+          </p:cNvPicPr>
+          <p:nvPr/>
+        </p:nvPicPr>
+        <p:blipFill>
+          <a:blip r:embed="rId2"/>
+          <a:stretch>
+            <a:fillRect/>
+          </a:stretch>
+        </p:blipFill>
+        <p:spPr>
+          <a:xfrm>
+            <a:off x="1053820" y="2411743"/>
+            <a:ext cx="1928252" cy="226394"/>
+          </a:xfrm>
+          <a:prstGeom prst="rect">
+            <a:avLst/>
+          </a:prstGeom>
+        </p:spPr>
+      </p:pic>
+      <p:pic>
+        <p:nvPicPr>
+          <p:cNvPr id="7" name="Grafik 6">
+            <a:extLst>
+              <a:ext uri="{FF2B5EF4-FFF2-40B4-BE49-F238E27FC236}">
+                <a16:creationId xmlns:a16="http://schemas.microsoft.com/office/drawing/2014/main" id="{BFF418DC-A18B-8059-6D0A-E5DAE6695B98}"/>
+              </a:ext>
+            </a:extLst>
+          </p:cNvPr>
+          <p:cNvPicPr>
+            <a:picLocks noChangeAspect="1"/>
+          </p:cNvPicPr>
+          <p:nvPr/>
+        </p:nvPicPr>
+        <p:blipFill>
+          <a:blip r:embed="rId3"/>
+          <a:stretch>
+            <a:fillRect/>
+          </a:stretch>
+        </p:blipFill>
+        <p:spPr>
+          <a:xfrm>
+            <a:off x="3998386" y="2453799"/>
+            <a:ext cx="1052615" cy="223784"/>
+          </a:xfrm>
+          <a:prstGeom prst="rect">
+            <a:avLst/>
+          </a:prstGeom>
+        </p:spPr>
+      </p:pic>
+      <p:pic>
+        <p:nvPicPr>
+          <p:cNvPr id="9" name="Grafik 8">
+            <a:extLst>
+              <a:ext uri="{FF2B5EF4-FFF2-40B4-BE49-F238E27FC236}">
+                <a16:creationId xmlns:a16="http://schemas.microsoft.com/office/drawing/2014/main" id="{C03BC0EC-738B-1701-EF1D-104608FB8A39}"/>
+              </a:ext>
+            </a:extLst>
+          </p:cNvPr>
+          <p:cNvPicPr>
+            <a:picLocks noChangeAspect="1"/>
+          </p:cNvPicPr>
+          <p:nvPr/>
+        </p:nvPicPr>
+        <p:blipFill>
+          <a:blip r:embed="rId4"/>
+          <a:stretch>
+            <a:fillRect/>
+          </a:stretch>
+        </p:blipFill>
+        <p:spPr>
+          <a:xfrm>
+            <a:off x="1490248" y="3671790"/>
+            <a:ext cx="3140455" cy="224961"/>
+          </a:xfrm>
+          <a:prstGeom prst="rect">
+            <a:avLst/>
+          </a:prstGeom>
+        </p:spPr>
+      </p:pic>
+      <p:pic>
+        <p:nvPicPr>
+          <p:cNvPr id="25" name="Grafik 24">
+            <a:extLst>
+              <a:ext uri="{FF2B5EF4-FFF2-40B4-BE49-F238E27FC236}">
+                <a16:creationId xmlns:a16="http://schemas.microsoft.com/office/drawing/2014/main" id="{BB9DFF51-2D9E-82AE-8381-6076C683248E}"/>
+              </a:ext>
+            </a:extLst>
+          </p:cNvPr>
+          <p:cNvPicPr>
+            <a:picLocks noChangeAspect="1"/>
+          </p:cNvPicPr>
+          <p:nvPr/>
+        </p:nvPicPr>
+        <p:blipFill>
+          <a:blip r:embed="rId5"/>
+          <a:stretch>
+            <a:fillRect/>
+          </a:stretch>
+        </p:blipFill>
+        <p:spPr>
+          <a:xfrm>
+            <a:off x="917609" y="4710687"/>
+            <a:ext cx="4608547" cy="266082"/>
+          </a:xfrm>
+          <a:prstGeom prst="rect">
+            <a:avLst/>
+          </a:prstGeom>
+        </p:spPr>
+      </p:pic>
+      <p:sp>
+        <p:nvSpPr>
+          <p:cNvPr id="26" name="Rechteck 25">
+            <a:extLst>
+              <a:ext uri="{FF2B5EF4-FFF2-40B4-BE49-F238E27FC236}">
+                <a16:creationId xmlns:a16="http://schemas.microsoft.com/office/drawing/2014/main" id="{99EE4795-FE46-852E-E7FF-DAFB45A30100}"/>
+              </a:ext>
+            </a:extLst>
+          </p:cNvPr>
+          <p:cNvSpPr/>
+          <p:nvPr/>
+        </p:nvSpPr>
+        <p:spPr>
+          <a:xfrm>
+            <a:off x="6957377" y="1311963"/>
+            <a:ext cx="4644887" cy="4065104"/>
+          </a:xfrm>
+          <a:prstGeom prst="rect">
+            <a:avLst/>
+          </a:prstGeom>
+          <a:noFill/>
+          <a:ln>
+            <a:solidFill>
+              <a:schemeClr val="tx1"/>
+            </a:solidFill>
+          </a:ln>
+        </p:spPr>
+        <p:style>
+          <a:lnRef idx="2">
+            <a:schemeClr val="accent1">
+              <a:shade val="50000"/>
+            </a:schemeClr>
+          </a:lnRef>
+          <a:fillRef idx="1">
+            <a:schemeClr val="accent1"/>
+          </a:fillRef>
+          <a:effectRef idx="0">
+            <a:schemeClr val="accent1"/>
+          </a:effectRef>
+          <a:fontRef idx="minor">
+            <a:schemeClr val="lt1"/>
+          </a:fontRef>
+        </p:style>
+        <p:txBody>
+          <a:bodyPr rtlCol="0" anchor="ctr"/>
+          <a:lstStyle/>
+          <a:p>
+            <a:pPr algn="ctr"/>
+            <a:endParaRPr lang="de-CH" sz="1400" dirty="0">
+              <a:solidFill>
+                <a:schemeClr val="tx1"/>
+              </a:solidFill>
+              <a:latin typeface="Arial" panose="020B0604020202020204" pitchFamily="34" charset="0"/>
+              <a:cs typeface="Arial" panose="020B0604020202020204" pitchFamily="34" charset="0"/>
+            </a:endParaRPr>
+          </a:p>
+        </p:txBody>
+      </p:sp>
+      <p:sp>
+        <p:nvSpPr>
+          <p:cNvPr id="27" name="Textfeld 26">
+            <a:extLst>
+              <a:ext uri="{FF2B5EF4-FFF2-40B4-BE49-F238E27FC236}">
+                <a16:creationId xmlns:a16="http://schemas.microsoft.com/office/drawing/2014/main" id="{B439542E-07E8-4463-8E05-61B109428FD7}"/>
+              </a:ext>
+            </a:extLst>
+          </p:cNvPr>
+          <p:cNvSpPr txBox="1"/>
+          <p:nvPr/>
+        </p:nvSpPr>
+        <p:spPr>
+          <a:xfrm>
+            <a:off x="7036890" y="2976178"/>
+            <a:ext cx="4644886" cy="2339102"/>
+          </a:xfrm>
+          <a:prstGeom prst="rect">
+            <a:avLst/>
+          </a:prstGeom>
+          <a:noFill/>
+        </p:spPr>
+        <p:txBody>
+          <a:bodyPr wrap="square" rtlCol="0">
+            <a:spAutoFit/>
+          </a:bodyPr>
+          <a:lstStyle/>
+          <a:p>
+            <a:r>
+              <a:rPr lang="en-US" sz="1400" b="1" dirty="0">
+                <a:latin typeface="Arial" panose="020B0604020202020204" pitchFamily="34" charset="0"/>
+                <a:cs typeface="Arial" panose="020B0604020202020204" pitchFamily="34" charset="0"/>
+              </a:rPr>
+              <a:t>Member setting functions</a:t>
+            </a:r>
+          </a:p>
+          <a:p>
+            <a:r>
+              <a:rPr lang="en-US" sz="1200" b="1" dirty="0" err="1">
+                <a:latin typeface="Arial" panose="020B0604020202020204" pitchFamily="34" charset="0"/>
+                <a:cs typeface="Arial" panose="020B0604020202020204" pitchFamily="34" charset="0"/>
+              </a:rPr>
+              <a:t>setStyleLabelAllTextString</a:t>
+            </a:r>
+            <a:r>
+              <a:rPr lang="en-US" sz="1200" b="1" dirty="0">
+                <a:latin typeface="Arial" panose="020B0604020202020204" pitchFamily="34" charset="0"/>
+                <a:cs typeface="Arial" panose="020B0604020202020204" pitchFamily="34" charset="0"/>
+              </a:rPr>
+              <a:t>     </a:t>
+            </a:r>
+            <a:r>
+              <a:rPr lang="en-US" sz="1200" b="1" dirty="0" err="1">
+                <a:latin typeface="Arial" panose="020B0604020202020204" pitchFamily="34" charset="0"/>
+                <a:cs typeface="Arial" panose="020B0604020202020204" pitchFamily="34" charset="0"/>
+              </a:rPr>
+              <a:t>m_style_label_all_text</a:t>
+            </a:r>
+            <a:r>
+              <a:rPr lang="en-US" sz="1200" b="1" dirty="0">
+                <a:latin typeface="Arial" panose="020B0604020202020204" pitchFamily="34" charset="0"/>
+                <a:cs typeface="Arial" panose="020B0604020202020204" pitchFamily="34" charset="0"/>
+              </a:rPr>
+              <a:t>                  </a:t>
+            </a:r>
+          </a:p>
+          <a:p>
+            <a:r>
+              <a:rPr lang="en-US" sz="1200" b="1" dirty="0" err="1">
+                <a:latin typeface="Arial" panose="020B0604020202020204" pitchFamily="34" charset="0"/>
+                <a:cs typeface="Arial" panose="020B0604020202020204" pitchFamily="34" charset="0"/>
+              </a:rPr>
+              <a:t>setStyleTextGroupAll</a:t>
+            </a:r>
+            <a:r>
+              <a:rPr lang="en-US" sz="1200" b="1" dirty="0">
+                <a:latin typeface="Arial" panose="020B0604020202020204" pitchFamily="34" charset="0"/>
+                <a:cs typeface="Arial" panose="020B0604020202020204" pitchFamily="34" charset="0"/>
+              </a:rPr>
+              <a:t>              </a:t>
+            </a:r>
+            <a:r>
+              <a:rPr lang="en-US" sz="1200" b="1" dirty="0" err="1">
+                <a:latin typeface="Arial" panose="020B0604020202020204" pitchFamily="34" charset="0"/>
+                <a:cs typeface="Arial" panose="020B0604020202020204" pitchFamily="34" charset="0"/>
+              </a:rPr>
+              <a:t>m_style_text_group_all</a:t>
+            </a:r>
+            <a:endParaRPr lang="en-US" sz="1200" b="1" dirty="0">
+              <a:latin typeface="Arial" panose="020B0604020202020204" pitchFamily="34" charset="0"/>
+              <a:cs typeface="Arial" panose="020B0604020202020204" pitchFamily="34" charset="0"/>
+            </a:endParaRPr>
+          </a:p>
+          <a:p>
+            <a:r>
+              <a:rPr lang="en-US" sz="1200" b="1" dirty="0" err="1">
+                <a:latin typeface="Arial" panose="020B0604020202020204" pitchFamily="34" charset="0"/>
+                <a:cs typeface="Arial" panose="020B0604020202020204" pitchFamily="34" charset="0"/>
+              </a:rPr>
+              <a:t>setStyleTextGroupOne</a:t>
+            </a:r>
+            <a:r>
+              <a:rPr lang="en-US" sz="1200" b="1" dirty="0">
+                <a:latin typeface="Arial" panose="020B0604020202020204" pitchFamily="34" charset="0"/>
+                <a:cs typeface="Arial" panose="020B0604020202020204" pitchFamily="34" charset="0"/>
+              </a:rPr>
+              <a:t>            m_style_text_group_one</a:t>
+            </a:r>
+          </a:p>
+          <a:p>
+            <a:r>
+              <a:rPr lang="en-US" sz="1200" b="1" dirty="0" err="1">
+                <a:latin typeface="Arial" panose="020B0604020202020204" pitchFamily="34" charset="0"/>
+                <a:cs typeface="Arial" panose="020B0604020202020204" pitchFamily="34" charset="0"/>
+              </a:rPr>
+              <a:t>setStyleTextGroupTwo</a:t>
+            </a:r>
+            <a:r>
+              <a:rPr lang="en-US" sz="1200" b="1" dirty="0">
+                <a:latin typeface="Arial" panose="020B0604020202020204" pitchFamily="34" charset="0"/>
+                <a:cs typeface="Arial" panose="020B0604020202020204" pitchFamily="34" charset="0"/>
+              </a:rPr>
+              <a:t>            </a:t>
+            </a:r>
+            <a:r>
+              <a:rPr lang="en-US" sz="1200" b="1" dirty="0" err="1">
+                <a:latin typeface="Arial" panose="020B0604020202020204" pitchFamily="34" charset="0"/>
+                <a:cs typeface="Arial" panose="020B0604020202020204" pitchFamily="34" charset="0"/>
+              </a:rPr>
+              <a:t>m_style_text_group_two</a:t>
+            </a:r>
+            <a:endParaRPr lang="en-US" sz="1200" b="1" dirty="0">
+              <a:latin typeface="Arial" panose="020B0604020202020204" pitchFamily="34" charset="0"/>
+              <a:cs typeface="Arial" panose="020B0604020202020204" pitchFamily="34" charset="0"/>
+            </a:endParaRPr>
+          </a:p>
+          <a:p>
+            <a:r>
+              <a:rPr lang="en-US" sz="1200" b="1" dirty="0" err="1">
+                <a:latin typeface="Arial" panose="020B0604020202020204" pitchFamily="34" charset="0"/>
+                <a:cs typeface="Arial" panose="020B0604020202020204" pitchFamily="34" charset="0"/>
+              </a:rPr>
+              <a:t>setStylTextOneString</a:t>
+            </a:r>
+            <a:r>
+              <a:rPr lang="en-US" sz="1200" b="1" dirty="0">
+                <a:latin typeface="Arial" panose="020B0604020202020204" pitchFamily="34" charset="0"/>
+                <a:cs typeface="Arial" panose="020B0604020202020204" pitchFamily="34" charset="0"/>
+              </a:rPr>
+              <a:t>              </a:t>
+            </a:r>
+            <a:r>
+              <a:rPr lang="en-US" sz="1200" b="1" dirty="0" err="1">
+                <a:latin typeface="Arial" panose="020B0604020202020204" pitchFamily="34" charset="0"/>
+                <a:cs typeface="Arial" panose="020B0604020202020204" pitchFamily="34" charset="0"/>
+              </a:rPr>
+              <a:t>m_style_text_one</a:t>
+            </a:r>
+            <a:r>
+              <a:rPr lang="en-US" sz="1200" b="1" dirty="0">
+                <a:latin typeface="Arial" panose="020B0604020202020204" pitchFamily="34" charset="0"/>
+                <a:cs typeface="Arial" panose="020B0604020202020204" pitchFamily="34" charset="0"/>
+              </a:rPr>
+              <a:t> </a:t>
+            </a:r>
+          </a:p>
+          <a:p>
+            <a:r>
+              <a:rPr lang="en-US" sz="1200" b="1" dirty="0" err="1">
+                <a:latin typeface="Arial" panose="020B0604020202020204" pitchFamily="34" charset="0"/>
+                <a:cs typeface="Arial" panose="020B0604020202020204" pitchFamily="34" charset="0"/>
+              </a:rPr>
+              <a:t>setStylTextZwoString</a:t>
+            </a:r>
+            <a:r>
+              <a:rPr lang="en-US" sz="1200" b="1" dirty="0">
+                <a:latin typeface="Arial" panose="020B0604020202020204" pitchFamily="34" charset="0"/>
+                <a:cs typeface="Arial" panose="020B0604020202020204" pitchFamily="34" charset="0"/>
+              </a:rPr>
+              <a:t>              </a:t>
+            </a:r>
+            <a:r>
+              <a:rPr lang="en-US" sz="1200" b="1" dirty="0" err="1">
+                <a:latin typeface="Arial" panose="020B0604020202020204" pitchFamily="34" charset="0"/>
+                <a:cs typeface="Arial" panose="020B0604020202020204" pitchFamily="34" charset="0"/>
+              </a:rPr>
+              <a:t>m_style_text_two</a:t>
+            </a:r>
+            <a:endParaRPr lang="de-CH" sz="1200" b="1" dirty="0">
+              <a:latin typeface="Arial" panose="020B0604020202020204" pitchFamily="34" charset="0"/>
+              <a:cs typeface="Arial" panose="020B0604020202020204" pitchFamily="34" charset="0"/>
+            </a:endParaRPr>
+          </a:p>
+          <a:p>
+            <a:r>
+              <a:rPr lang="en-US" sz="1200" b="1" dirty="0" err="1">
+                <a:latin typeface="Arial" panose="020B0604020202020204" pitchFamily="34" charset="0"/>
+                <a:cs typeface="Arial" panose="020B0604020202020204" pitchFamily="34" charset="0"/>
+              </a:rPr>
+              <a:t>setStylTextThreeString</a:t>
+            </a:r>
+            <a:r>
+              <a:rPr lang="en-US" sz="1200" b="1" dirty="0">
+                <a:latin typeface="Arial" panose="020B0604020202020204" pitchFamily="34" charset="0"/>
+                <a:cs typeface="Arial" panose="020B0604020202020204" pitchFamily="34" charset="0"/>
+              </a:rPr>
+              <a:t>            </a:t>
+            </a:r>
+            <a:r>
+              <a:rPr lang="en-US" sz="1200" b="1" dirty="0" err="1">
+                <a:latin typeface="Arial" panose="020B0604020202020204" pitchFamily="34" charset="0"/>
+                <a:cs typeface="Arial" panose="020B0604020202020204" pitchFamily="34" charset="0"/>
+              </a:rPr>
+              <a:t>m_style_text_three</a:t>
+            </a:r>
+            <a:endParaRPr lang="de-CH" sz="1200" b="1" dirty="0">
+              <a:latin typeface="Arial" panose="020B0604020202020204" pitchFamily="34" charset="0"/>
+              <a:cs typeface="Arial" panose="020B0604020202020204" pitchFamily="34" charset="0"/>
+            </a:endParaRPr>
+          </a:p>
+          <a:p>
+            <a:r>
+              <a:rPr lang="en-US" sz="1200" b="1" dirty="0" err="1">
+                <a:latin typeface="Arial" panose="020B0604020202020204" pitchFamily="34" charset="0"/>
+                <a:cs typeface="Arial" panose="020B0604020202020204" pitchFamily="34" charset="0"/>
+              </a:rPr>
+              <a:t>setStylTextFourString</a:t>
+            </a:r>
+            <a:r>
+              <a:rPr lang="en-US" sz="1200" b="1" dirty="0">
+                <a:latin typeface="Arial" panose="020B0604020202020204" pitchFamily="34" charset="0"/>
+                <a:cs typeface="Arial" panose="020B0604020202020204" pitchFamily="34" charset="0"/>
+              </a:rPr>
+              <a:t>             </a:t>
+            </a:r>
+            <a:r>
+              <a:rPr lang="en-US" sz="1200" b="1" dirty="0" err="1">
+                <a:latin typeface="Arial" panose="020B0604020202020204" pitchFamily="34" charset="0"/>
+                <a:cs typeface="Arial" panose="020B0604020202020204" pitchFamily="34" charset="0"/>
+              </a:rPr>
+              <a:t>m_style_text_four</a:t>
+            </a:r>
+            <a:endParaRPr lang="en-US" sz="1200" b="1" dirty="0">
+              <a:latin typeface="Arial" panose="020B0604020202020204" pitchFamily="34" charset="0"/>
+              <a:cs typeface="Arial" panose="020B0604020202020204" pitchFamily="34" charset="0"/>
+            </a:endParaRPr>
+          </a:p>
+          <a:p>
+            <a:endParaRPr lang="en-US" sz="1200" b="1" dirty="0">
+              <a:latin typeface="Arial" panose="020B0604020202020204" pitchFamily="34" charset="0"/>
+              <a:cs typeface="Arial" panose="020B0604020202020204" pitchFamily="34" charset="0"/>
+            </a:endParaRPr>
+          </a:p>
+          <a:p>
+            <a:r>
+              <a:rPr lang="en-US" sz="1200" b="1" dirty="0">
+                <a:latin typeface="Arial" panose="020B0604020202020204" pitchFamily="34" charset="0"/>
+                <a:cs typeface="Arial" panose="020B0604020202020204" pitchFamily="34" charset="0"/>
+              </a:rPr>
+              <a:t>display()</a:t>
+            </a:r>
+            <a:endParaRPr lang="de-CH" sz="1200" b="1" dirty="0">
+              <a:latin typeface="Arial" panose="020B0604020202020204" pitchFamily="34" charset="0"/>
+              <a:cs typeface="Arial" panose="020B0604020202020204" pitchFamily="34" charset="0"/>
+            </a:endParaRPr>
+          </a:p>
+          <a:p>
+            <a:endParaRPr lang="de-CH" sz="1200" b="1" dirty="0">
+              <a:latin typeface="Arial" panose="020B0604020202020204" pitchFamily="34" charset="0"/>
+              <a:cs typeface="Arial" panose="020B0604020202020204" pitchFamily="34" charset="0"/>
+            </a:endParaRPr>
+          </a:p>
+        </p:txBody>
+      </p:sp>
+      <p:sp>
+        <p:nvSpPr>
+          <p:cNvPr id="28" name="Textfeld 27">
+            <a:extLst>
+              <a:ext uri="{FF2B5EF4-FFF2-40B4-BE49-F238E27FC236}">
+                <a16:creationId xmlns:a16="http://schemas.microsoft.com/office/drawing/2014/main" id="{4270B291-F38A-CB19-05AA-55C08929B47C}"/>
+              </a:ext>
+            </a:extLst>
+          </p:cNvPr>
+          <p:cNvSpPr txBox="1"/>
+          <p:nvPr/>
+        </p:nvSpPr>
+        <p:spPr>
+          <a:xfrm>
+            <a:off x="7056768" y="1515126"/>
+            <a:ext cx="4075043" cy="1231106"/>
+          </a:xfrm>
+          <a:prstGeom prst="rect">
+            <a:avLst/>
+          </a:prstGeom>
+          <a:noFill/>
+        </p:spPr>
+        <p:txBody>
+          <a:bodyPr wrap="square" rtlCol="0">
+            <a:spAutoFit/>
+          </a:bodyPr>
+          <a:lstStyle/>
+          <a:p>
+            <a:r>
+              <a:rPr lang="en-US" sz="1400" b="1" dirty="0">
+                <a:latin typeface="Arial" panose="020B0604020202020204" pitchFamily="34" charset="0"/>
+                <a:cs typeface="Arial" panose="020B0604020202020204" pitchFamily="34" charset="0"/>
+              </a:rPr>
+              <a:t>Member display text functions</a:t>
+            </a:r>
+          </a:p>
+          <a:p>
+            <a:r>
+              <a:rPr lang="en-US" sz="1200" b="1" dirty="0" err="1">
+                <a:latin typeface="Arial" panose="020B0604020202020204" pitchFamily="34" charset="0"/>
+                <a:cs typeface="Arial" panose="020B0604020202020204" pitchFamily="34" charset="0"/>
+              </a:rPr>
+              <a:t>setLabelText</a:t>
+            </a:r>
+            <a:r>
+              <a:rPr lang="en-US" sz="1200" b="1" dirty="0">
+                <a:latin typeface="Arial" panose="020B0604020202020204" pitchFamily="34" charset="0"/>
+                <a:cs typeface="Arial" panose="020B0604020202020204" pitchFamily="34" charset="0"/>
+              </a:rPr>
+              <a:t>                            </a:t>
+            </a:r>
+            <a:r>
+              <a:rPr lang="en-US" sz="1200" b="1" dirty="0" err="1">
+                <a:latin typeface="Arial" panose="020B0604020202020204" pitchFamily="34" charset="0"/>
+                <a:cs typeface="Arial" panose="020B0604020202020204" pitchFamily="34" charset="0"/>
+              </a:rPr>
+              <a:t>m_label_text</a:t>
+            </a:r>
+            <a:r>
+              <a:rPr lang="en-US" sz="1200" b="1" dirty="0">
+                <a:latin typeface="Arial" panose="020B0604020202020204" pitchFamily="34" charset="0"/>
+                <a:cs typeface="Arial" panose="020B0604020202020204" pitchFamily="34" charset="0"/>
+              </a:rPr>
+              <a:t>                  </a:t>
+            </a:r>
+          </a:p>
+          <a:p>
+            <a:r>
+              <a:rPr lang="en-US" sz="1200" b="1" dirty="0" err="1">
+                <a:latin typeface="Arial" panose="020B0604020202020204" pitchFamily="34" charset="0"/>
+                <a:cs typeface="Arial" panose="020B0604020202020204" pitchFamily="34" charset="0"/>
+              </a:rPr>
+              <a:t>setTextOne</a:t>
+            </a:r>
+            <a:r>
+              <a:rPr lang="en-US" sz="1200" b="1" dirty="0">
+                <a:latin typeface="Arial" panose="020B0604020202020204" pitchFamily="34" charset="0"/>
+                <a:cs typeface="Arial" panose="020B0604020202020204" pitchFamily="34" charset="0"/>
+              </a:rPr>
+              <a:t>                              </a:t>
+            </a:r>
+            <a:r>
+              <a:rPr lang="en-US" sz="1200" b="1" dirty="0" err="1">
+                <a:latin typeface="Arial" panose="020B0604020202020204" pitchFamily="34" charset="0"/>
+                <a:cs typeface="Arial" panose="020B0604020202020204" pitchFamily="34" charset="0"/>
+              </a:rPr>
+              <a:t>m_text_one_str</a:t>
+            </a:r>
+            <a:r>
+              <a:rPr lang="en-US" sz="1200" b="1" dirty="0">
+                <a:latin typeface="Arial" panose="020B0604020202020204" pitchFamily="34" charset="0"/>
+                <a:cs typeface="Arial" panose="020B0604020202020204" pitchFamily="34" charset="0"/>
+              </a:rPr>
+              <a:t> </a:t>
+            </a:r>
+          </a:p>
+          <a:p>
+            <a:r>
+              <a:rPr lang="en-US" sz="1200" b="1" dirty="0" err="1">
+                <a:latin typeface="Arial" panose="020B0604020202020204" pitchFamily="34" charset="0"/>
+                <a:cs typeface="Arial" panose="020B0604020202020204" pitchFamily="34" charset="0"/>
+              </a:rPr>
+              <a:t>setTextTwo</a:t>
+            </a:r>
+            <a:r>
+              <a:rPr lang="en-US" sz="1200" b="1" dirty="0">
+                <a:latin typeface="Arial" panose="020B0604020202020204" pitchFamily="34" charset="0"/>
+                <a:cs typeface="Arial" panose="020B0604020202020204" pitchFamily="34" charset="0"/>
+              </a:rPr>
+              <a:t>                              </a:t>
+            </a:r>
+            <a:r>
+              <a:rPr lang="en-US" sz="1200" b="1" dirty="0" err="1">
+                <a:latin typeface="Arial" panose="020B0604020202020204" pitchFamily="34" charset="0"/>
+                <a:cs typeface="Arial" panose="020B0604020202020204" pitchFamily="34" charset="0"/>
+              </a:rPr>
+              <a:t>m_text_two_str</a:t>
+            </a:r>
+            <a:endParaRPr lang="en-US" sz="1200" b="1" dirty="0">
+              <a:latin typeface="Arial" panose="020B0604020202020204" pitchFamily="34" charset="0"/>
+              <a:cs typeface="Arial" panose="020B0604020202020204" pitchFamily="34" charset="0"/>
+            </a:endParaRPr>
+          </a:p>
+          <a:p>
+            <a:r>
+              <a:rPr lang="en-US" sz="1200" b="1" dirty="0" err="1">
+                <a:latin typeface="Arial" panose="020B0604020202020204" pitchFamily="34" charset="0"/>
+                <a:cs typeface="Arial" panose="020B0604020202020204" pitchFamily="34" charset="0"/>
+              </a:rPr>
+              <a:t>setTextThree</a:t>
+            </a:r>
+            <a:r>
+              <a:rPr lang="en-US" sz="1200" b="1" dirty="0">
+                <a:latin typeface="Arial" panose="020B0604020202020204" pitchFamily="34" charset="0"/>
+                <a:cs typeface="Arial" panose="020B0604020202020204" pitchFamily="34" charset="0"/>
+              </a:rPr>
+              <a:t>                            </a:t>
+            </a:r>
+            <a:r>
+              <a:rPr lang="en-US" sz="1200" b="1" dirty="0" err="1">
+                <a:latin typeface="Arial" panose="020B0604020202020204" pitchFamily="34" charset="0"/>
+                <a:cs typeface="Arial" panose="020B0604020202020204" pitchFamily="34" charset="0"/>
+              </a:rPr>
+              <a:t>m_text_three_str</a:t>
+            </a:r>
+            <a:endParaRPr lang="en-US" sz="1200" b="1" dirty="0">
+              <a:latin typeface="Arial" panose="020B0604020202020204" pitchFamily="34" charset="0"/>
+              <a:cs typeface="Arial" panose="020B0604020202020204" pitchFamily="34" charset="0"/>
+            </a:endParaRPr>
+          </a:p>
+          <a:p>
+            <a:r>
+              <a:rPr lang="en-US" sz="1200" b="1" dirty="0" err="1">
+                <a:latin typeface="Arial" panose="020B0604020202020204" pitchFamily="34" charset="0"/>
+                <a:cs typeface="Arial" panose="020B0604020202020204" pitchFamily="34" charset="0"/>
+              </a:rPr>
+              <a:t>setTextFour</a:t>
+            </a:r>
+            <a:r>
+              <a:rPr lang="en-US" sz="1200" b="1" dirty="0">
+                <a:latin typeface="Arial" panose="020B0604020202020204" pitchFamily="34" charset="0"/>
+                <a:cs typeface="Arial" panose="020B0604020202020204" pitchFamily="34" charset="0"/>
+              </a:rPr>
+              <a:t>                             </a:t>
+            </a:r>
+            <a:r>
+              <a:rPr lang="en-US" sz="1200" b="1" dirty="0" err="1">
+                <a:latin typeface="Arial" panose="020B0604020202020204" pitchFamily="34" charset="0"/>
+                <a:cs typeface="Arial" panose="020B0604020202020204" pitchFamily="34" charset="0"/>
+              </a:rPr>
+              <a:t>m_text_four_str</a:t>
+            </a:r>
+            <a:endParaRPr lang="en-US" sz="1200" b="1" dirty="0">
+              <a:latin typeface="Arial" panose="020B0604020202020204" pitchFamily="34" charset="0"/>
+              <a:cs typeface="Arial" panose="020B0604020202020204" pitchFamily="34" charset="0"/>
+            </a:endParaRPr>
+          </a:p>
+        </p:txBody>
+      </p:sp>
+    </p:spTree>
+    <p:extLst>
+      <p:ext uri="{BB962C8B-B14F-4D97-AF65-F5344CB8AC3E}">
+        <p14:creationId xmlns:p14="http://schemas.microsoft.com/office/powerpoint/2010/main" val="186439434"/>
+      </p:ext>
+    </p:extLst>
+  </p:cSld>
+  <p:clrMapOvr>
+    <a:masterClrMapping/>
+  </p:clrMapOvr>
+</p:sld>
+</file>
+
+<file path=ppt/slides/slide5.xml><?xml version="1.0" encoding="utf-8"?>
+<p:sld xmlns:a="http://schemas.openxmlformats.org/drawingml/2006/main" xmlns:r="http://schemas.openxmlformats.org/officeDocument/2006/relationships" xmlns:p="http://schemas.openxmlformats.org/presentationml/2006/main">
+  <p:cSld>
+    <p:spTree>
+      <p:nvGrpSpPr>
+        <p:cNvPr id="1" name=""/>
+        <p:cNvGrpSpPr/>
+        <p:nvPr/>
+      </p:nvGrpSpPr>
+      <p:grpSpPr>
+        <a:xfrm>
+          <a:off x="0" y="0"/>
+          <a:ext cx="0" cy="0"/>
+          <a:chOff x="0" y="0"/>
+          <a:chExt cx="0" cy="0"/>
+        </a:xfrm>
+      </p:grpSpPr>
+    </p:spTree>
+    <p:extLst>
+      <p:ext uri="{BB962C8B-B14F-4D97-AF65-F5344CB8AC3E}">
+        <p14:creationId xmlns:p14="http://schemas.microsoft.com/office/powerpoint/2010/main" val="76243020"/>
+      </p:ext>
+    </p:extLst>
+  </p:cSld>
+  <p:clrMapOvr>
+    <a:masterClrMapping/>
+  </p:clrMapOvr>
+</p:sld>
+</file>
+
+<file path=ppt/slides/slide6.xml><?xml version="1.0" encoding="utf-8"?>
+<p:sld xmlns:a="http://schemas.openxmlformats.org/drawingml/2006/main" xmlns:r="http://schemas.openxmlformats.org/officeDocument/2006/relationships" xmlns:p="http://schemas.openxmlformats.org/presentationml/2006/main">
+  <p:cSld>
+    <p:spTree>
+      <p:nvGrpSpPr>
+        <p:cNvPr id="1" name=""/>
+        <p:cNvGrpSpPr/>
+        <p:nvPr/>
+      </p:nvGrpSpPr>
+      <p:grpSpPr>
+        <a:xfrm>
+          <a:off x="0" y="0"/>
+          <a:ext cx="0" cy="0"/>
+          <a:chOff x="0" y="0"/>
+          <a:chExt cx="0" cy="0"/>
+        </a:xfrm>
+      </p:grpSpPr>
+      <p:sp>
+        <p:nvSpPr>
+          <p:cNvPr id="4" name="Textfeld 3">
+            <a:extLst>
+              <a:ext uri="{FF2B5EF4-FFF2-40B4-BE49-F238E27FC236}">
+                <a16:creationId xmlns:a16="http://schemas.microsoft.com/office/drawing/2014/main" id="{A7268E18-B8BE-ABAA-DDE8-AC1C558CACDE}"/>
+              </a:ext>
+            </a:extLst>
+          </p:cNvPr>
+          <p:cNvSpPr txBox="1"/>
+          <p:nvPr/>
+        </p:nvSpPr>
+        <p:spPr>
+          <a:xfrm>
+            <a:off x="3996009" y="117376"/>
+            <a:ext cx="2707532" cy="369332"/>
+          </a:xfrm>
+          <a:prstGeom prst="rect">
+            <a:avLst/>
+          </a:prstGeom>
+          <a:noFill/>
+        </p:spPr>
+        <p:txBody>
+          <a:bodyPr wrap="square" rtlCol="0">
+            <a:spAutoFit/>
+          </a:bodyPr>
+          <a:lstStyle/>
+          <a:p>
+            <a:pPr algn="ctr"/>
+            <a:r>
+              <a:rPr lang="fr-FR" b="1" dirty="0">
+                <a:solidFill>
+                  <a:srgbClr val="FF0000"/>
+                </a:solidFill>
+                <a:latin typeface="Arial" panose="020B0604020202020204" pitchFamily="34" charset="0"/>
+                <a:cs typeface="Arial" panose="020B0604020202020204" pitchFamily="34" charset="0"/>
+              </a:rPr>
+              <a:t>Class </a:t>
+            </a:r>
+            <a:r>
+              <a:rPr lang="fr-FR" b="1" dirty="0" err="1">
+                <a:solidFill>
+                  <a:srgbClr val="FF0000"/>
+                </a:solidFill>
+                <a:latin typeface="Arial" panose="020B0604020202020204" pitchFamily="34" charset="0"/>
+                <a:cs typeface="Arial" panose="020B0604020202020204" pitchFamily="34" charset="0"/>
+              </a:rPr>
+              <a:t>DisplayImage</a:t>
+            </a:r>
+            <a:endParaRPr lang="fr-FR" b="1" dirty="0">
+              <a:solidFill>
+                <a:srgbClr val="FF0000"/>
+              </a:solidFill>
+              <a:latin typeface="Arial" panose="020B0604020202020204" pitchFamily="34" charset="0"/>
+              <a:cs typeface="Arial" panose="020B0604020202020204" pitchFamily="34" charset="0"/>
+            </a:endParaRPr>
+          </a:p>
+        </p:txBody>
+      </p:sp>
+      <p:sp>
+        <p:nvSpPr>
+          <p:cNvPr id="8" name="Textfeld 7">
+            <a:extLst>
+              <a:ext uri="{FF2B5EF4-FFF2-40B4-BE49-F238E27FC236}">
+                <a16:creationId xmlns:a16="http://schemas.microsoft.com/office/drawing/2014/main" id="{AE67ADB5-1E99-DA33-9999-B78F44DBD93A}"/>
+              </a:ext>
+            </a:extLst>
+          </p:cNvPr>
+          <p:cNvSpPr txBox="1"/>
+          <p:nvPr/>
+        </p:nvSpPr>
+        <p:spPr>
+          <a:xfrm>
+            <a:off x="1635478" y="486709"/>
+            <a:ext cx="4524001" cy="215444"/>
+          </a:xfrm>
+          <a:prstGeom prst="rect">
+            <a:avLst/>
+          </a:prstGeom>
+          <a:noFill/>
+        </p:spPr>
+        <p:txBody>
+          <a:bodyPr wrap="square" rtlCol="0">
+            <a:spAutoFit/>
+          </a:bodyPr>
+          <a:lstStyle/>
+          <a:p>
+            <a:r>
+              <a:rPr lang="de-CH" sz="800" b="1" dirty="0" err="1">
+                <a:latin typeface="Arial" panose="020B0604020202020204" pitchFamily="34" charset="0"/>
+                <a:cs typeface="Arial" panose="020B0604020202020204" pitchFamily="34" charset="0"/>
+              </a:rPr>
+              <a:t>id_div_display_image_my_fctn_rec_x</a:t>
+            </a:r>
+            <a:r>
+              <a:rPr lang="de-CH" sz="800" b="1" dirty="0">
+                <a:latin typeface="Arial" panose="020B0604020202020204" pitchFamily="34" charset="0"/>
+                <a:cs typeface="Arial" panose="020B0604020202020204" pitchFamily="34" charset="0"/>
+              </a:rPr>
+              <a:t>      </a:t>
+            </a:r>
+            <a:r>
+              <a:rPr lang="de-CH" sz="800" b="1" dirty="0" err="1">
+                <a:latin typeface="Arial" panose="020B0604020202020204" pitchFamily="34" charset="0"/>
+                <a:cs typeface="Arial" panose="020B0604020202020204" pitchFamily="34" charset="0"/>
+              </a:rPr>
+              <a:t>m_style_display_image</a:t>
+            </a:r>
+            <a:r>
+              <a:rPr lang="de-CH" sz="800" b="1" dirty="0">
+                <a:latin typeface="Arial" panose="020B0604020202020204" pitchFamily="34" charset="0"/>
+                <a:cs typeface="Arial" panose="020B0604020202020204" pitchFamily="34" charset="0"/>
+              </a:rPr>
+              <a:t> = </a:t>
+            </a:r>
+            <a:r>
+              <a:rPr lang="de-CH" sz="800" b="1" dirty="0" err="1">
+                <a:latin typeface="Arial" panose="020B0604020202020204" pitchFamily="34" charset="0"/>
+                <a:cs typeface="Arial" panose="020B0604020202020204" pitchFamily="34" charset="0"/>
+              </a:rPr>
+              <a:t>clear</a:t>
+            </a:r>
+            <a:r>
+              <a:rPr lang="de-CH" sz="800" b="1" dirty="0">
+                <a:latin typeface="Arial" panose="020B0604020202020204" pitchFamily="34" charset="0"/>
+                <a:cs typeface="Arial" panose="020B0604020202020204" pitchFamily="34" charset="0"/>
+              </a:rPr>
+              <a:t>: </a:t>
+            </a:r>
+            <a:r>
+              <a:rPr lang="de-CH" sz="800" b="1" dirty="0" err="1">
+                <a:latin typeface="Arial" panose="020B0604020202020204" pitchFamily="34" charset="0"/>
+                <a:cs typeface="Arial" panose="020B0604020202020204" pitchFamily="34" charset="0"/>
+              </a:rPr>
+              <a:t>both</a:t>
+            </a:r>
+            <a:endParaRPr lang="de-CH" sz="800" b="1" dirty="0">
+              <a:latin typeface="Arial" panose="020B0604020202020204" pitchFamily="34" charset="0"/>
+              <a:cs typeface="Arial" panose="020B0604020202020204" pitchFamily="34" charset="0"/>
+            </a:endParaRPr>
+          </a:p>
+        </p:txBody>
+      </p:sp>
+      <p:sp>
+        <p:nvSpPr>
+          <p:cNvPr id="2" name="Rechteck 1">
+            <a:extLst>
+              <a:ext uri="{FF2B5EF4-FFF2-40B4-BE49-F238E27FC236}">
+                <a16:creationId xmlns:a16="http://schemas.microsoft.com/office/drawing/2014/main" id="{EAA1D7FC-6D13-11C7-4E0C-33744B389E41}"/>
+              </a:ext>
+            </a:extLst>
+          </p:cNvPr>
+          <p:cNvSpPr/>
+          <p:nvPr/>
+        </p:nvSpPr>
+        <p:spPr>
+          <a:xfrm>
+            <a:off x="1635478" y="486708"/>
+            <a:ext cx="7703255" cy="6253916"/>
+          </a:xfrm>
+          <a:prstGeom prst="rect">
+            <a:avLst/>
+          </a:prstGeom>
+          <a:noFill/>
+          <a:ln>
+            <a:solidFill>
+              <a:schemeClr val="tx1"/>
+            </a:solidFill>
+          </a:ln>
+        </p:spPr>
+        <p:style>
+          <a:lnRef idx="2">
+            <a:schemeClr val="accent1">
+              <a:shade val="50000"/>
+            </a:schemeClr>
+          </a:lnRef>
+          <a:fillRef idx="1">
+            <a:schemeClr val="accent1"/>
+          </a:fillRef>
+          <a:effectRef idx="0">
+            <a:schemeClr val="accent1"/>
+          </a:effectRef>
+          <a:fontRef idx="minor">
+            <a:schemeClr val="lt1"/>
+          </a:fontRef>
+        </p:style>
+        <p:txBody>
+          <a:bodyPr rtlCol="0" anchor="ctr"/>
+          <a:lstStyle/>
+          <a:p>
+            <a:pPr algn="ctr"/>
+            <a:endParaRPr lang="de-CH" sz="1400" dirty="0">
+              <a:solidFill>
+                <a:schemeClr val="tx1"/>
+              </a:solidFill>
+              <a:latin typeface="Arial" panose="020B0604020202020204" pitchFamily="34" charset="0"/>
+              <a:cs typeface="Arial" panose="020B0604020202020204" pitchFamily="34" charset="0"/>
+            </a:endParaRPr>
+          </a:p>
+        </p:txBody>
+      </p:sp>
+      <p:sp>
+        <p:nvSpPr>
+          <p:cNvPr id="3" name="Rechteck 2">
+            <a:extLst>
+              <a:ext uri="{FF2B5EF4-FFF2-40B4-BE49-F238E27FC236}">
+                <a16:creationId xmlns:a16="http://schemas.microsoft.com/office/drawing/2014/main" id="{A34B3EDE-26B2-7FA0-DED0-7D62E1D4855C}"/>
+              </a:ext>
+            </a:extLst>
+          </p:cNvPr>
+          <p:cNvSpPr/>
+          <p:nvPr/>
+        </p:nvSpPr>
+        <p:spPr>
+          <a:xfrm>
+            <a:off x="1754012" y="742233"/>
+            <a:ext cx="7483122" cy="1555036"/>
+          </a:xfrm>
+          <a:prstGeom prst="rect">
+            <a:avLst/>
+          </a:prstGeom>
+          <a:noFill/>
+          <a:ln>
+            <a:solidFill>
+              <a:schemeClr val="tx1"/>
+            </a:solidFill>
+          </a:ln>
+        </p:spPr>
+        <p:style>
+          <a:lnRef idx="2">
+            <a:schemeClr val="accent1">
+              <a:shade val="50000"/>
+            </a:schemeClr>
+          </a:lnRef>
+          <a:fillRef idx="1">
+            <a:schemeClr val="accent1"/>
+          </a:fillRef>
+          <a:effectRef idx="0">
+            <a:schemeClr val="accent1"/>
+          </a:effectRef>
+          <a:fontRef idx="minor">
+            <a:schemeClr val="lt1"/>
+          </a:fontRef>
+        </p:style>
+        <p:txBody>
+          <a:bodyPr rtlCol="0" anchor="ctr"/>
+          <a:lstStyle/>
+          <a:p>
+            <a:pPr algn="ctr"/>
+            <a:endParaRPr lang="de-CH" sz="1400" dirty="0">
+              <a:solidFill>
+                <a:schemeClr val="tx1"/>
+              </a:solidFill>
+              <a:latin typeface="Arial" panose="020B0604020202020204" pitchFamily="34" charset="0"/>
+              <a:cs typeface="Arial" panose="020B0604020202020204" pitchFamily="34" charset="0"/>
+            </a:endParaRPr>
+          </a:p>
+        </p:txBody>
+      </p:sp>
+      <p:sp>
+        <p:nvSpPr>
+          <p:cNvPr id="19" name="Textfeld 18">
+            <a:extLst>
+              <a:ext uri="{FF2B5EF4-FFF2-40B4-BE49-F238E27FC236}">
+                <a16:creationId xmlns:a16="http://schemas.microsoft.com/office/drawing/2014/main" id="{2029159E-D707-BB11-48D1-056238443313}"/>
+              </a:ext>
+            </a:extLst>
+          </p:cNvPr>
+          <p:cNvSpPr txBox="1"/>
+          <p:nvPr/>
+        </p:nvSpPr>
+        <p:spPr>
+          <a:xfrm>
+            <a:off x="1754012" y="767276"/>
+            <a:ext cx="4833055" cy="215444"/>
+          </a:xfrm>
+          <a:prstGeom prst="rect">
+            <a:avLst/>
+          </a:prstGeom>
+          <a:noFill/>
+        </p:spPr>
+        <p:txBody>
+          <a:bodyPr wrap="square" rtlCol="0">
+            <a:spAutoFit/>
+          </a:bodyPr>
+          <a:lstStyle/>
+          <a:p>
+            <a:r>
+              <a:rPr lang="de-CH" sz="800" b="1" dirty="0" err="1">
+                <a:latin typeface="Arial" panose="020B0604020202020204" pitchFamily="34" charset="0"/>
+                <a:cs typeface="Arial" panose="020B0604020202020204" pitchFamily="34" charset="0"/>
+              </a:rPr>
+              <a:t>id_div_display_image_group_icons_my_fctn</a:t>
+            </a:r>
+            <a:r>
+              <a:rPr lang="de-CH" sz="800" b="1" dirty="0">
+                <a:latin typeface="Arial" panose="020B0604020202020204" pitchFamily="34" charset="0"/>
+                <a:cs typeface="Arial" panose="020B0604020202020204" pitchFamily="34" charset="0"/>
+              </a:rPr>
+              <a:t>      </a:t>
+            </a:r>
+            <a:r>
+              <a:rPr lang="de-CH" sz="800" b="1" dirty="0" err="1">
+                <a:latin typeface="Arial" panose="020B0604020202020204" pitchFamily="34" charset="0"/>
+                <a:cs typeface="Arial" panose="020B0604020202020204" pitchFamily="34" charset="0"/>
+              </a:rPr>
+              <a:t>style_display_image_group_icons</a:t>
+            </a:r>
+            <a:r>
+              <a:rPr lang="de-CH" sz="800" b="1" dirty="0">
+                <a:latin typeface="Arial" panose="020B0604020202020204" pitchFamily="34" charset="0"/>
+                <a:cs typeface="Arial" panose="020B0604020202020204" pitchFamily="34" charset="0"/>
+              </a:rPr>
+              <a:t> = </a:t>
+            </a:r>
+            <a:r>
+              <a:rPr lang="de-CH" sz="800" b="1" dirty="0" err="1">
+                <a:latin typeface="Arial" panose="020B0604020202020204" pitchFamily="34" charset="0"/>
+                <a:cs typeface="Arial" panose="020B0604020202020204" pitchFamily="34" charset="0"/>
+              </a:rPr>
+              <a:t>clear</a:t>
+            </a:r>
+            <a:r>
+              <a:rPr lang="de-CH" sz="800" b="1" dirty="0">
+                <a:latin typeface="Arial" panose="020B0604020202020204" pitchFamily="34" charset="0"/>
+                <a:cs typeface="Arial" panose="020B0604020202020204" pitchFamily="34" charset="0"/>
+              </a:rPr>
+              <a:t>: </a:t>
+            </a:r>
+            <a:r>
+              <a:rPr lang="de-CH" sz="800" b="1" dirty="0" err="1">
+                <a:latin typeface="Arial" panose="020B0604020202020204" pitchFamily="34" charset="0"/>
+                <a:cs typeface="Arial" panose="020B0604020202020204" pitchFamily="34" charset="0"/>
+              </a:rPr>
+              <a:t>both</a:t>
+            </a:r>
+            <a:endParaRPr lang="de-CH" sz="800" b="1" dirty="0">
+              <a:latin typeface="Arial" panose="020B0604020202020204" pitchFamily="34" charset="0"/>
+              <a:cs typeface="Arial" panose="020B0604020202020204" pitchFamily="34" charset="0"/>
+            </a:endParaRPr>
+          </a:p>
+        </p:txBody>
+      </p:sp>
+      <p:sp>
+        <p:nvSpPr>
+          <p:cNvPr id="23" name="Rechteck 22">
+            <a:extLst>
+              <a:ext uri="{FF2B5EF4-FFF2-40B4-BE49-F238E27FC236}">
+                <a16:creationId xmlns:a16="http://schemas.microsoft.com/office/drawing/2014/main" id="{24E3A8E8-C8E2-46FE-9E98-F1592BA055F4}"/>
+              </a:ext>
+            </a:extLst>
+          </p:cNvPr>
+          <p:cNvSpPr/>
+          <p:nvPr/>
+        </p:nvSpPr>
+        <p:spPr>
+          <a:xfrm>
+            <a:off x="7776633" y="982719"/>
+            <a:ext cx="1285529" cy="1236027"/>
+          </a:xfrm>
+          <a:prstGeom prst="rect">
+            <a:avLst/>
+          </a:prstGeom>
+          <a:noFill/>
+          <a:ln>
+            <a:solidFill>
+              <a:schemeClr val="tx1"/>
+            </a:solidFill>
+          </a:ln>
+        </p:spPr>
+        <p:style>
+          <a:lnRef idx="2">
+            <a:schemeClr val="accent1">
+              <a:shade val="50000"/>
+            </a:schemeClr>
+          </a:lnRef>
+          <a:fillRef idx="1">
+            <a:schemeClr val="accent1"/>
+          </a:fillRef>
+          <a:effectRef idx="0">
+            <a:schemeClr val="accent1"/>
+          </a:effectRef>
+          <a:fontRef idx="minor">
+            <a:schemeClr val="lt1"/>
+          </a:fontRef>
+        </p:style>
+        <p:txBody>
+          <a:bodyPr rtlCol="0" anchor="ctr"/>
+          <a:lstStyle/>
+          <a:p>
+            <a:pPr algn="ctr"/>
+            <a:endParaRPr lang="de-CH" sz="1400" dirty="0">
+              <a:solidFill>
+                <a:schemeClr val="tx1"/>
+              </a:solidFill>
+              <a:latin typeface="Arial" panose="020B0604020202020204" pitchFamily="34" charset="0"/>
+              <a:cs typeface="Arial" panose="020B0604020202020204" pitchFamily="34" charset="0"/>
+            </a:endParaRPr>
+          </a:p>
+        </p:txBody>
+      </p:sp>
+      <p:sp>
+        <p:nvSpPr>
+          <p:cNvPr id="25" name="Textfeld 24">
+            <a:extLst>
+              <a:ext uri="{FF2B5EF4-FFF2-40B4-BE49-F238E27FC236}">
+                <a16:creationId xmlns:a16="http://schemas.microsoft.com/office/drawing/2014/main" id="{8E760015-756A-0249-5C11-AB47DA72948B}"/>
+              </a:ext>
+            </a:extLst>
+          </p:cNvPr>
+          <p:cNvSpPr txBox="1"/>
+          <p:nvPr/>
+        </p:nvSpPr>
+        <p:spPr>
+          <a:xfrm>
+            <a:off x="7760757" y="1073501"/>
+            <a:ext cx="1430162" cy="461665"/>
+          </a:xfrm>
+          <a:prstGeom prst="rect">
+            <a:avLst/>
+          </a:prstGeom>
+          <a:noFill/>
+        </p:spPr>
+        <p:txBody>
+          <a:bodyPr wrap="square" rtlCol="0">
+            <a:spAutoFit/>
+          </a:bodyPr>
+          <a:lstStyle/>
+          <a:p>
+            <a:r>
+              <a:rPr lang="de-CH" sz="800" b="1" dirty="0">
+                <a:latin typeface="Arial" panose="020B0604020202020204" pitchFamily="34" charset="0"/>
+                <a:cs typeface="Arial" panose="020B0604020202020204" pitchFamily="34" charset="0"/>
+              </a:rPr>
+              <a:t>id...._</a:t>
+            </a:r>
+            <a:r>
+              <a:rPr lang="de-CH" sz="800" b="1" dirty="0" err="1">
+                <a:latin typeface="Arial" panose="020B0604020202020204" pitchFamily="34" charset="0"/>
+                <a:cs typeface="Arial" panose="020B0604020202020204" pitchFamily="34" charset="0"/>
+              </a:rPr>
+              <a:t>my_fctn_icon_one</a:t>
+            </a:r>
+            <a:r>
+              <a:rPr lang="de-CH" sz="800" b="1" dirty="0">
+                <a:latin typeface="Arial" panose="020B0604020202020204" pitchFamily="34" charset="0"/>
+                <a:cs typeface="Arial" panose="020B0604020202020204" pitchFamily="34" charset="0"/>
+              </a:rPr>
+              <a:t>     </a:t>
+            </a:r>
+          </a:p>
+          <a:p>
+            <a:r>
+              <a:rPr lang="de-CH" sz="800" b="1" dirty="0" err="1">
+                <a:latin typeface="Arial" panose="020B0604020202020204" pitchFamily="34" charset="0"/>
+                <a:cs typeface="Arial" panose="020B0604020202020204" pitchFamily="34" charset="0"/>
+              </a:rPr>
+              <a:t>m_style_icon</a:t>
+            </a:r>
+            <a:r>
+              <a:rPr lang="de-CH" sz="800" b="1" dirty="0">
+                <a:latin typeface="Arial" panose="020B0604020202020204" pitchFamily="34" charset="0"/>
+                <a:cs typeface="Arial" panose="020B0604020202020204" pitchFamily="34" charset="0"/>
+              </a:rPr>
+              <a:t> _</a:t>
+            </a:r>
+            <a:r>
+              <a:rPr lang="de-CH" sz="800" b="1" dirty="0" err="1">
+                <a:latin typeface="Arial" panose="020B0604020202020204" pitchFamily="34" charset="0"/>
+                <a:cs typeface="Arial" panose="020B0604020202020204" pitchFamily="34" charset="0"/>
+              </a:rPr>
+              <a:t>four</a:t>
+            </a:r>
+            <a:r>
+              <a:rPr lang="de-CH" sz="800" b="1" dirty="0">
+                <a:latin typeface="Arial" panose="020B0604020202020204" pitchFamily="34" charset="0"/>
+                <a:cs typeface="Arial" panose="020B0604020202020204" pitchFamily="34" charset="0"/>
+              </a:rPr>
+              <a:t> =        </a:t>
+            </a:r>
+          </a:p>
+          <a:p>
+            <a:r>
+              <a:rPr lang="de-CH" sz="800" b="1" dirty="0" err="1">
+                <a:latin typeface="Arial" panose="020B0604020202020204" pitchFamily="34" charset="0"/>
+                <a:cs typeface="Arial" panose="020B0604020202020204" pitchFamily="34" charset="0"/>
+              </a:rPr>
+              <a:t>float</a:t>
+            </a:r>
+            <a:r>
+              <a:rPr lang="de-CH" sz="800" b="1" dirty="0">
+                <a:latin typeface="Arial" panose="020B0604020202020204" pitchFamily="34" charset="0"/>
+                <a:cs typeface="Arial" panose="020B0604020202020204" pitchFamily="34" charset="0"/>
+              </a:rPr>
+              <a:t> : </a:t>
+            </a:r>
+            <a:r>
+              <a:rPr lang="de-CH" sz="800" b="1" dirty="0" err="1">
+                <a:latin typeface="Arial" panose="020B0604020202020204" pitchFamily="34" charset="0"/>
+                <a:cs typeface="Arial" panose="020B0604020202020204" pitchFamily="34" charset="0"/>
+              </a:rPr>
+              <a:t>right</a:t>
+            </a:r>
+            <a:endParaRPr lang="de-CH" sz="800" b="1" dirty="0">
+              <a:latin typeface="Arial" panose="020B0604020202020204" pitchFamily="34" charset="0"/>
+              <a:cs typeface="Arial" panose="020B0604020202020204" pitchFamily="34" charset="0"/>
+            </a:endParaRPr>
+          </a:p>
+        </p:txBody>
+      </p:sp>
+      <p:sp>
+        <p:nvSpPr>
+          <p:cNvPr id="27" name="Rechteck 26">
+            <a:extLst>
+              <a:ext uri="{FF2B5EF4-FFF2-40B4-BE49-F238E27FC236}">
+                <a16:creationId xmlns:a16="http://schemas.microsoft.com/office/drawing/2014/main" id="{A84AED08-871D-AEC3-45B0-393525150857}"/>
+              </a:ext>
+            </a:extLst>
+          </p:cNvPr>
+          <p:cNvSpPr/>
+          <p:nvPr/>
+        </p:nvSpPr>
+        <p:spPr>
+          <a:xfrm>
+            <a:off x="6311899" y="982719"/>
+            <a:ext cx="1285529" cy="1236027"/>
+          </a:xfrm>
+          <a:prstGeom prst="rect">
+            <a:avLst/>
+          </a:prstGeom>
+          <a:noFill/>
+          <a:ln>
+            <a:solidFill>
+              <a:schemeClr val="tx1"/>
+            </a:solidFill>
+          </a:ln>
+        </p:spPr>
+        <p:style>
+          <a:lnRef idx="2">
+            <a:schemeClr val="accent1">
+              <a:shade val="50000"/>
+            </a:schemeClr>
+          </a:lnRef>
+          <a:fillRef idx="1">
+            <a:schemeClr val="accent1"/>
+          </a:fillRef>
+          <a:effectRef idx="0">
+            <a:schemeClr val="accent1"/>
+          </a:effectRef>
+          <a:fontRef idx="minor">
+            <a:schemeClr val="lt1"/>
+          </a:fontRef>
+        </p:style>
+        <p:txBody>
+          <a:bodyPr rtlCol="0" anchor="ctr"/>
+          <a:lstStyle/>
+          <a:p>
+            <a:pPr algn="ctr"/>
+            <a:endParaRPr lang="de-CH" sz="1400" dirty="0">
+              <a:solidFill>
+                <a:schemeClr val="tx1"/>
+              </a:solidFill>
+              <a:latin typeface="Arial" panose="020B0604020202020204" pitchFamily="34" charset="0"/>
+              <a:cs typeface="Arial" panose="020B0604020202020204" pitchFamily="34" charset="0"/>
+            </a:endParaRPr>
+          </a:p>
+        </p:txBody>
+      </p:sp>
+      <p:sp>
+        <p:nvSpPr>
+          <p:cNvPr id="28" name="Textfeld 27">
+            <a:extLst>
+              <a:ext uri="{FF2B5EF4-FFF2-40B4-BE49-F238E27FC236}">
+                <a16:creationId xmlns:a16="http://schemas.microsoft.com/office/drawing/2014/main" id="{86C50DA5-9970-CD41-EE84-295E0FB4777E}"/>
+              </a:ext>
+            </a:extLst>
+          </p:cNvPr>
+          <p:cNvSpPr txBox="1"/>
+          <p:nvPr/>
+        </p:nvSpPr>
+        <p:spPr>
+          <a:xfrm>
+            <a:off x="6296023" y="1073501"/>
+            <a:ext cx="1430162" cy="461665"/>
+          </a:xfrm>
+          <a:prstGeom prst="rect">
+            <a:avLst/>
+          </a:prstGeom>
+          <a:noFill/>
+        </p:spPr>
+        <p:txBody>
+          <a:bodyPr wrap="square" rtlCol="0">
+            <a:spAutoFit/>
+          </a:bodyPr>
+          <a:lstStyle/>
+          <a:p>
+            <a:r>
+              <a:rPr lang="de-CH" sz="800" b="1" dirty="0">
+                <a:latin typeface="Arial" panose="020B0604020202020204" pitchFamily="34" charset="0"/>
+                <a:cs typeface="Arial" panose="020B0604020202020204" pitchFamily="34" charset="0"/>
+              </a:rPr>
+              <a:t>id...._</a:t>
+            </a:r>
+            <a:r>
+              <a:rPr lang="de-CH" sz="800" b="1" dirty="0" err="1">
+                <a:latin typeface="Arial" panose="020B0604020202020204" pitchFamily="34" charset="0"/>
+                <a:cs typeface="Arial" panose="020B0604020202020204" pitchFamily="34" charset="0"/>
+              </a:rPr>
+              <a:t>my_fctn_icon_two</a:t>
+            </a:r>
+            <a:r>
+              <a:rPr lang="de-CH" sz="800" b="1" dirty="0">
+                <a:latin typeface="Arial" panose="020B0604020202020204" pitchFamily="34" charset="0"/>
+                <a:cs typeface="Arial" panose="020B0604020202020204" pitchFamily="34" charset="0"/>
+              </a:rPr>
+              <a:t>     </a:t>
+            </a:r>
+          </a:p>
+          <a:p>
+            <a:r>
+              <a:rPr lang="de-CH" sz="800" b="1" dirty="0" err="1">
+                <a:latin typeface="Arial" panose="020B0604020202020204" pitchFamily="34" charset="0"/>
+                <a:cs typeface="Arial" panose="020B0604020202020204" pitchFamily="34" charset="0"/>
+              </a:rPr>
+              <a:t>m_style_icon_three</a:t>
+            </a:r>
+            <a:r>
+              <a:rPr lang="de-CH" sz="800" b="1" dirty="0">
+                <a:latin typeface="Arial" panose="020B0604020202020204" pitchFamily="34" charset="0"/>
+                <a:cs typeface="Arial" panose="020B0604020202020204" pitchFamily="34" charset="0"/>
+              </a:rPr>
+              <a:t> =      </a:t>
+            </a:r>
+          </a:p>
+          <a:p>
+            <a:r>
+              <a:rPr lang="de-CH" sz="800" b="1" dirty="0" err="1">
+                <a:latin typeface="Arial" panose="020B0604020202020204" pitchFamily="34" charset="0"/>
+                <a:cs typeface="Arial" panose="020B0604020202020204" pitchFamily="34" charset="0"/>
+              </a:rPr>
+              <a:t>float</a:t>
+            </a:r>
+            <a:r>
+              <a:rPr lang="de-CH" sz="800" b="1" dirty="0">
+                <a:latin typeface="Arial" panose="020B0604020202020204" pitchFamily="34" charset="0"/>
+                <a:cs typeface="Arial" panose="020B0604020202020204" pitchFamily="34" charset="0"/>
+              </a:rPr>
+              <a:t> : </a:t>
+            </a:r>
+            <a:r>
+              <a:rPr lang="de-CH" sz="800" b="1" dirty="0" err="1">
+                <a:latin typeface="Arial" panose="020B0604020202020204" pitchFamily="34" charset="0"/>
+                <a:cs typeface="Arial" panose="020B0604020202020204" pitchFamily="34" charset="0"/>
+              </a:rPr>
+              <a:t>right</a:t>
+            </a:r>
+            <a:endParaRPr lang="de-CH" sz="800" b="1" dirty="0">
+              <a:latin typeface="Arial" panose="020B0604020202020204" pitchFamily="34" charset="0"/>
+              <a:cs typeface="Arial" panose="020B0604020202020204" pitchFamily="34" charset="0"/>
+            </a:endParaRPr>
+          </a:p>
+        </p:txBody>
+      </p:sp>
+      <p:sp>
+        <p:nvSpPr>
+          <p:cNvPr id="29" name="Rechteck 28">
+            <a:extLst>
+              <a:ext uri="{FF2B5EF4-FFF2-40B4-BE49-F238E27FC236}">
+                <a16:creationId xmlns:a16="http://schemas.microsoft.com/office/drawing/2014/main" id="{A1AE7706-2A7F-3B15-127E-03FF5CDAAC25}"/>
+              </a:ext>
+            </a:extLst>
+          </p:cNvPr>
+          <p:cNvSpPr/>
+          <p:nvPr/>
+        </p:nvSpPr>
+        <p:spPr>
+          <a:xfrm>
+            <a:off x="4948766" y="978137"/>
+            <a:ext cx="1285529" cy="1236027"/>
+          </a:xfrm>
+          <a:prstGeom prst="rect">
+            <a:avLst/>
+          </a:prstGeom>
+          <a:noFill/>
+          <a:ln>
+            <a:solidFill>
+              <a:schemeClr val="tx1"/>
+            </a:solidFill>
+          </a:ln>
+        </p:spPr>
+        <p:style>
+          <a:lnRef idx="2">
+            <a:schemeClr val="accent1">
+              <a:shade val="50000"/>
+            </a:schemeClr>
+          </a:lnRef>
+          <a:fillRef idx="1">
+            <a:schemeClr val="accent1"/>
+          </a:fillRef>
+          <a:effectRef idx="0">
+            <a:schemeClr val="accent1"/>
+          </a:effectRef>
+          <a:fontRef idx="minor">
+            <a:schemeClr val="lt1"/>
+          </a:fontRef>
+        </p:style>
+        <p:txBody>
+          <a:bodyPr rtlCol="0" anchor="ctr"/>
+          <a:lstStyle/>
+          <a:p>
+            <a:pPr algn="ctr"/>
+            <a:endParaRPr lang="de-CH" sz="1400" dirty="0">
+              <a:solidFill>
+                <a:schemeClr val="tx1"/>
+              </a:solidFill>
+              <a:latin typeface="Arial" panose="020B0604020202020204" pitchFamily="34" charset="0"/>
+              <a:cs typeface="Arial" panose="020B0604020202020204" pitchFamily="34" charset="0"/>
+            </a:endParaRPr>
+          </a:p>
+        </p:txBody>
+      </p:sp>
+      <p:sp>
+        <p:nvSpPr>
+          <p:cNvPr id="35" name="Textfeld 34">
+            <a:extLst>
+              <a:ext uri="{FF2B5EF4-FFF2-40B4-BE49-F238E27FC236}">
+                <a16:creationId xmlns:a16="http://schemas.microsoft.com/office/drawing/2014/main" id="{27EF47A3-BC96-C88C-3531-1B12C8121F0A}"/>
+              </a:ext>
+            </a:extLst>
+          </p:cNvPr>
+          <p:cNvSpPr txBox="1"/>
+          <p:nvPr/>
+        </p:nvSpPr>
+        <p:spPr>
+          <a:xfrm>
+            <a:off x="4898318" y="1068919"/>
+            <a:ext cx="1430162" cy="461665"/>
+          </a:xfrm>
+          <a:prstGeom prst="rect">
+            <a:avLst/>
+          </a:prstGeom>
+          <a:noFill/>
+        </p:spPr>
+        <p:txBody>
+          <a:bodyPr wrap="square" rtlCol="0">
+            <a:spAutoFit/>
+          </a:bodyPr>
+          <a:lstStyle/>
+          <a:p>
+            <a:r>
+              <a:rPr lang="de-CH" sz="800" b="1" dirty="0">
+                <a:latin typeface="Arial" panose="020B0604020202020204" pitchFamily="34" charset="0"/>
+                <a:cs typeface="Arial" panose="020B0604020202020204" pitchFamily="34" charset="0"/>
+              </a:rPr>
+              <a:t>id...._</a:t>
+            </a:r>
+            <a:r>
+              <a:rPr lang="de-CH" sz="800" b="1" dirty="0" err="1">
+                <a:latin typeface="Arial" panose="020B0604020202020204" pitchFamily="34" charset="0"/>
+                <a:cs typeface="Arial" panose="020B0604020202020204" pitchFamily="34" charset="0"/>
+              </a:rPr>
+              <a:t>my_fctn_icon_three</a:t>
+            </a:r>
+            <a:r>
+              <a:rPr lang="de-CH" sz="800" b="1" dirty="0">
+                <a:latin typeface="Arial" panose="020B0604020202020204" pitchFamily="34" charset="0"/>
+                <a:cs typeface="Arial" panose="020B0604020202020204" pitchFamily="34" charset="0"/>
+              </a:rPr>
+              <a:t>     </a:t>
+            </a:r>
+          </a:p>
+          <a:p>
+            <a:r>
+              <a:rPr lang="de-CH" sz="800" b="1" dirty="0" err="1">
+                <a:latin typeface="Arial" panose="020B0604020202020204" pitchFamily="34" charset="0"/>
+                <a:cs typeface="Arial" panose="020B0604020202020204" pitchFamily="34" charset="0"/>
+              </a:rPr>
+              <a:t>m_style_icon_two</a:t>
+            </a:r>
+            <a:r>
+              <a:rPr lang="de-CH" sz="800" b="1" dirty="0">
+                <a:latin typeface="Arial" panose="020B0604020202020204" pitchFamily="34" charset="0"/>
+                <a:cs typeface="Arial" panose="020B0604020202020204" pitchFamily="34" charset="0"/>
+              </a:rPr>
+              <a:t> =       </a:t>
+            </a:r>
+          </a:p>
+          <a:p>
+            <a:r>
+              <a:rPr lang="de-CH" sz="800" b="1" dirty="0" err="1">
+                <a:latin typeface="Arial" panose="020B0604020202020204" pitchFamily="34" charset="0"/>
+                <a:cs typeface="Arial" panose="020B0604020202020204" pitchFamily="34" charset="0"/>
+              </a:rPr>
+              <a:t>float</a:t>
+            </a:r>
+            <a:r>
+              <a:rPr lang="de-CH" sz="800" b="1" dirty="0">
+                <a:latin typeface="Arial" panose="020B0604020202020204" pitchFamily="34" charset="0"/>
+                <a:cs typeface="Arial" panose="020B0604020202020204" pitchFamily="34" charset="0"/>
+              </a:rPr>
+              <a:t> : </a:t>
+            </a:r>
+            <a:r>
+              <a:rPr lang="de-CH" sz="800" b="1" dirty="0" err="1">
+                <a:latin typeface="Arial" panose="020B0604020202020204" pitchFamily="34" charset="0"/>
+                <a:cs typeface="Arial" panose="020B0604020202020204" pitchFamily="34" charset="0"/>
+              </a:rPr>
+              <a:t>right</a:t>
+            </a:r>
+            <a:endParaRPr lang="de-CH" sz="800" b="1" dirty="0">
+              <a:latin typeface="Arial" panose="020B0604020202020204" pitchFamily="34" charset="0"/>
+              <a:cs typeface="Arial" panose="020B0604020202020204" pitchFamily="34" charset="0"/>
+            </a:endParaRPr>
+          </a:p>
+        </p:txBody>
+      </p:sp>
+      <p:sp>
+        <p:nvSpPr>
+          <p:cNvPr id="36" name="Rechteck 35">
+            <a:extLst>
+              <a:ext uri="{FF2B5EF4-FFF2-40B4-BE49-F238E27FC236}">
+                <a16:creationId xmlns:a16="http://schemas.microsoft.com/office/drawing/2014/main" id="{CA364329-B046-6DDC-B91B-E4DDFD0F0B49}"/>
+              </a:ext>
+            </a:extLst>
+          </p:cNvPr>
+          <p:cNvSpPr/>
+          <p:nvPr/>
+        </p:nvSpPr>
+        <p:spPr>
+          <a:xfrm>
+            <a:off x="3484032" y="978137"/>
+            <a:ext cx="1285529" cy="1236027"/>
+          </a:xfrm>
+          <a:prstGeom prst="rect">
+            <a:avLst/>
+          </a:prstGeom>
+          <a:noFill/>
+          <a:ln>
+            <a:solidFill>
+              <a:schemeClr val="tx1"/>
+            </a:solidFill>
+          </a:ln>
+        </p:spPr>
+        <p:style>
+          <a:lnRef idx="2">
+            <a:schemeClr val="accent1">
+              <a:shade val="50000"/>
+            </a:schemeClr>
+          </a:lnRef>
+          <a:fillRef idx="1">
+            <a:schemeClr val="accent1"/>
+          </a:fillRef>
+          <a:effectRef idx="0">
+            <a:schemeClr val="accent1"/>
+          </a:effectRef>
+          <a:fontRef idx="minor">
+            <a:schemeClr val="lt1"/>
+          </a:fontRef>
+        </p:style>
+        <p:txBody>
+          <a:bodyPr rtlCol="0" anchor="ctr"/>
+          <a:lstStyle/>
+          <a:p>
+            <a:pPr algn="ctr"/>
+            <a:endParaRPr lang="de-CH" sz="1400" dirty="0">
+              <a:solidFill>
+                <a:schemeClr val="tx1"/>
+              </a:solidFill>
+              <a:latin typeface="Arial" panose="020B0604020202020204" pitchFamily="34" charset="0"/>
+              <a:cs typeface="Arial" panose="020B0604020202020204" pitchFamily="34" charset="0"/>
+            </a:endParaRPr>
+          </a:p>
+        </p:txBody>
+      </p:sp>
+      <p:sp>
+        <p:nvSpPr>
+          <p:cNvPr id="37" name="Textfeld 36">
+            <a:extLst>
+              <a:ext uri="{FF2B5EF4-FFF2-40B4-BE49-F238E27FC236}">
+                <a16:creationId xmlns:a16="http://schemas.microsoft.com/office/drawing/2014/main" id="{F75E0A49-7F9E-4953-3EC2-0A7CCA7E598B}"/>
+              </a:ext>
+            </a:extLst>
+          </p:cNvPr>
+          <p:cNvSpPr txBox="1"/>
+          <p:nvPr/>
+        </p:nvSpPr>
+        <p:spPr>
+          <a:xfrm>
+            <a:off x="3468156" y="1068919"/>
+            <a:ext cx="1430162" cy="461665"/>
+          </a:xfrm>
+          <a:prstGeom prst="rect">
+            <a:avLst/>
+          </a:prstGeom>
+          <a:noFill/>
+        </p:spPr>
+        <p:txBody>
+          <a:bodyPr wrap="square" rtlCol="0">
+            <a:spAutoFit/>
+          </a:bodyPr>
+          <a:lstStyle/>
+          <a:p>
+            <a:r>
+              <a:rPr lang="de-CH" sz="800" b="1" dirty="0">
+                <a:latin typeface="Arial" panose="020B0604020202020204" pitchFamily="34" charset="0"/>
+                <a:cs typeface="Arial" panose="020B0604020202020204" pitchFamily="34" charset="0"/>
+              </a:rPr>
+              <a:t>id...._</a:t>
+            </a:r>
+            <a:r>
+              <a:rPr lang="de-CH" sz="800" b="1" dirty="0" err="1">
+                <a:latin typeface="Arial" panose="020B0604020202020204" pitchFamily="34" charset="0"/>
+                <a:cs typeface="Arial" panose="020B0604020202020204" pitchFamily="34" charset="0"/>
+              </a:rPr>
+              <a:t>my_fctn_icon_four</a:t>
+            </a:r>
+            <a:r>
+              <a:rPr lang="de-CH" sz="800" b="1" dirty="0">
+                <a:latin typeface="Arial" panose="020B0604020202020204" pitchFamily="34" charset="0"/>
+                <a:cs typeface="Arial" panose="020B0604020202020204" pitchFamily="34" charset="0"/>
+              </a:rPr>
+              <a:t>     </a:t>
+            </a:r>
+          </a:p>
+          <a:p>
+            <a:r>
+              <a:rPr lang="de-CH" sz="800" b="1" dirty="0" err="1">
+                <a:latin typeface="Arial" panose="020B0604020202020204" pitchFamily="34" charset="0"/>
+                <a:cs typeface="Arial" panose="020B0604020202020204" pitchFamily="34" charset="0"/>
+              </a:rPr>
+              <a:t>m_style_icon_one</a:t>
+            </a:r>
+            <a:r>
+              <a:rPr lang="de-CH" sz="800" b="1" dirty="0">
+                <a:latin typeface="Arial" panose="020B0604020202020204" pitchFamily="34" charset="0"/>
+                <a:cs typeface="Arial" panose="020B0604020202020204" pitchFamily="34" charset="0"/>
+              </a:rPr>
+              <a:t>  =      </a:t>
+            </a:r>
+          </a:p>
+          <a:p>
+            <a:r>
+              <a:rPr lang="de-CH" sz="800" b="1" dirty="0" err="1">
+                <a:latin typeface="Arial" panose="020B0604020202020204" pitchFamily="34" charset="0"/>
+                <a:cs typeface="Arial" panose="020B0604020202020204" pitchFamily="34" charset="0"/>
+              </a:rPr>
+              <a:t>float</a:t>
+            </a:r>
+            <a:r>
+              <a:rPr lang="de-CH" sz="800" b="1" dirty="0">
+                <a:latin typeface="Arial" panose="020B0604020202020204" pitchFamily="34" charset="0"/>
+                <a:cs typeface="Arial" panose="020B0604020202020204" pitchFamily="34" charset="0"/>
+              </a:rPr>
+              <a:t>: </a:t>
+            </a:r>
+            <a:r>
+              <a:rPr lang="de-CH" sz="800" b="1" dirty="0" err="1">
+                <a:latin typeface="Arial" panose="020B0604020202020204" pitchFamily="34" charset="0"/>
+                <a:cs typeface="Arial" panose="020B0604020202020204" pitchFamily="34" charset="0"/>
+              </a:rPr>
+              <a:t>right</a:t>
+            </a:r>
+            <a:endParaRPr lang="de-CH" sz="800" b="1" dirty="0">
+              <a:latin typeface="Arial" panose="020B0604020202020204" pitchFamily="34" charset="0"/>
+              <a:cs typeface="Arial" panose="020B0604020202020204" pitchFamily="34" charset="0"/>
+            </a:endParaRPr>
+          </a:p>
+        </p:txBody>
+      </p:sp>
+      <p:sp>
+        <p:nvSpPr>
+          <p:cNvPr id="38" name="Rechteck 37">
+            <a:extLst>
+              <a:ext uri="{FF2B5EF4-FFF2-40B4-BE49-F238E27FC236}">
+                <a16:creationId xmlns:a16="http://schemas.microsoft.com/office/drawing/2014/main" id="{ACCE2B6A-3B65-6204-02A4-3052EE15258B}"/>
+              </a:ext>
+            </a:extLst>
+          </p:cNvPr>
+          <p:cNvSpPr/>
+          <p:nvPr/>
+        </p:nvSpPr>
+        <p:spPr>
+          <a:xfrm>
+            <a:off x="1754012" y="2433651"/>
+            <a:ext cx="7483122" cy="2161149"/>
+          </a:xfrm>
+          <a:prstGeom prst="rect">
+            <a:avLst/>
+          </a:prstGeom>
+          <a:noFill/>
+          <a:ln>
+            <a:solidFill>
+              <a:schemeClr val="tx1"/>
+            </a:solidFill>
+          </a:ln>
+        </p:spPr>
+        <p:style>
+          <a:lnRef idx="2">
+            <a:schemeClr val="accent1">
+              <a:shade val="50000"/>
+            </a:schemeClr>
+          </a:lnRef>
+          <a:fillRef idx="1">
+            <a:schemeClr val="accent1"/>
+          </a:fillRef>
+          <a:effectRef idx="0">
+            <a:schemeClr val="accent1"/>
+          </a:effectRef>
+          <a:fontRef idx="minor">
+            <a:schemeClr val="lt1"/>
+          </a:fontRef>
+        </p:style>
+        <p:txBody>
+          <a:bodyPr rtlCol="0" anchor="ctr"/>
+          <a:lstStyle/>
+          <a:p>
+            <a:pPr algn="ctr"/>
+            <a:endParaRPr lang="de-CH" sz="1400" dirty="0">
+              <a:solidFill>
+                <a:schemeClr val="tx1"/>
+              </a:solidFill>
+              <a:latin typeface="Arial" panose="020B0604020202020204" pitchFamily="34" charset="0"/>
+              <a:cs typeface="Arial" panose="020B0604020202020204" pitchFamily="34" charset="0"/>
+            </a:endParaRPr>
+          </a:p>
+        </p:txBody>
+      </p:sp>
+      <p:sp>
+        <p:nvSpPr>
+          <p:cNvPr id="39" name="Textfeld 38">
+            <a:extLst>
+              <a:ext uri="{FF2B5EF4-FFF2-40B4-BE49-F238E27FC236}">
+                <a16:creationId xmlns:a16="http://schemas.microsoft.com/office/drawing/2014/main" id="{7D267488-497D-B136-09CF-A41D72C2F776}"/>
+              </a:ext>
+            </a:extLst>
+          </p:cNvPr>
+          <p:cNvSpPr txBox="1"/>
+          <p:nvPr/>
+        </p:nvSpPr>
+        <p:spPr>
+          <a:xfrm>
+            <a:off x="1766709" y="2470559"/>
+            <a:ext cx="4833055" cy="215444"/>
+          </a:xfrm>
+          <a:prstGeom prst="rect">
+            <a:avLst/>
+          </a:prstGeom>
+          <a:noFill/>
+        </p:spPr>
+        <p:txBody>
+          <a:bodyPr wrap="square" rtlCol="0">
+            <a:spAutoFit/>
+          </a:bodyPr>
+          <a:lstStyle/>
+          <a:p>
+            <a:r>
+              <a:rPr lang="de-CH" sz="800" b="1" dirty="0" err="1">
+                <a:latin typeface="Arial" panose="020B0604020202020204" pitchFamily="34" charset="0"/>
+                <a:cs typeface="Arial" panose="020B0604020202020204" pitchFamily="34" charset="0"/>
+              </a:rPr>
+              <a:t>id_div_display_image_picture_my</a:t>
+            </a:r>
+            <a:r>
+              <a:rPr lang="de-CH" sz="800" b="1" err="1">
+                <a:latin typeface="Arial" panose="020B0604020202020204" pitchFamily="34" charset="0"/>
+                <a:cs typeface="Arial" panose="020B0604020202020204" pitchFamily="34" charset="0"/>
+              </a:rPr>
+              <a:t>_</a:t>
+            </a:r>
+            <a:r>
+              <a:rPr lang="de-CH" sz="800" b="1">
+                <a:latin typeface="Arial" panose="020B0604020202020204" pitchFamily="34" charset="0"/>
+                <a:cs typeface="Arial" panose="020B0604020202020204" pitchFamily="34" charset="0"/>
+              </a:rPr>
+              <a:t>fctn      </a:t>
+            </a:r>
+            <a:r>
+              <a:rPr lang="de-CH" sz="800" b="1" dirty="0" err="1">
+                <a:latin typeface="Arial" panose="020B0604020202020204" pitchFamily="34" charset="0"/>
+                <a:cs typeface="Arial" panose="020B0604020202020204" pitchFamily="34" charset="0"/>
+              </a:rPr>
+              <a:t>m_style_picture</a:t>
+            </a:r>
+            <a:r>
+              <a:rPr lang="de-CH" sz="800" b="1" dirty="0">
+                <a:latin typeface="Arial" panose="020B0604020202020204" pitchFamily="34" charset="0"/>
+                <a:cs typeface="Arial" panose="020B0604020202020204" pitchFamily="34" charset="0"/>
+              </a:rPr>
+              <a:t> =        </a:t>
+            </a:r>
+            <a:r>
+              <a:rPr lang="de-CH" sz="800" b="1" dirty="0" err="1">
+                <a:latin typeface="Arial" panose="020B0604020202020204" pitchFamily="34" charset="0"/>
+                <a:cs typeface="Arial" panose="020B0604020202020204" pitchFamily="34" charset="0"/>
+              </a:rPr>
+              <a:t>clear</a:t>
+            </a:r>
+            <a:r>
+              <a:rPr lang="de-CH" sz="800" b="1" dirty="0">
+                <a:latin typeface="Arial" panose="020B0604020202020204" pitchFamily="34" charset="0"/>
+                <a:cs typeface="Arial" panose="020B0604020202020204" pitchFamily="34" charset="0"/>
+              </a:rPr>
+              <a:t>: </a:t>
+            </a:r>
+            <a:r>
+              <a:rPr lang="de-CH" sz="800" b="1" dirty="0" err="1">
+                <a:latin typeface="Arial" panose="020B0604020202020204" pitchFamily="34" charset="0"/>
+                <a:cs typeface="Arial" panose="020B0604020202020204" pitchFamily="34" charset="0"/>
+              </a:rPr>
+              <a:t>both</a:t>
+            </a:r>
+            <a:endParaRPr lang="de-CH" sz="800" b="1" dirty="0">
+              <a:latin typeface="Arial" panose="020B0604020202020204" pitchFamily="34" charset="0"/>
+              <a:cs typeface="Arial" panose="020B0604020202020204" pitchFamily="34" charset="0"/>
+            </a:endParaRPr>
+          </a:p>
+        </p:txBody>
+      </p:sp>
+      <p:sp>
+        <p:nvSpPr>
+          <p:cNvPr id="40" name="Rechteck 39">
+            <a:extLst>
+              <a:ext uri="{FF2B5EF4-FFF2-40B4-BE49-F238E27FC236}">
+                <a16:creationId xmlns:a16="http://schemas.microsoft.com/office/drawing/2014/main" id="{47DCD6AB-40CD-FAB9-2D07-A379EEDAF8B8}"/>
+              </a:ext>
+            </a:extLst>
+          </p:cNvPr>
+          <p:cNvSpPr/>
+          <p:nvPr/>
+        </p:nvSpPr>
+        <p:spPr>
+          <a:xfrm>
+            <a:off x="2103251" y="5098613"/>
+            <a:ext cx="2880915" cy="358604"/>
+          </a:xfrm>
+          <a:prstGeom prst="rect">
+            <a:avLst/>
+          </a:prstGeom>
+          <a:noFill/>
+          <a:ln>
+            <a:solidFill>
+              <a:schemeClr val="tx1"/>
+            </a:solidFill>
+          </a:ln>
+        </p:spPr>
+        <p:style>
+          <a:lnRef idx="2">
+            <a:schemeClr val="accent1">
+              <a:shade val="50000"/>
+            </a:schemeClr>
+          </a:lnRef>
+          <a:fillRef idx="1">
+            <a:schemeClr val="accent1"/>
+          </a:fillRef>
+          <a:effectRef idx="0">
+            <a:schemeClr val="accent1"/>
+          </a:effectRef>
+          <a:fontRef idx="minor">
+            <a:schemeClr val="lt1"/>
+          </a:fontRef>
+        </p:style>
+        <p:txBody>
+          <a:bodyPr rtlCol="0" anchor="ctr"/>
+          <a:lstStyle/>
+          <a:p>
+            <a:pPr algn="ctr"/>
+            <a:endParaRPr lang="de-CH" sz="1400" dirty="0">
+              <a:solidFill>
+                <a:schemeClr val="tx1"/>
+              </a:solidFill>
+              <a:latin typeface="Arial" panose="020B0604020202020204" pitchFamily="34" charset="0"/>
+              <a:cs typeface="Arial" panose="020B0604020202020204" pitchFamily="34" charset="0"/>
+            </a:endParaRPr>
+          </a:p>
+        </p:txBody>
+      </p:sp>
+      <p:sp>
+        <p:nvSpPr>
+          <p:cNvPr id="41" name="Textfeld 40">
+            <a:extLst>
+              <a:ext uri="{FF2B5EF4-FFF2-40B4-BE49-F238E27FC236}">
+                <a16:creationId xmlns:a16="http://schemas.microsoft.com/office/drawing/2014/main" id="{435D7DFC-CC4D-740A-CADD-1E8E8EB9C391}"/>
+              </a:ext>
+            </a:extLst>
+          </p:cNvPr>
+          <p:cNvSpPr txBox="1"/>
+          <p:nvPr/>
+        </p:nvSpPr>
+        <p:spPr>
+          <a:xfrm>
+            <a:off x="2103251" y="5098613"/>
+            <a:ext cx="2119573" cy="338554"/>
+          </a:xfrm>
+          <a:prstGeom prst="rect">
+            <a:avLst/>
+          </a:prstGeom>
+          <a:noFill/>
+        </p:spPr>
+        <p:txBody>
+          <a:bodyPr wrap="square" rtlCol="0">
+            <a:spAutoFit/>
+          </a:bodyPr>
+          <a:lstStyle/>
+          <a:p>
+            <a:r>
+              <a:rPr lang="de-CH" sz="800" b="1" dirty="0" err="1">
+                <a:latin typeface="Arial" panose="020B0604020202020204" pitchFamily="34" charset="0"/>
+                <a:cs typeface="Arial" panose="020B0604020202020204" pitchFamily="34" charset="0"/>
+              </a:rPr>
+              <a:t>id_div_text_one_my_function</a:t>
+            </a:r>
+            <a:endParaRPr lang="de-CH" sz="800" b="1" dirty="0">
+              <a:latin typeface="Arial" panose="020B0604020202020204" pitchFamily="34" charset="0"/>
+              <a:cs typeface="Arial" panose="020B0604020202020204" pitchFamily="34" charset="0"/>
+            </a:endParaRPr>
+          </a:p>
+          <a:p>
+            <a:r>
+              <a:rPr lang="de-CH" sz="800" b="1" dirty="0" err="1">
+                <a:latin typeface="Arial" panose="020B0604020202020204" pitchFamily="34" charset="0"/>
+                <a:cs typeface="Arial" panose="020B0604020202020204" pitchFamily="34" charset="0"/>
+              </a:rPr>
+              <a:t>m_style_text_one</a:t>
+            </a:r>
+            <a:r>
+              <a:rPr lang="de-CH" sz="800" b="1" dirty="0">
+                <a:latin typeface="Arial" panose="020B0604020202020204" pitchFamily="34" charset="0"/>
+                <a:cs typeface="Arial" panose="020B0604020202020204" pitchFamily="34" charset="0"/>
+              </a:rPr>
+              <a:t> = </a:t>
+            </a:r>
+            <a:r>
+              <a:rPr lang="de-CH" sz="800" b="1" dirty="0" err="1">
+                <a:latin typeface="Arial" panose="020B0604020202020204" pitchFamily="34" charset="0"/>
+                <a:cs typeface="Arial" panose="020B0604020202020204" pitchFamily="34" charset="0"/>
+              </a:rPr>
+              <a:t>float</a:t>
+            </a:r>
+            <a:r>
+              <a:rPr lang="de-CH" sz="800" b="1" dirty="0">
+                <a:latin typeface="Arial" panose="020B0604020202020204" pitchFamily="34" charset="0"/>
+                <a:cs typeface="Arial" panose="020B0604020202020204" pitchFamily="34" charset="0"/>
+              </a:rPr>
+              <a:t>: </a:t>
+            </a:r>
+            <a:r>
+              <a:rPr lang="de-CH" sz="800" b="1" dirty="0" err="1">
+                <a:latin typeface="Arial" panose="020B0604020202020204" pitchFamily="34" charset="0"/>
+                <a:cs typeface="Arial" panose="020B0604020202020204" pitchFamily="34" charset="0"/>
+              </a:rPr>
+              <a:t>left</a:t>
+            </a:r>
+            <a:endParaRPr lang="de-CH" sz="800" b="1" dirty="0">
+              <a:latin typeface="Arial" panose="020B0604020202020204" pitchFamily="34" charset="0"/>
+              <a:cs typeface="Arial" panose="020B0604020202020204" pitchFamily="34" charset="0"/>
+            </a:endParaRPr>
+          </a:p>
+        </p:txBody>
+      </p:sp>
+      <p:sp>
+        <p:nvSpPr>
+          <p:cNvPr id="42" name="Rechteck 41">
+            <a:extLst>
+              <a:ext uri="{FF2B5EF4-FFF2-40B4-BE49-F238E27FC236}">
+                <a16:creationId xmlns:a16="http://schemas.microsoft.com/office/drawing/2014/main" id="{CF981929-DCDB-BB3F-568C-B7B74B479B0F}"/>
+              </a:ext>
+            </a:extLst>
+          </p:cNvPr>
+          <p:cNvSpPr/>
+          <p:nvPr/>
+        </p:nvSpPr>
+        <p:spPr>
+          <a:xfrm>
+            <a:off x="6127922" y="5096994"/>
+            <a:ext cx="2880915" cy="360223"/>
+          </a:xfrm>
+          <a:prstGeom prst="rect">
+            <a:avLst/>
+          </a:prstGeom>
+          <a:noFill/>
+          <a:ln>
+            <a:solidFill>
+              <a:schemeClr val="tx1"/>
+            </a:solidFill>
+          </a:ln>
+        </p:spPr>
+        <p:style>
+          <a:lnRef idx="2">
+            <a:schemeClr val="accent1">
+              <a:shade val="50000"/>
+            </a:schemeClr>
+          </a:lnRef>
+          <a:fillRef idx="1">
+            <a:schemeClr val="accent1"/>
+          </a:fillRef>
+          <a:effectRef idx="0">
+            <a:schemeClr val="accent1"/>
+          </a:effectRef>
+          <a:fontRef idx="minor">
+            <a:schemeClr val="lt1"/>
+          </a:fontRef>
+        </p:style>
+        <p:txBody>
+          <a:bodyPr rtlCol="0" anchor="ctr"/>
+          <a:lstStyle/>
+          <a:p>
+            <a:pPr algn="ctr"/>
+            <a:endParaRPr lang="de-CH" sz="1400" dirty="0">
+              <a:solidFill>
+                <a:schemeClr val="tx1"/>
+              </a:solidFill>
+              <a:latin typeface="Arial" panose="020B0604020202020204" pitchFamily="34" charset="0"/>
+              <a:cs typeface="Arial" panose="020B0604020202020204" pitchFamily="34" charset="0"/>
+            </a:endParaRPr>
+          </a:p>
+        </p:txBody>
+      </p:sp>
+      <p:sp>
+        <p:nvSpPr>
+          <p:cNvPr id="43" name="Textfeld 42">
+            <a:extLst>
+              <a:ext uri="{FF2B5EF4-FFF2-40B4-BE49-F238E27FC236}">
+                <a16:creationId xmlns:a16="http://schemas.microsoft.com/office/drawing/2014/main" id="{E4266AF1-77F7-6A2D-5124-285720295A8A}"/>
+              </a:ext>
+            </a:extLst>
+          </p:cNvPr>
+          <p:cNvSpPr txBox="1"/>
+          <p:nvPr/>
+        </p:nvSpPr>
+        <p:spPr>
+          <a:xfrm>
+            <a:off x="6127922" y="5096994"/>
+            <a:ext cx="2119573" cy="338554"/>
+          </a:xfrm>
+          <a:prstGeom prst="rect">
+            <a:avLst/>
+          </a:prstGeom>
+          <a:noFill/>
+        </p:spPr>
+        <p:txBody>
+          <a:bodyPr wrap="square" rtlCol="0">
+            <a:spAutoFit/>
+          </a:bodyPr>
+          <a:lstStyle/>
+          <a:p>
+            <a:r>
+              <a:rPr lang="de-CH" sz="800" b="1" dirty="0" err="1">
+                <a:latin typeface="Arial" panose="020B0604020202020204" pitchFamily="34" charset="0"/>
+                <a:cs typeface="Arial" panose="020B0604020202020204" pitchFamily="34" charset="0"/>
+              </a:rPr>
+              <a:t>id_div_text_two_my_function</a:t>
+            </a:r>
+            <a:endParaRPr lang="de-CH" sz="800" b="1" dirty="0">
+              <a:latin typeface="Arial" panose="020B0604020202020204" pitchFamily="34" charset="0"/>
+              <a:cs typeface="Arial" panose="020B0604020202020204" pitchFamily="34" charset="0"/>
+            </a:endParaRPr>
+          </a:p>
+          <a:p>
+            <a:r>
+              <a:rPr lang="de-CH" sz="800" b="1" dirty="0" err="1">
+                <a:latin typeface="Arial" panose="020B0604020202020204" pitchFamily="34" charset="0"/>
+                <a:cs typeface="Arial" panose="020B0604020202020204" pitchFamily="34" charset="0"/>
+              </a:rPr>
+              <a:t>m_style_text_two</a:t>
+            </a:r>
+            <a:r>
+              <a:rPr lang="de-CH" sz="800" b="1" dirty="0">
+                <a:latin typeface="Arial" panose="020B0604020202020204" pitchFamily="34" charset="0"/>
+                <a:cs typeface="Arial" panose="020B0604020202020204" pitchFamily="34" charset="0"/>
+              </a:rPr>
+              <a:t> = </a:t>
+            </a:r>
+            <a:r>
+              <a:rPr lang="de-CH" sz="800" b="1" dirty="0" err="1">
+                <a:latin typeface="Arial" panose="020B0604020202020204" pitchFamily="34" charset="0"/>
+                <a:cs typeface="Arial" panose="020B0604020202020204" pitchFamily="34" charset="0"/>
+              </a:rPr>
+              <a:t>float</a:t>
+            </a:r>
+            <a:r>
+              <a:rPr lang="de-CH" sz="800" b="1" dirty="0">
+                <a:latin typeface="Arial" panose="020B0604020202020204" pitchFamily="34" charset="0"/>
+                <a:cs typeface="Arial" panose="020B0604020202020204" pitchFamily="34" charset="0"/>
+              </a:rPr>
+              <a:t>: </a:t>
+            </a:r>
+            <a:r>
+              <a:rPr lang="de-CH" sz="800" b="1" dirty="0" err="1">
+                <a:latin typeface="Arial" panose="020B0604020202020204" pitchFamily="34" charset="0"/>
+                <a:cs typeface="Arial" panose="020B0604020202020204" pitchFamily="34" charset="0"/>
+              </a:rPr>
+              <a:t>right</a:t>
+            </a:r>
+            <a:endParaRPr lang="de-CH" sz="800" b="1" dirty="0">
+              <a:latin typeface="Arial" panose="020B0604020202020204" pitchFamily="34" charset="0"/>
+              <a:cs typeface="Arial" panose="020B0604020202020204" pitchFamily="34" charset="0"/>
+            </a:endParaRPr>
+          </a:p>
+        </p:txBody>
+      </p:sp>
+      <p:sp>
+        <p:nvSpPr>
+          <p:cNvPr id="44" name="Rechteck 43">
+            <a:extLst>
+              <a:ext uri="{FF2B5EF4-FFF2-40B4-BE49-F238E27FC236}">
+                <a16:creationId xmlns:a16="http://schemas.microsoft.com/office/drawing/2014/main" id="{B7B90A4E-BD3A-9D2F-009B-11A663BB5DA8}"/>
+              </a:ext>
+            </a:extLst>
+          </p:cNvPr>
+          <p:cNvSpPr/>
+          <p:nvPr/>
+        </p:nvSpPr>
+        <p:spPr>
+          <a:xfrm>
+            <a:off x="1989204" y="5790453"/>
+            <a:ext cx="6960063" cy="338554"/>
+          </a:xfrm>
+          <a:prstGeom prst="rect">
+            <a:avLst/>
+          </a:prstGeom>
+          <a:noFill/>
+          <a:ln>
+            <a:solidFill>
+              <a:schemeClr val="tx1"/>
+            </a:solidFill>
+          </a:ln>
+        </p:spPr>
+        <p:style>
+          <a:lnRef idx="2">
+            <a:schemeClr val="accent1">
+              <a:shade val="50000"/>
+            </a:schemeClr>
+          </a:lnRef>
+          <a:fillRef idx="1">
+            <a:schemeClr val="accent1"/>
+          </a:fillRef>
+          <a:effectRef idx="0">
+            <a:schemeClr val="accent1"/>
+          </a:effectRef>
+          <a:fontRef idx="minor">
+            <a:schemeClr val="lt1"/>
+          </a:fontRef>
+        </p:style>
+        <p:txBody>
+          <a:bodyPr rtlCol="0" anchor="ctr"/>
+          <a:lstStyle/>
+          <a:p>
+            <a:pPr algn="ctr"/>
+            <a:endParaRPr lang="de-CH" sz="1400" dirty="0">
+              <a:solidFill>
+                <a:schemeClr val="tx1"/>
+              </a:solidFill>
+              <a:latin typeface="Arial" panose="020B0604020202020204" pitchFamily="34" charset="0"/>
+              <a:cs typeface="Arial" panose="020B0604020202020204" pitchFamily="34" charset="0"/>
+            </a:endParaRPr>
+          </a:p>
+        </p:txBody>
+      </p:sp>
+      <p:sp>
+        <p:nvSpPr>
+          <p:cNvPr id="45" name="Textfeld 44">
+            <a:extLst>
+              <a:ext uri="{FF2B5EF4-FFF2-40B4-BE49-F238E27FC236}">
+                <a16:creationId xmlns:a16="http://schemas.microsoft.com/office/drawing/2014/main" id="{62B73059-F55B-7F78-F05A-032D4A3864FA}"/>
+              </a:ext>
+            </a:extLst>
+          </p:cNvPr>
+          <p:cNvSpPr txBox="1"/>
+          <p:nvPr/>
+        </p:nvSpPr>
+        <p:spPr>
+          <a:xfrm>
+            <a:off x="1973504" y="5751177"/>
+            <a:ext cx="2119573" cy="338554"/>
+          </a:xfrm>
+          <a:prstGeom prst="rect">
+            <a:avLst/>
+          </a:prstGeom>
+          <a:noFill/>
+        </p:spPr>
+        <p:txBody>
+          <a:bodyPr wrap="square" rtlCol="0">
+            <a:spAutoFit/>
+          </a:bodyPr>
+          <a:lstStyle/>
+          <a:p>
+            <a:r>
+              <a:rPr lang="de-CH" sz="800" b="1" dirty="0" err="1">
+                <a:latin typeface="Arial" panose="020B0604020202020204" pitchFamily="34" charset="0"/>
+                <a:cs typeface="Arial" panose="020B0604020202020204" pitchFamily="34" charset="0"/>
+              </a:rPr>
+              <a:t>id_div_text_three_my_function</a:t>
+            </a:r>
+            <a:endParaRPr lang="de-CH" sz="800" b="1" dirty="0">
+              <a:latin typeface="Arial" panose="020B0604020202020204" pitchFamily="34" charset="0"/>
+              <a:cs typeface="Arial" panose="020B0604020202020204" pitchFamily="34" charset="0"/>
+            </a:endParaRPr>
+          </a:p>
+          <a:p>
+            <a:r>
+              <a:rPr lang="de-CH" sz="800" b="1" dirty="0" err="1">
+                <a:latin typeface="Arial" panose="020B0604020202020204" pitchFamily="34" charset="0"/>
+                <a:cs typeface="Arial" panose="020B0604020202020204" pitchFamily="34" charset="0"/>
+              </a:rPr>
+              <a:t>m_style_text_three</a:t>
+            </a:r>
+            <a:r>
+              <a:rPr lang="de-CH" sz="800" b="1" dirty="0">
+                <a:latin typeface="Arial" panose="020B0604020202020204" pitchFamily="34" charset="0"/>
+                <a:cs typeface="Arial" panose="020B0604020202020204" pitchFamily="34" charset="0"/>
+              </a:rPr>
+              <a:t> = </a:t>
+            </a:r>
+            <a:r>
+              <a:rPr lang="de-CH" sz="800" b="1" dirty="0" err="1">
+                <a:latin typeface="Arial" panose="020B0604020202020204" pitchFamily="34" charset="0"/>
+                <a:cs typeface="Arial" panose="020B0604020202020204" pitchFamily="34" charset="0"/>
+              </a:rPr>
+              <a:t>clear</a:t>
+            </a:r>
+            <a:r>
+              <a:rPr lang="de-CH" sz="800" b="1" dirty="0">
+                <a:latin typeface="Arial" panose="020B0604020202020204" pitchFamily="34" charset="0"/>
+                <a:cs typeface="Arial" panose="020B0604020202020204" pitchFamily="34" charset="0"/>
+              </a:rPr>
+              <a:t>: </a:t>
+            </a:r>
+            <a:r>
+              <a:rPr lang="de-CH" sz="800" b="1" dirty="0" err="1">
+                <a:latin typeface="Arial" panose="020B0604020202020204" pitchFamily="34" charset="0"/>
+                <a:cs typeface="Arial" panose="020B0604020202020204" pitchFamily="34" charset="0"/>
+              </a:rPr>
+              <a:t>both</a:t>
+            </a:r>
+            <a:endParaRPr lang="de-CH" sz="800" b="1" dirty="0">
+              <a:latin typeface="Arial" panose="020B0604020202020204" pitchFamily="34" charset="0"/>
+              <a:cs typeface="Arial" panose="020B0604020202020204" pitchFamily="34" charset="0"/>
+            </a:endParaRPr>
+          </a:p>
+        </p:txBody>
+      </p:sp>
+      <p:sp>
+        <p:nvSpPr>
+          <p:cNvPr id="46" name="Rechteck 45">
+            <a:extLst>
+              <a:ext uri="{FF2B5EF4-FFF2-40B4-BE49-F238E27FC236}">
+                <a16:creationId xmlns:a16="http://schemas.microsoft.com/office/drawing/2014/main" id="{5C8D3E49-4951-3A5C-2AAE-65AE86921537}"/>
+              </a:ext>
+            </a:extLst>
+          </p:cNvPr>
+          <p:cNvSpPr/>
+          <p:nvPr/>
+        </p:nvSpPr>
+        <p:spPr>
+          <a:xfrm>
+            <a:off x="1973504" y="4911567"/>
+            <a:ext cx="7088658" cy="571307"/>
+          </a:xfrm>
+          <a:prstGeom prst="rect">
+            <a:avLst/>
+          </a:prstGeom>
+          <a:noFill/>
+          <a:ln>
+            <a:solidFill>
+              <a:schemeClr val="tx1"/>
+            </a:solidFill>
+          </a:ln>
+        </p:spPr>
+        <p:style>
+          <a:lnRef idx="2">
+            <a:schemeClr val="accent1">
+              <a:shade val="50000"/>
+            </a:schemeClr>
+          </a:lnRef>
+          <a:fillRef idx="1">
+            <a:schemeClr val="accent1"/>
+          </a:fillRef>
+          <a:effectRef idx="0">
+            <a:schemeClr val="accent1"/>
+          </a:effectRef>
+          <a:fontRef idx="minor">
+            <a:schemeClr val="lt1"/>
+          </a:fontRef>
+        </p:style>
+        <p:txBody>
+          <a:bodyPr rtlCol="0" anchor="ctr"/>
+          <a:lstStyle/>
+          <a:p>
+            <a:pPr algn="ctr"/>
+            <a:endParaRPr lang="de-CH" sz="1400" dirty="0">
+              <a:solidFill>
+                <a:schemeClr val="tx1"/>
+              </a:solidFill>
+              <a:latin typeface="Arial" panose="020B0604020202020204" pitchFamily="34" charset="0"/>
+              <a:cs typeface="Arial" panose="020B0604020202020204" pitchFamily="34" charset="0"/>
+            </a:endParaRPr>
+          </a:p>
+        </p:txBody>
+      </p:sp>
+      <p:sp>
+        <p:nvSpPr>
+          <p:cNvPr id="47" name="Textfeld 46">
+            <a:extLst>
+              <a:ext uri="{FF2B5EF4-FFF2-40B4-BE49-F238E27FC236}">
+                <a16:creationId xmlns:a16="http://schemas.microsoft.com/office/drawing/2014/main" id="{29FB3EC9-A0F6-88A7-A1CA-E7A2FA62A0F2}"/>
+              </a:ext>
+            </a:extLst>
+          </p:cNvPr>
+          <p:cNvSpPr txBox="1"/>
+          <p:nvPr/>
+        </p:nvSpPr>
+        <p:spPr>
+          <a:xfrm>
+            <a:off x="1938687" y="4882267"/>
+            <a:ext cx="4021845" cy="215444"/>
+          </a:xfrm>
+          <a:prstGeom prst="rect">
+            <a:avLst/>
+          </a:prstGeom>
+          <a:noFill/>
+        </p:spPr>
+        <p:txBody>
+          <a:bodyPr wrap="square" rtlCol="0">
+            <a:spAutoFit/>
+          </a:bodyPr>
+          <a:lstStyle/>
+          <a:p>
+            <a:r>
+              <a:rPr lang="de-CH" sz="800" b="1" dirty="0" err="1">
+                <a:latin typeface="Arial" panose="020B0604020202020204" pitchFamily="34" charset="0"/>
+                <a:cs typeface="Arial" panose="020B0604020202020204" pitchFamily="34" charset="0"/>
+              </a:rPr>
+              <a:t>id_div_group_one_text_my_function</a:t>
+            </a:r>
+            <a:r>
+              <a:rPr lang="de-CH" sz="800" b="1" dirty="0">
+                <a:latin typeface="Arial" panose="020B0604020202020204" pitchFamily="34" charset="0"/>
+                <a:cs typeface="Arial" panose="020B0604020202020204" pitchFamily="34" charset="0"/>
+              </a:rPr>
+              <a:t> </a:t>
+            </a:r>
+            <a:r>
+              <a:rPr lang="de-CH" sz="800" b="1" dirty="0" err="1">
+                <a:latin typeface="Arial" panose="020B0604020202020204" pitchFamily="34" charset="0"/>
+                <a:cs typeface="Arial" panose="020B0604020202020204" pitchFamily="34" charset="0"/>
+              </a:rPr>
+              <a:t>group_one_style_str</a:t>
+            </a:r>
+            <a:r>
+              <a:rPr lang="de-CH" sz="800" b="1" dirty="0">
+                <a:latin typeface="Arial" panose="020B0604020202020204" pitchFamily="34" charset="0"/>
+                <a:cs typeface="Arial" panose="020B0604020202020204" pitchFamily="34" charset="0"/>
+              </a:rPr>
+              <a:t>  </a:t>
+            </a:r>
+            <a:r>
+              <a:rPr lang="de-CH" sz="800" b="1" dirty="0" err="1">
+                <a:latin typeface="Arial" panose="020B0604020202020204" pitchFamily="34" charset="0"/>
+                <a:cs typeface="Arial" panose="020B0604020202020204" pitchFamily="34" charset="0"/>
+              </a:rPr>
+              <a:t>clear</a:t>
+            </a:r>
+            <a:r>
+              <a:rPr lang="de-CH" sz="800" b="1" dirty="0">
+                <a:latin typeface="Arial" panose="020B0604020202020204" pitchFamily="34" charset="0"/>
+                <a:cs typeface="Arial" panose="020B0604020202020204" pitchFamily="34" charset="0"/>
+              </a:rPr>
+              <a:t>: </a:t>
+            </a:r>
+            <a:r>
+              <a:rPr lang="de-CH" sz="800" b="1" dirty="0" err="1">
+                <a:latin typeface="Arial" panose="020B0604020202020204" pitchFamily="34" charset="0"/>
+                <a:cs typeface="Arial" panose="020B0604020202020204" pitchFamily="34" charset="0"/>
+              </a:rPr>
+              <a:t>both</a:t>
+            </a:r>
+            <a:endParaRPr lang="de-CH" sz="800" b="1" dirty="0">
+              <a:latin typeface="Arial" panose="020B0604020202020204" pitchFamily="34" charset="0"/>
+              <a:cs typeface="Arial" panose="020B0604020202020204" pitchFamily="34" charset="0"/>
+            </a:endParaRPr>
+          </a:p>
+        </p:txBody>
+      </p:sp>
+      <p:sp>
+        <p:nvSpPr>
+          <p:cNvPr id="48" name="Rechteck 47">
+            <a:extLst>
+              <a:ext uri="{FF2B5EF4-FFF2-40B4-BE49-F238E27FC236}">
+                <a16:creationId xmlns:a16="http://schemas.microsoft.com/office/drawing/2014/main" id="{7CB9BEF5-837D-EF4F-1176-38C78B6AEE74}"/>
+              </a:ext>
+            </a:extLst>
+          </p:cNvPr>
+          <p:cNvSpPr/>
+          <p:nvPr/>
+        </p:nvSpPr>
+        <p:spPr>
+          <a:xfrm>
+            <a:off x="1975944" y="5567754"/>
+            <a:ext cx="7086218" cy="1061647"/>
+          </a:xfrm>
+          <a:prstGeom prst="rect">
+            <a:avLst/>
+          </a:prstGeom>
+          <a:noFill/>
+          <a:ln>
+            <a:solidFill>
+              <a:schemeClr val="tx1"/>
+            </a:solidFill>
+          </a:ln>
+        </p:spPr>
+        <p:style>
+          <a:lnRef idx="2">
+            <a:schemeClr val="accent1">
+              <a:shade val="50000"/>
+            </a:schemeClr>
+          </a:lnRef>
+          <a:fillRef idx="1">
+            <a:schemeClr val="accent1"/>
+          </a:fillRef>
+          <a:effectRef idx="0">
+            <a:schemeClr val="accent1"/>
+          </a:effectRef>
+          <a:fontRef idx="minor">
+            <a:schemeClr val="lt1"/>
+          </a:fontRef>
+        </p:style>
+        <p:txBody>
+          <a:bodyPr rtlCol="0" anchor="ctr"/>
+          <a:lstStyle/>
+          <a:p>
+            <a:pPr algn="ctr"/>
+            <a:endParaRPr lang="de-CH" sz="1400" dirty="0">
+              <a:solidFill>
+                <a:schemeClr val="tx1"/>
+              </a:solidFill>
+              <a:latin typeface="Arial" panose="020B0604020202020204" pitchFamily="34" charset="0"/>
+              <a:cs typeface="Arial" panose="020B0604020202020204" pitchFamily="34" charset="0"/>
+            </a:endParaRPr>
+          </a:p>
+        </p:txBody>
+      </p:sp>
+      <p:sp>
+        <p:nvSpPr>
+          <p:cNvPr id="49" name="Textfeld 48">
+            <a:extLst>
+              <a:ext uri="{FF2B5EF4-FFF2-40B4-BE49-F238E27FC236}">
+                <a16:creationId xmlns:a16="http://schemas.microsoft.com/office/drawing/2014/main" id="{F5AD941B-CAF5-749F-9111-B4C41D57E1FE}"/>
+              </a:ext>
+            </a:extLst>
+          </p:cNvPr>
+          <p:cNvSpPr txBox="1"/>
+          <p:nvPr/>
+        </p:nvSpPr>
+        <p:spPr>
+          <a:xfrm>
+            <a:off x="1938687" y="5581401"/>
+            <a:ext cx="3726790" cy="215444"/>
+          </a:xfrm>
+          <a:prstGeom prst="rect">
+            <a:avLst/>
+          </a:prstGeom>
+          <a:noFill/>
+        </p:spPr>
+        <p:txBody>
+          <a:bodyPr wrap="square" rtlCol="0">
+            <a:spAutoFit/>
+          </a:bodyPr>
+          <a:lstStyle/>
+          <a:p>
+            <a:r>
+              <a:rPr lang="de-CH" sz="800" b="1" dirty="0" err="1">
+                <a:latin typeface="Arial" panose="020B0604020202020204" pitchFamily="34" charset="0"/>
+                <a:cs typeface="Arial" panose="020B0604020202020204" pitchFamily="34" charset="0"/>
+              </a:rPr>
+              <a:t>id_div_group_two_text_my_function</a:t>
+            </a:r>
+            <a:r>
+              <a:rPr lang="de-CH" sz="800" b="1" dirty="0">
+                <a:latin typeface="Arial" panose="020B0604020202020204" pitchFamily="34" charset="0"/>
+                <a:cs typeface="Arial" panose="020B0604020202020204" pitchFamily="34" charset="0"/>
+              </a:rPr>
+              <a:t> </a:t>
+            </a:r>
+            <a:r>
+              <a:rPr lang="de-CH" sz="800" b="1" dirty="0" err="1">
+                <a:latin typeface="Arial" panose="020B0604020202020204" pitchFamily="34" charset="0"/>
+                <a:cs typeface="Arial" panose="020B0604020202020204" pitchFamily="34" charset="0"/>
+              </a:rPr>
+              <a:t>group_two_style_str</a:t>
+            </a:r>
+            <a:r>
+              <a:rPr lang="de-CH" sz="800" b="1" dirty="0">
+                <a:latin typeface="Arial" panose="020B0604020202020204" pitchFamily="34" charset="0"/>
+                <a:cs typeface="Arial" panose="020B0604020202020204" pitchFamily="34" charset="0"/>
+              </a:rPr>
+              <a:t>  </a:t>
+            </a:r>
+            <a:r>
+              <a:rPr lang="de-CH" sz="800" b="1" dirty="0" err="1">
+                <a:latin typeface="Arial" panose="020B0604020202020204" pitchFamily="34" charset="0"/>
+                <a:cs typeface="Arial" panose="020B0604020202020204" pitchFamily="34" charset="0"/>
+              </a:rPr>
+              <a:t>clear</a:t>
+            </a:r>
+            <a:r>
+              <a:rPr lang="de-CH" sz="800" b="1" dirty="0">
+                <a:latin typeface="Arial" panose="020B0604020202020204" pitchFamily="34" charset="0"/>
+                <a:cs typeface="Arial" panose="020B0604020202020204" pitchFamily="34" charset="0"/>
+              </a:rPr>
+              <a:t>: </a:t>
+            </a:r>
+            <a:r>
+              <a:rPr lang="de-CH" sz="800" b="1" dirty="0" err="1">
+                <a:latin typeface="Arial" panose="020B0604020202020204" pitchFamily="34" charset="0"/>
+                <a:cs typeface="Arial" panose="020B0604020202020204" pitchFamily="34" charset="0"/>
+              </a:rPr>
+              <a:t>both</a:t>
+            </a:r>
+            <a:endParaRPr lang="de-CH" sz="800" b="1" dirty="0">
+              <a:latin typeface="Arial" panose="020B0604020202020204" pitchFamily="34" charset="0"/>
+              <a:cs typeface="Arial" panose="020B0604020202020204" pitchFamily="34" charset="0"/>
+            </a:endParaRPr>
+          </a:p>
+        </p:txBody>
+      </p:sp>
+      <p:sp>
+        <p:nvSpPr>
+          <p:cNvPr id="50" name="Rechteck 49">
+            <a:extLst>
+              <a:ext uri="{FF2B5EF4-FFF2-40B4-BE49-F238E27FC236}">
+                <a16:creationId xmlns:a16="http://schemas.microsoft.com/office/drawing/2014/main" id="{8987ED80-977E-FAF9-957E-C9E288605391}"/>
+              </a:ext>
+            </a:extLst>
+          </p:cNvPr>
+          <p:cNvSpPr/>
+          <p:nvPr/>
+        </p:nvSpPr>
+        <p:spPr>
+          <a:xfrm>
+            <a:off x="1989204" y="6174611"/>
+            <a:ext cx="6960063" cy="372893"/>
+          </a:xfrm>
+          <a:prstGeom prst="rect">
+            <a:avLst/>
+          </a:prstGeom>
+          <a:noFill/>
+          <a:ln>
+            <a:solidFill>
+              <a:schemeClr val="tx1"/>
+            </a:solidFill>
+          </a:ln>
+        </p:spPr>
+        <p:style>
+          <a:lnRef idx="2">
+            <a:schemeClr val="accent1">
+              <a:shade val="50000"/>
+            </a:schemeClr>
+          </a:lnRef>
+          <a:fillRef idx="1">
+            <a:schemeClr val="accent1"/>
+          </a:fillRef>
+          <a:effectRef idx="0">
+            <a:schemeClr val="accent1"/>
+          </a:effectRef>
+          <a:fontRef idx="minor">
+            <a:schemeClr val="lt1"/>
+          </a:fontRef>
+        </p:style>
+        <p:txBody>
+          <a:bodyPr rtlCol="0" anchor="ctr"/>
+          <a:lstStyle/>
+          <a:p>
+            <a:pPr algn="ctr"/>
+            <a:endParaRPr lang="de-CH" sz="1400" dirty="0">
+              <a:solidFill>
+                <a:schemeClr val="tx1"/>
+              </a:solidFill>
+              <a:latin typeface="Arial" panose="020B0604020202020204" pitchFamily="34" charset="0"/>
+              <a:cs typeface="Arial" panose="020B0604020202020204" pitchFamily="34" charset="0"/>
+            </a:endParaRPr>
+          </a:p>
+        </p:txBody>
+      </p:sp>
+      <p:sp>
+        <p:nvSpPr>
+          <p:cNvPr id="51" name="Textfeld 50">
+            <a:extLst>
+              <a:ext uri="{FF2B5EF4-FFF2-40B4-BE49-F238E27FC236}">
+                <a16:creationId xmlns:a16="http://schemas.microsoft.com/office/drawing/2014/main" id="{BF37A94F-4F15-C9D8-DD51-886D09EFE801}"/>
+              </a:ext>
+            </a:extLst>
+          </p:cNvPr>
+          <p:cNvSpPr txBox="1"/>
+          <p:nvPr/>
+        </p:nvSpPr>
+        <p:spPr>
+          <a:xfrm>
+            <a:off x="1989204" y="6174611"/>
+            <a:ext cx="2119573" cy="338554"/>
+          </a:xfrm>
+          <a:prstGeom prst="rect">
+            <a:avLst/>
+          </a:prstGeom>
+          <a:noFill/>
+        </p:spPr>
+        <p:txBody>
+          <a:bodyPr wrap="square" rtlCol="0">
+            <a:spAutoFit/>
+          </a:bodyPr>
+          <a:lstStyle/>
+          <a:p>
+            <a:r>
+              <a:rPr lang="de-CH" sz="800" b="1" dirty="0" err="1">
+                <a:latin typeface="Arial" panose="020B0604020202020204" pitchFamily="34" charset="0"/>
+                <a:cs typeface="Arial" panose="020B0604020202020204" pitchFamily="34" charset="0"/>
+              </a:rPr>
+              <a:t>id_div_text_four_my_function</a:t>
+            </a:r>
+            <a:endParaRPr lang="de-CH" sz="800" b="1" dirty="0">
+              <a:latin typeface="Arial" panose="020B0604020202020204" pitchFamily="34" charset="0"/>
+              <a:cs typeface="Arial" panose="020B0604020202020204" pitchFamily="34" charset="0"/>
+            </a:endParaRPr>
+          </a:p>
+          <a:p>
+            <a:r>
+              <a:rPr lang="de-CH" sz="800" b="1" dirty="0" err="1">
+                <a:latin typeface="Arial" panose="020B0604020202020204" pitchFamily="34" charset="0"/>
+                <a:cs typeface="Arial" panose="020B0604020202020204" pitchFamily="34" charset="0"/>
+              </a:rPr>
+              <a:t>m_style_text_four</a:t>
+            </a:r>
+            <a:r>
+              <a:rPr lang="de-CH" sz="800" b="1" dirty="0">
+                <a:latin typeface="Arial" panose="020B0604020202020204" pitchFamily="34" charset="0"/>
+                <a:cs typeface="Arial" panose="020B0604020202020204" pitchFamily="34" charset="0"/>
+              </a:rPr>
+              <a:t> = </a:t>
+            </a:r>
+            <a:r>
+              <a:rPr lang="de-CH" sz="800" b="1" dirty="0" err="1">
+                <a:latin typeface="Arial" panose="020B0604020202020204" pitchFamily="34" charset="0"/>
+                <a:cs typeface="Arial" panose="020B0604020202020204" pitchFamily="34" charset="0"/>
+              </a:rPr>
+              <a:t>clear</a:t>
+            </a:r>
+            <a:r>
+              <a:rPr lang="de-CH" sz="800" b="1" dirty="0">
+                <a:latin typeface="Arial" panose="020B0604020202020204" pitchFamily="34" charset="0"/>
+                <a:cs typeface="Arial" panose="020B0604020202020204" pitchFamily="34" charset="0"/>
+              </a:rPr>
+              <a:t>: </a:t>
+            </a:r>
+            <a:r>
+              <a:rPr lang="de-CH" sz="800" b="1" dirty="0" err="1">
+                <a:latin typeface="Arial" panose="020B0604020202020204" pitchFamily="34" charset="0"/>
+                <a:cs typeface="Arial" panose="020B0604020202020204" pitchFamily="34" charset="0"/>
+              </a:rPr>
+              <a:t>both</a:t>
+            </a:r>
+            <a:endParaRPr lang="de-CH" sz="800" b="1" dirty="0">
+              <a:latin typeface="Arial" panose="020B0604020202020204" pitchFamily="34" charset="0"/>
+              <a:cs typeface="Arial" panose="020B0604020202020204" pitchFamily="34" charset="0"/>
+            </a:endParaRPr>
+          </a:p>
+        </p:txBody>
+      </p:sp>
+      <p:sp>
+        <p:nvSpPr>
+          <p:cNvPr id="5" name="Rechteck 4">
+            <a:extLst>
+              <a:ext uri="{FF2B5EF4-FFF2-40B4-BE49-F238E27FC236}">
+                <a16:creationId xmlns:a16="http://schemas.microsoft.com/office/drawing/2014/main" id="{473ADB52-85E4-B560-C2DC-5CD6A9531288}"/>
+              </a:ext>
+            </a:extLst>
+          </p:cNvPr>
+          <p:cNvSpPr/>
+          <p:nvPr/>
+        </p:nvSpPr>
+        <p:spPr>
+          <a:xfrm>
+            <a:off x="1768121" y="4673323"/>
+            <a:ext cx="7483122" cy="2040746"/>
+          </a:xfrm>
+          <a:prstGeom prst="rect">
+            <a:avLst/>
+          </a:prstGeom>
+          <a:noFill/>
+          <a:ln>
+            <a:solidFill>
+              <a:schemeClr val="tx1"/>
+            </a:solidFill>
+          </a:ln>
+        </p:spPr>
+        <p:style>
+          <a:lnRef idx="2">
+            <a:schemeClr val="accent1">
+              <a:shade val="50000"/>
+            </a:schemeClr>
+          </a:lnRef>
+          <a:fillRef idx="1">
+            <a:schemeClr val="accent1"/>
+          </a:fillRef>
+          <a:effectRef idx="0">
+            <a:schemeClr val="accent1"/>
+          </a:effectRef>
+          <a:fontRef idx="minor">
+            <a:schemeClr val="lt1"/>
+          </a:fontRef>
+        </p:style>
+        <p:txBody>
+          <a:bodyPr rtlCol="0" anchor="ctr"/>
+          <a:lstStyle/>
+          <a:p>
+            <a:pPr algn="ctr"/>
+            <a:endParaRPr lang="de-CH" sz="1400" dirty="0">
+              <a:solidFill>
+                <a:schemeClr val="tx1"/>
+              </a:solidFill>
+              <a:latin typeface="Arial" panose="020B0604020202020204" pitchFamily="34" charset="0"/>
+              <a:cs typeface="Arial" panose="020B0604020202020204" pitchFamily="34" charset="0"/>
+            </a:endParaRPr>
+          </a:p>
+        </p:txBody>
+      </p:sp>
+      <p:sp>
+        <p:nvSpPr>
+          <p:cNvPr id="6" name="Textfeld 5">
+            <a:extLst>
+              <a:ext uri="{FF2B5EF4-FFF2-40B4-BE49-F238E27FC236}">
+                <a16:creationId xmlns:a16="http://schemas.microsoft.com/office/drawing/2014/main" id="{F03A84EA-1F7F-1182-4D8E-DACD526CA0B2}"/>
+              </a:ext>
+            </a:extLst>
+          </p:cNvPr>
+          <p:cNvSpPr txBox="1"/>
+          <p:nvPr/>
+        </p:nvSpPr>
+        <p:spPr>
+          <a:xfrm>
+            <a:off x="1726176" y="4673323"/>
+            <a:ext cx="4369824" cy="215444"/>
+          </a:xfrm>
+          <a:prstGeom prst="rect">
+            <a:avLst/>
+          </a:prstGeom>
+          <a:noFill/>
+        </p:spPr>
+        <p:txBody>
+          <a:bodyPr wrap="square" rtlCol="0">
+            <a:spAutoFit/>
+          </a:bodyPr>
+          <a:lstStyle/>
+          <a:p>
+            <a:r>
+              <a:rPr lang="de-CH" sz="800" b="1" dirty="0" err="1">
+                <a:latin typeface="Arial" panose="020B0604020202020204" pitchFamily="34" charset="0"/>
+                <a:cs typeface="Arial" panose="020B0604020202020204" pitchFamily="34" charset="0"/>
+              </a:rPr>
+              <a:t>id_div_group_all_texts_my_function</a:t>
+            </a:r>
+            <a:r>
+              <a:rPr lang="de-CH" sz="800" b="1" dirty="0">
+                <a:latin typeface="Arial" panose="020B0604020202020204" pitchFamily="34" charset="0"/>
+                <a:cs typeface="Arial" panose="020B0604020202020204" pitchFamily="34" charset="0"/>
+              </a:rPr>
+              <a:t>  </a:t>
+            </a:r>
+            <a:r>
+              <a:rPr lang="de-CH" sz="800" b="1" dirty="0" err="1">
+                <a:latin typeface="Arial" panose="020B0604020202020204" pitchFamily="34" charset="0"/>
+                <a:cs typeface="Arial" panose="020B0604020202020204" pitchFamily="34" charset="0"/>
+              </a:rPr>
+              <a:t>group_all_texts_style_str</a:t>
+            </a:r>
+            <a:r>
+              <a:rPr lang="de-CH" sz="800" b="1" dirty="0">
+                <a:latin typeface="Arial" panose="020B0604020202020204" pitchFamily="34" charset="0"/>
+                <a:cs typeface="Arial" panose="020B0604020202020204" pitchFamily="34" charset="0"/>
+              </a:rPr>
+              <a:t>  </a:t>
+            </a:r>
+            <a:r>
+              <a:rPr lang="de-CH" sz="800" b="1" dirty="0" err="1">
+                <a:latin typeface="Arial" panose="020B0604020202020204" pitchFamily="34" charset="0"/>
+                <a:cs typeface="Arial" panose="020B0604020202020204" pitchFamily="34" charset="0"/>
+              </a:rPr>
+              <a:t>clear</a:t>
+            </a:r>
+            <a:r>
+              <a:rPr lang="de-CH" sz="800" b="1" dirty="0">
+                <a:latin typeface="Arial" panose="020B0604020202020204" pitchFamily="34" charset="0"/>
+                <a:cs typeface="Arial" panose="020B0604020202020204" pitchFamily="34" charset="0"/>
+              </a:rPr>
+              <a:t> </a:t>
+            </a:r>
+            <a:r>
+              <a:rPr lang="de-CH" sz="800" b="1" dirty="0" err="1">
+                <a:latin typeface="Arial" panose="020B0604020202020204" pitchFamily="34" charset="0"/>
+                <a:cs typeface="Arial" panose="020B0604020202020204" pitchFamily="34" charset="0"/>
+              </a:rPr>
+              <a:t>both</a:t>
+            </a:r>
+            <a:endParaRPr lang="de-CH" sz="800" b="1" dirty="0">
+              <a:latin typeface="Arial" panose="020B0604020202020204" pitchFamily="34" charset="0"/>
+              <a:cs typeface="Arial" panose="020B0604020202020204" pitchFamily="34" charset="0"/>
+            </a:endParaRPr>
+          </a:p>
+        </p:txBody>
+      </p:sp>
+    </p:spTree>
+    <p:extLst>
+      <p:ext uri="{BB962C8B-B14F-4D97-AF65-F5344CB8AC3E}">
+        <p14:creationId xmlns:p14="http://schemas.microsoft.com/office/powerpoint/2010/main" val="3690395358"/>
+      </p:ext>
+    </p:extLst>
+  </p:cSld>
+  <p:clrMapOvr>
+    <a:masterClrMapping/>
+  </p:clrMapOvr>
+</p:sld>
+</file>
+
+<file path=ppt/slides/slide7.xml><?xml version="1.0" encoding="utf-8"?>
 <p:sld xmlns:a="http://schemas.openxmlformats.org/drawingml/2006/main" xmlns:r="http://schemas.openxmlformats.org/officeDocument/2006/relationships" xmlns:p="http://schemas.openxmlformats.org/presentationml/2006/main">
   <p:cSld>
     <p:spTree>
